--- a/PP OT.pptx
+++ b/PP OT.pptx
@@ -2857,6 +2857,13 @@
         </dgm:presLayoutVars>
       </dgm:prSet>
       <dgm:spPr/>
+      <dgm:t>
+        <a:bodyPr/>
+        <a:lstStyle/>
+        <a:p>
+          <a:endParaRPr lang="da-DK"/>
+        </a:p>
+      </dgm:t>
     </dgm:pt>
     <dgm:pt modelId="{05948CA5-24D0-4A27-A32F-8800CFF61603}" type="pres">
       <dgm:prSet presAssocID="{52A659DA-ADA8-4BE2-9BF8-243D169889C4}" presName="composite" presStyleCnt="0"/>
@@ -2911,6 +2918,13 @@
         </dgm:presLayoutVars>
       </dgm:prSet>
       <dgm:spPr/>
+      <dgm:t>
+        <a:bodyPr/>
+        <a:lstStyle/>
+        <a:p>
+          <a:endParaRPr lang="da-DK"/>
+        </a:p>
+      </dgm:t>
     </dgm:pt>
     <dgm:pt modelId="{32FEFB22-529A-4DEB-94AB-974D134C36B1}" type="pres">
       <dgm:prSet presAssocID="{600B8FE3-9716-41A1-9B7B-8B51F0B8BCAF}" presName="desTx" presStyleLbl="alignAccFollowNode1" presStyleIdx="1" presStyleCnt="2">
@@ -2931,11 +2945,11 @@
   <dgm:cxnLst>
     <dgm:cxn modelId="{5183070E-3D1B-4710-BED1-EAFB75C695B7}" type="presOf" srcId="{D6D3BE62-7020-4307-A61E-A86208C70DB7}" destId="{715E00C6-385C-4A10-810E-4CD87B5A52E3}" srcOrd="0" destOrd="1" presId="urn:microsoft.com/office/officeart/2005/8/layout/hList1"/>
     <dgm:cxn modelId="{9010347B-7262-44FB-A388-3FEBD451DBF5}" type="presOf" srcId="{34EEE3DE-E501-45CE-95AC-DD775AE6F410}" destId="{1900ABC8-B87B-4C03-816F-242564C670D5}" srcOrd="0" destOrd="0" presId="urn:microsoft.com/office/officeart/2005/8/layout/hList1"/>
+    <dgm:cxn modelId="{5CE6109F-DE3A-4CFD-A746-188E57168AD1}" srcId="{600B8FE3-9716-41A1-9B7B-8B51F0B8BCAF}" destId="{22897772-BD60-4BBC-BCAF-519F143F78C1}" srcOrd="4" destOrd="0" parTransId="{D4B35DA6-59AB-48BA-AB55-65BFB338124E}" sibTransId="{022958D3-5767-4B4B-A1A5-F4A6102E1D2B}"/>
     <dgm:cxn modelId="{FFA4A17D-2FDB-4A9E-801C-B6BF10B1245C}" srcId="{600B8FE3-9716-41A1-9B7B-8B51F0B8BCAF}" destId="{AB3AFDC2-80CC-4C17-A34C-D4EF77FB509B}" srcOrd="1" destOrd="0" parTransId="{B6DC72D2-9CD3-4478-97D4-29ECE266FCC9}" sibTransId="{5AE50BC1-0442-436B-B313-61AA91C6C8F3}"/>
-    <dgm:cxn modelId="{5CE6109F-DE3A-4CFD-A746-188E57168AD1}" srcId="{600B8FE3-9716-41A1-9B7B-8B51F0B8BCAF}" destId="{22897772-BD60-4BBC-BCAF-519F143F78C1}" srcOrd="4" destOrd="0" parTransId="{D4B35DA6-59AB-48BA-AB55-65BFB338124E}" sibTransId="{022958D3-5767-4B4B-A1A5-F4A6102E1D2B}"/>
+    <dgm:cxn modelId="{9973D14D-AAAB-49F0-BC4F-6EAD4A533344}" srcId="{600B8FE3-9716-41A1-9B7B-8B51F0B8BCAF}" destId="{CD51F79B-A94C-42C6-93E9-2C55A6E02BBC}" srcOrd="5" destOrd="0" parTransId="{8AA2F36C-56E6-4719-A273-22C032B42D0A}" sibTransId="{90B756F0-A259-42F9-BD86-5BDFC80C8D48}"/>
     <dgm:cxn modelId="{0329A5A0-FDC0-4A5A-A090-E51409D3D054}" srcId="{52A659DA-ADA8-4BE2-9BF8-243D169889C4}" destId="{E899D546-8E2A-448B-AD2C-DD81C8E0760A}" srcOrd="0" destOrd="0" parTransId="{D8B82C5A-12F3-4BE2-960E-941CB4725BFC}" sibTransId="{42A49BB6-A80A-472E-B463-6F4058486283}"/>
     <dgm:cxn modelId="{EA5AD48F-BACC-4FED-918B-02ECAE0919BC}" type="presOf" srcId="{CD51F79B-A94C-42C6-93E9-2C55A6E02BBC}" destId="{32FEFB22-529A-4DEB-94AB-974D134C36B1}" srcOrd="0" destOrd="5" presId="urn:microsoft.com/office/officeart/2005/8/layout/hList1"/>
-    <dgm:cxn modelId="{9973D14D-AAAB-49F0-BC4F-6EAD4A533344}" srcId="{600B8FE3-9716-41A1-9B7B-8B51F0B8BCAF}" destId="{CD51F79B-A94C-42C6-93E9-2C55A6E02BBC}" srcOrd="5" destOrd="0" parTransId="{8AA2F36C-56E6-4719-A273-22C032B42D0A}" sibTransId="{90B756F0-A259-42F9-BD86-5BDFC80C8D48}"/>
     <dgm:cxn modelId="{95AAC364-66AB-4106-910F-EA12E4D2F57A}" srcId="{34EEE3DE-E501-45CE-95AC-DD775AE6F410}" destId="{52A659DA-ADA8-4BE2-9BF8-243D169889C4}" srcOrd="0" destOrd="0" parTransId="{9DA0738C-7694-453F-8082-109ED9B08BF2}" sibTransId="{BA44E52B-F2FA-44C9-8040-BB4B6107AA72}"/>
     <dgm:cxn modelId="{98A00989-C38C-4E15-8058-C54603A7F121}" type="presOf" srcId="{52A659DA-ADA8-4BE2-9BF8-243D169889C4}" destId="{3F48B506-E5C1-45E4-8F23-348ECC7D7CF1}" srcOrd="0" destOrd="0" presId="urn:microsoft.com/office/officeart/2005/8/layout/hList1"/>
     <dgm:cxn modelId="{1931A736-7A93-44CD-ABE6-A08233214AB9}" type="presOf" srcId="{0B320BD9-B987-434B-A255-9495CF55A8DF}" destId="{32FEFB22-529A-4DEB-94AB-974D134C36B1}" srcOrd="0" destOrd="0" presId="urn:microsoft.com/office/officeart/2005/8/layout/hList1"/>
@@ -2944,13 +2958,13 @@
     <dgm:cxn modelId="{5FFDA814-352E-4A4A-830F-34413E4E2BC4}" srcId="{52A659DA-ADA8-4BE2-9BF8-243D169889C4}" destId="{D6D3BE62-7020-4307-A61E-A86208C70DB7}" srcOrd="1" destOrd="0" parTransId="{68AF0181-CD90-425A-A2F7-A87755B788D3}" sibTransId="{1ED0AD21-8927-4A39-ADA5-50B106257E10}"/>
     <dgm:cxn modelId="{094B30C4-6B29-4171-B992-3FF2FECF4B6C}" srcId="{600B8FE3-9716-41A1-9B7B-8B51F0B8BCAF}" destId="{396D9C85-3D89-47BD-9C45-7B6C85AC2F40}" srcOrd="2" destOrd="0" parTransId="{48202FF8-2860-4827-B00D-449C72D85BBA}" sibTransId="{6289321E-E170-4982-BEF0-70BB715FD358}"/>
     <dgm:cxn modelId="{F168FA6B-187A-4726-89D0-274C54A53281}" srcId="{600B8FE3-9716-41A1-9B7B-8B51F0B8BCAF}" destId="{0B320BD9-B987-434B-A255-9495CF55A8DF}" srcOrd="0" destOrd="0" parTransId="{28499046-9B70-4DA4-AAE0-BAC297E078A4}" sibTransId="{748FF703-7D70-447B-9980-01DA513DCE78}"/>
+    <dgm:cxn modelId="{E50E5D39-FFC1-49D1-8929-875F69AE689B}" type="presOf" srcId="{396D9C85-3D89-47BD-9C45-7B6C85AC2F40}" destId="{32FEFB22-529A-4DEB-94AB-974D134C36B1}" srcOrd="0" destOrd="2" presId="urn:microsoft.com/office/officeart/2005/8/layout/hList1"/>
     <dgm:cxn modelId="{BB00A155-1671-4835-A727-8AFF5A472E11}" type="presOf" srcId="{82084C8F-CF79-40E2-9DF7-A3E3349A7796}" destId="{32FEFB22-529A-4DEB-94AB-974D134C36B1}" srcOrd="0" destOrd="3" presId="urn:microsoft.com/office/officeart/2005/8/layout/hList1"/>
-    <dgm:cxn modelId="{E50E5D39-FFC1-49D1-8929-875F69AE689B}" type="presOf" srcId="{396D9C85-3D89-47BD-9C45-7B6C85AC2F40}" destId="{32FEFB22-529A-4DEB-94AB-974D134C36B1}" srcOrd="0" destOrd="2" presId="urn:microsoft.com/office/officeart/2005/8/layout/hList1"/>
     <dgm:cxn modelId="{8E179278-C426-4AA1-9EE9-BA4D09BEE069}" srcId="{600B8FE3-9716-41A1-9B7B-8B51F0B8BCAF}" destId="{82084C8F-CF79-40E2-9DF7-A3E3349A7796}" srcOrd="3" destOrd="0" parTransId="{DFA5E201-A366-4FC7-889A-83963A140723}" sibTransId="{6FE823CD-8083-4884-BBD2-9A28B620123A}"/>
     <dgm:cxn modelId="{BCDF1CB9-ABD0-485E-AD34-B21A95DAEFCF}" srcId="{600B8FE3-9716-41A1-9B7B-8B51F0B8BCAF}" destId="{E24C2913-7666-4670-82C5-B25778515816}" srcOrd="6" destOrd="0" parTransId="{F176B324-5D50-410B-9992-6E1358F1898C}" sibTransId="{20042014-0287-48C2-954A-C7929EA31CD8}"/>
     <dgm:cxn modelId="{668113C9-9A5A-498E-8521-05C4D298B705}" srcId="{34EEE3DE-E501-45CE-95AC-DD775AE6F410}" destId="{600B8FE3-9716-41A1-9B7B-8B51F0B8BCAF}" srcOrd="1" destOrd="0" parTransId="{0FAD610E-19ED-4472-BDC1-CA624911D2D9}" sibTransId="{8783E9A1-3749-4E60-B61B-8C90723EB678}"/>
+    <dgm:cxn modelId="{10AE9267-6033-462D-AEBF-E41302BF8280}" type="presOf" srcId="{9B17F802-7EA3-462B-8945-3084C1136831}" destId="{715E00C6-385C-4A10-810E-4CD87B5A52E3}" srcOrd="0" destOrd="2" presId="urn:microsoft.com/office/officeart/2005/8/layout/hList1"/>
     <dgm:cxn modelId="{7A49882D-0DE8-4127-990E-5007B37A14F0}" type="presOf" srcId="{22897772-BD60-4BBC-BCAF-519F143F78C1}" destId="{32FEFB22-529A-4DEB-94AB-974D134C36B1}" srcOrd="0" destOrd="4" presId="urn:microsoft.com/office/officeart/2005/8/layout/hList1"/>
-    <dgm:cxn modelId="{10AE9267-6033-462D-AEBF-E41302BF8280}" type="presOf" srcId="{9B17F802-7EA3-462B-8945-3084C1136831}" destId="{715E00C6-385C-4A10-810E-4CD87B5A52E3}" srcOrd="0" destOrd="2" presId="urn:microsoft.com/office/officeart/2005/8/layout/hList1"/>
     <dgm:cxn modelId="{B5A1E184-59AE-45C8-9490-7AE96FC0EE52}" type="presOf" srcId="{E899D546-8E2A-448B-AD2C-DD81C8E0760A}" destId="{715E00C6-385C-4A10-810E-4CD87B5A52E3}" srcOrd="0" destOrd="0" presId="urn:microsoft.com/office/officeart/2005/8/layout/hList1"/>
     <dgm:cxn modelId="{0FAB94A0-CFEF-47FA-B534-CCEBF040182F}" type="presOf" srcId="{600B8FE3-9716-41A1-9B7B-8B51F0B8BCAF}" destId="{B28EAFB1-C51E-4C34-8EE4-19770E2A00A4}" srcOrd="0" destOrd="0" presId="urn:microsoft.com/office/officeart/2005/8/layout/hList1"/>
     <dgm:cxn modelId="{99BB7AF5-DFF9-488B-B5DA-764977A21DF1}" type="presOf" srcId="{E24C2913-7666-4670-82C5-B25778515816}" destId="{32FEFB22-529A-4DEB-94AB-974D134C36B1}" srcOrd="0" destOrd="6" presId="urn:microsoft.com/office/officeart/2005/8/layout/hList1"/>
@@ -3171,6 +3185,43 @@
         </a:p>
       </dgm:t>
     </dgm:pt>
+    <dgm:pt modelId="{CB407907-C5CA-415F-944C-0A4976D9DEF5}">
+      <dgm:prSet phldrT="[Text]"/>
+      <dgm:spPr/>
+      <dgm:t>
+        <a:bodyPr/>
+        <a:lstStyle/>
+        <a:p>
+          <a:r>
+            <a:rPr lang="da-DK" dirty="0" smtClean="0"/>
+            <a:t>Lave løsningen webbaseret</a:t>
+          </a:r>
+          <a:endParaRPr lang="da-DK" dirty="0"/>
+        </a:p>
+      </dgm:t>
+    </dgm:pt>
+    <dgm:pt modelId="{7E92BC29-BC76-4E53-9842-B3AD7E6CE031}" type="parTrans" cxnId="{50782F37-4BB6-4B0A-8B8A-084F2BE9B82D}">
+      <dgm:prSet/>
+      <dgm:spPr/>
+      <dgm:t>
+        <a:bodyPr/>
+        <a:lstStyle/>
+        <a:p>
+          <a:endParaRPr lang="da-DK"/>
+        </a:p>
+      </dgm:t>
+    </dgm:pt>
+    <dgm:pt modelId="{50198FCF-CC67-40F4-A9E2-DCA20B3FC6C1}" type="sibTrans" cxnId="{50782F37-4BB6-4B0A-8B8A-084F2BE9B82D}">
+      <dgm:prSet/>
+      <dgm:spPr/>
+      <dgm:t>
+        <a:bodyPr/>
+        <a:lstStyle/>
+        <a:p>
+          <a:endParaRPr lang="da-DK"/>
+        </a:p>
+      </dgm:t>
+    </dgm:pt>
     <dgm:pt modelId="{E86ED7E3-B495-446D-B025-793E0CE45414}" type="pres">
       <dgm:prSet presAssocID="{341452CE-ECE6-4C50-AE89-91EAC89DECA2}" presName="Name0" presStyleCnt="0">
         <dgm:presLayoutVars>
@@ -3180,6 +3231,13 @@
         </dgm:presLayoutVars>
       </dgm:prSet>
       <dgm:spPr/>
+      <dgm:t>
+        <a:bodyPr/>
+        <a:lstStyle/>
+        <a:p>
+          <a:endParaRPr lang="da-DK"/>
+        </a:p>
+      </dgm:t>
     </dgm:pt>
     <dgm:pt modelId="{C0C8776A-2046-462C-98FF-792C1B8D400E}" type="pres">
       <dgm:prSet presAssocID="{6DDCA1AB-E0BB-4B2D-99F0-B6626434D626}" presName="composite" presStyleCnt="0"/>
@@ -3219,17 +3277,19 @@
     </dgm:pt>
   </dgm:ptLst>
   <dgm:cxnLst>
+    <dgm:cxn modelId="{99B6E145-28DF-41C3-B7CA-97FA9CF0EFDC}" srcId="{6DDCA1AB-E0BB-4B2D-99F0-B6626434D626}" destId="{75C9221A-F639-496F-AC4D-485BD9571135}" srcOrd="1" destOrd="0" parTransId="{5DCE73DF-EF9D-429C-8E83-0012BC99CCAB}" sibTransId="{4D9D7835-4ED5-4266-918F-ED65F5E36760}"/>
+    <dgm:cxn modelId="{33F6FBCF-A6EE-4649-9E65-291F0B3CE3CF}" srcId="{6DDCA1AB-E0BB-4B2D-99F0-B6626434D626}" destId="{5B69FA3F-D8D6-4A18-BA0B-665DEACE4AA7}" srcOrd="0" destOrd="0" parTransId="{1B9036A6-0D42-4590-90FA-9A20C5EC5528}" sibTransId="{F0EC1901-FA7E-406E-B8F7-2B73960DA143}"/>
+    <dgm:cxn modelId="{397027E8-5AF1-4E30-AC76-6F8E0AC161C0}" srcId="{6DDCA1AB-E0BB-4B2D-99F0-B6626434D626}" destId="{9F53B7EC-2C89-4316-880F-9F44DA961904}" srcOrd="3" destOrd="0" parTransId="{096596E5-9767-4FCE-B68B-D391801F9199}" sibTransId="{52DE018A-E1C5-42F9-A3DD-E285CC21A415}"/>
+    <dgm:cxn modelId="{B5F278BC-83A1-406F-8EDC-DA753B06EB69}" type="presOf" srcId="{5B69FA3F-D8D6-4A18-BA0B-665DEACE4AA7}" destId="{56CFF0D8-9A8C-46CF-9D1E-C00B28B6C225}" srcOrd="0" destOrd="0" presId="urn:microsoft.com/office/officeart/2005/8/layout/hList1"/>
+    <dgm:cxn modelId="{182DF3E2-EAA2-452C-92B1-59C3868F6687}" type="presOf" srcId="{CB407907-C5CA-415F-944C-0A4976D9DEF5}" destId="{56CFF0D8-9A8C-46CF-9D1E-C00B28B6C225}" srcOrd="0" destOrd="2" presId="urn:microsoft.com/office/officeart/2005/8/layout/hList1"/>
+    <dgm:cxn modelId="{C5093C3B-44BF-4A8D-B2CD-7451B6054F96}" srcId="{6DDCA1AB-E0BB-4B2D-99F0-B6626434D626}" destId="{51767F88-D838-4F15-BEF3-A7F372AED2E9}" srcOrd="4" destOrd="0" parTransId="{8C40DFC4-73F2-4793-B5E6-E00AD7163302}" sibTransId="{CB0A1C02-388F-4EC1-9EDC-BE909B082F02}"/>
+    <dgm:cxn modelId="{50782F37-4BB6-4B0A-8B8A-084F2BE9B82D}" srcId="{6DDCA1AB-E0BB-4B2D-99F0-B6626434D626}" destId="{CB407907-C5CA-415F-944C-0A4976D9DEF5}" srcOrd="2" destOrd="0" parTransId="{7E92BC29-BC76-4E53-9842-B3AD7E6CE031}" sibTransId="{50198FCF-CC67-40F4-A9E2-DCA20B3FC6C1}"/>
+    <dgm:cxn modelId="{D394737A-EB1A-4E23-802C-FF8ABABB75FC}" type="presOf" srcId="{341452CE-ECE6-4C50-AE89-91EAC89DECA2}" destId="{E86ED7E3-B495-446D-B025-793E0CE45414}" srcOrd="0" destOrd="0" presId="urn:microsoft.com/office/officeart/2005/8/layout/hList1"/>
+    <dgm:cxn modelId="{3A394646-6ED1-4C5F-B91B-9B4CCDE1676C}" type="presOf" srcId="{9F53B7EC-2C89-4316-880F-9F44DA961904}" destId="{56CFF0D8-9A8C-46CF-9D1E-C00B28B6C225}" srcOrd="0" destOrd="3" presId="urn:microsoft.com/office/officeart/2005/8/layout/hList1"/>
+    <dgm:cxn modelId="{6EB18BEA-D5C5-456F-9ED3-DB1E5AD71F80}" type="presOf" srcId="{51767F88-D838-4F15-BEF3-A7F372AED2E9}" destId="{56CFF0D8-9A8C-46CF-9D1E-C00B28B6C225}" srcOrd="0" destOrd="4" presId="urn:microsoft.com/office/officeart/2005/8/layout/hList1"/>
+    <dgm:cxn modelId="{AA5895F1-DDEE-4114-9D79-CA0D515BA32D}" srcId="{341452CE-ECE6-4C50-AE89-91EAC89DECA2}" destId="{6DDCA1AB-E0BB-4B2D-99F0-B6626434D626}" srcOrd="0" destOrd="0" parTransId="{40C40BDA-5A97-47C9-8BD5-979D05A17C91}" sibTransId="{20B14FA8-79D8-4571-8449-D36CB49B9B7C}"/>
     <dgm:cxn modelId="{4B6D51CD-1E93-4121-9E28-88C03F84B799}" type="presOf" srcId="{75C9221A-F639-496F-AC4D-485BD9571135}" destId="{56CFF0D8-9A8C-46CF-9D1E-C00B28B6C225}" srcOrd="0" destOrd="1" presId="urn:microsoft.com/office/officeart/2005/8/layout/hList1"/>
-    <dgm:cxn modelId="{6EB18BEA-D5C5-456F-9ED3-DB1E5AD71F80}" type="presOf" srcId="{51767F88-D838-4F15-BEF3-A7F372AED2E9}" destId="{56CFF0D8-9A8C-46CF-9D1E-C00B28B6C225}" srcOrd="0" destOrd="3" presId="urn:microsoft.com/office/officeart/2005/8/layout/hList1"/>
-    <dgm:cxn modelId="{B5F278BC-83A1-406F-8EDC-DA753B06EB69}" type="presOf" srcId="{5B69FA3F-D8D6-4A18-BA0B-665DEACE4AA7}" destId="{56CFF0D8-9A8C-46CF-9D1E-C00B28B6C225}" srcOrd="0" destOrd="0" presId="urn:microsoft.com/office/officeart/2005/8/layout/hList1"/>
-    <dgm:cxn modelId="{99B6E145-28DF-41C3-B7CA-97FA9CF0EFDC}" srcId="{6DDCA1AB-E0BB-4B2D-99F0-B6626434D626}" destId="{75C9221A-F639-496F-AC4D-485BD9571135}" srcOrd="1" destOrd="0" parTransId="{5DCE73DF-EF9D-429C-8E83-0012BC99CCAB}" sibTransId="{4D9D7835-4ED5-4266-918F-ED65F5E36760}"/>
-    <dgm:cxn modelId="{397027E8-5AF1-4E30-AC76-6F8E0AC161C0}" srcId="{6DDCA1AB-E0BB-4B2D-99F0-B6626434D626}" destId="{9F53B7EC-2C89-4316-880F-9F44DA961904}" srcOrd="2" destOrd="0" parTransId="{096596E5-9767-4FCE-B68B-D391801F9199}" sibTransId="{52DE018A-E1C5-42F9-A3DD-E285CC21A415}"/>
     <dgm:cxn modelId="{EE7C334C-5E41-4C16-AD5C-0B417AD64677}" type="presOf" srcId="{6DDCA1AB-E0BB-4B2D-99F0-B6626434D626}" destId="{0FE92539-64E2-4851-8F8D-DF1973E59265}" srcOrd="0" destOrd="0" presId="urn:microsoft.com/office/officeart/2005/8/layout/hList1"/>
-    <dgm:cxn modelId="{3A394646-6ED1-4C5F-B91B-9B4CCDE1676C}" type="presOf" srcId="{9F53B7EC-2C89-4316-880F-9F44DA961904}" destId="{56CFF0D8-9A8C-46CF-9D1E-C00B28B6C225}" srcOrd="0" destOrd="2" presId="urn:microsoft.com/office/officeart/2005/8/layout/hList1"/>
-    <dgm:cxn modelId="{D394737A-EB1A-4E23-802C-FF8ABABB75FC}" type="presOf" srcId="{341452CE-ECE6-4C50-AE89-91EAC89DECA2}" destId="{E86ED7E3-B495-446D-B025-793E0CE45414}" srcOrd="0" destOrd="0" presId="urn:microsoft.com/office/officeart/2005/8/layout/hList1"/>
-    <dgm:cxn modelId="{C5093C3B-44BF-4A8D-B2CD-7451B6054F96}" srcId="{6DDCA1AB-E0BB-4B2D-99F0-B6626434D626}" destId="{51767F88-D838-4F15-BEF3-A7F372AED2E9}" srcOrd="3" destOrd="0" parTransId="{8C40DFC4-73F2-4793-B5E6-E00AD7163302}" sibTransId="{CB0A1C02-388F-4EC1-9EDC-BE909B082F02}"/>
-    <dgm:cxn modelId="{33F6FBCF-A6EE-4649-9E65-291F0B3CE3CF}" srcId="{6DDCA1AB-E0BB-4B2D-99F0-B6626434D626}" destId="{5B69FA3F-D8D6-4A18-BA0B-665DEACE4AA7}" srcOrd="0" destOrd="0" parTransId="{1B9036A6-0D42-4590-90FA-9A20C5EC5528}" sibTransId="{F0EC1901-FA7E-406E-B8F7-2B73960DA143}"/>
-    <dgm:cxn modelId="{AA5895F1-DDEE-4114-9D79-CA0D515BA32D}" srcId="{341452CE-ECE6-4C50-AE89-91EAC89DECA2}" destId="{6DDCA1AB-E0BB-4B2D-99F0-B6626434D626}" srcOrd="0" destOrd="0" parTransId="{40C40BDA-5A97-47C9-8BD5-979D05A17C91}" sibTransId="{20B14FA8-79D8-4571-8449-D36CB49B9B7C}"/>
     <dgm:cxn modelId="{6D1D85D4-2CB1-418D-9015-9B6180B9B1CA}" type="presParOf" srcId="{E86ED7E3-B495-446D-B025-793E0CE45414}" destId="{C0C8776A-2046-462C-98FF-792C1B8D400E}" srcOrd="0" destOrd="0" presId="urn:microsoft.com/office/officeart/2005/8/layout/hList1"/>
     <dgm:cxn modelId="{1C291484-71EE-4571-B850-1E738B90E865}" type="presParOf" srcId="{C0C8776A-2046-462C-98FF-792C1B8D400E}" destId="{0FE92539-64E2-4851-8F8D-DF1973E59265}" srcOrd="0" destOrd="0" presId="urn:microsoft.com/office/officeart/2005/8/layout/hList1"/>
     <dgm:cxn modelId="{1C9FBF33-EAF6-4811-9368-637A564E64A9}" type="presParOf" srcId="{C0C8776A-2046-462C-98FF-792C1B8D400E}" destId="{56CFF0D8-9A8C-46CF-9D1E-C00B28B6C225}" srcOrd="1" destOrd="0" presId="urn:microsoft.com/office/officeart/2005/8/layout/hList1"/>
@@ -3410,6 +3470,29 @@
         </a:p>
       </dgm:t>
     </dgm:pt>
+    <dgm:pt modelId="{227E0A02-C909-44B9-9A7F-A3FAC0BC5C0D}">
+      <dgm:prSet phldrT="[Text]"/>
+      <dgm:spPr/>
+      <dgm:t>
+        <a:bodyPr/>
+        <a:lstStyle/>
+        <a:p>
+          <a:r>
+            <a:rPr lang="da-DK" dirty="0" err="1" smtClean="0"/>
+            <a:t>Livetracking</a:t>
+          </a:r>
+          <a:endParaRPr lang="da-DK" dirty="0"/>
+        </a:p>
+      </dgm:t>
+    </dgm:pt>
+    <dgm:pt modelId="{AE397269-57E4-43B0-AA82-480DA2578128}" type="parTrans" cxnId="{EA26716D-6DAB-432F-B468-871EA7AC2854}">
+      <dgm:prSet/>
+      <dgm:spPr/>
+    </dgm:pt>
+    <dgm:pt modelId="{F5F5F129-8957-4A17-82F7-EC8AF3301EA8}" type="sibTrans" cxnId="{EA26716D-6DAB-432F-B468-871EA7AC2854}">
+      <dgm:prSet/>
+      <dgm:spPr/>
+    </dgm:pt>
     <dgm:pt modelId="{5F1228D1-F19C-40A2-8C44-F444140A9E5D}" type="pres">
       <dgm:prSet presAssocID="{7AF82B2F-6B22-4298-AFBC-7E6B8D21D435}" presName="Name0" presStyleCnt="0">
         <dgm:presLayoutVars>
@@ -3419,6 +3502,13 @@
         </dgm:presLayoutVars>
       </dgm:prSet>
       <dgm:spPr/>
+      <dgm:t>
+        <a:bodyPr/>
+        <a:lstStyle/>
+        <a:p>
+          <a:endParaRPr lang="da-DK"/>
+        </a:p>
+      </dgm:t>
     </dgm:pt>
     <dgm:pt modelId="{AB70D396-4D0A-40D5-A5B6-5F3F91E7066A}" type="pres">
       <dgm:prSet presAssocID="{53243EA7-32DA-4CD1-A30C-03825C554C3C}" presName="composite" presStyleCnt="0"/>
@@ -3458,15 +3548,17 @@
     </dgm:pt>
   </dgm:ptLst>
   <dgm:cxnLst>
-    <dgm:cxn modelId="{2D098A3D-B354-4031-A6D4-5C99429FB3F0}" srcId="{53243EA7-32DA-4CD1-A30C-03825C554C3C}" destId="{FE6F5B50-F577-4DA6-BD40-86DF42C9908D}" srcOrd="2" destOrd="0" parTransId="{1BDC0813-ED21-4CA8-A56F-C0FFBA5BF8C0}" sibTransId="{14E6ED18-4B33-4C35-B496-29F539011F2C}"/>
+    <dgm:cxn modelId="{2D098A3D-B354-4031-A6D4-5C99429FB3F0}" srcId="{53243EA7-32DA-4CD1-A30C-03825C554C3C}" destId="{FE6F5B50-F577-4DA6-BD40-86DF42C9908D}" srcOrd="3" destOrd="0" parTransId="{1BDC0813-ED21-4CA8-A56F-C0FFBA5BF8C0}" sibTransId="{14E6ED18-4B33-4C35-B496-29F539011F2C}"/>
+    <dgm:cxn modelId="{DFD4022E-6D3D-41EE-8A65-0FE350DEE182}" srcId="{53243EA7-32DA-4CD1-A30C-03825C554C3C}" destId="{F65C94A6-EA6D-433E-994E-EFC7E2540620}" srcOrd="1" destOrd="0" parTransId="{A0A35DCB-0A8A-47BE-96CE-B1A19D224984}" sibTransId="{D64EF7F6-9452-485E-91B7-3F83BD7219D6}"/>
     <dgm:cxn modelId="{BC76ACB2-D312-4F27-A8A1-D111851AC62D}" type="presOf" srcId="{53243EA7-32DA-4CD1-A30C-03825C554C3C}" destId="{3476AA92-C0F9-4052-AC21-C46B06F56441}" srcOrd="0" destOrd="0" presId="urn:microsoft.com/office/officeart/2005/8/layout/hList1"/>
-    <dgm:cxn modelId="{9F8E328F-EC67-4065-91DC-D84AB0BAE611}" type="presOf" srcId="{F9EFAE4C-FD7A-48AD-BCE6-1698C2C077E8}" destId="{3291D09C-50D6-4894-9C83-4592B00FC0A3}" srcOrd="0" destOrd="1" presId="urn:microsoft.com/office/officeart/2005/8/layout/hList1"/>
+    <dgm:cxn modelId="{EA26716D-6DAB-432F-B468-871EA7AC2854}" srcId="{53243EA7-32DA-4CD1-A30C-03825C554C3C}" destId="{227E0A02-C909-44B9-9A7F-A3FAC0BC5C0D}" srcOrd="0" destOrd="0" parTransId="{AE397269-57E4-43B0-AA82-480DA2578128}" sibTransId="{F5F5F129-8957-4A17-82F7-EC8AF3301EA8}"/>
     <dgm:cxn modelId="{95104B8E-91A5-440B-91E6-D9D34628D749}" type="presOf" srcId="{7AF82B2F-6B22-4298-AFBC-7E6B8D21D435}" destId="{5F1228D1-F19C-40A2-8C44-F444140A9E5D}" srcOrd="0" destOrd="0" presId="urn:microsoft.com/office/officeart/2005/8/layout/hList1"/>
-    <dgm:cxn modelId="{B2A41DD3-22D2-4ECD-BA0C-9B42BB387E7B}" type="presOf" srcId="{FE6F5B50-F577-4DA6-BD40-86DF42C9908D}" destId="{3291D09C-50D6-4894-9C83-4592B00FC0A3}" srcOrd="0" destOrd="2" presId="urn:microsoft.com/office/officeart/2005/8/layout/hList1"/>
+    <dgm:cxn modelId="{00DBD3A1-1A41-4E2A-8AD0-F6A7F337BA8B}" type="presOf" srcId="{F9EFAE4C-FD7A-48AD-BCE6-1698C2C077E8}" destId="{3291D09C-50D6-4894-9C83-4592B00FC0A3}" srcOrd="0" destOrd="2" presId="urn:microsoft.com/office/officeart/2005/8/layout/hList1"/>
+    <dgm:cxn modelId="{AA6648AC-4DDD-4DDE-9270-0C17969950A2}" type="presOf" srcId="{227E0A02-C909-44B9-9A7F-A3FAC0BC5C0D}" destId="{3291D09C-50D6-4894-9C83-4592B00FC0A3}" srcOrd="0" destOrd="0" presId="urn:microsoft.com/office/officeart/2005/8/layout/hList1"/>
+    <dgm:cxn modelId="{B7C0246E-8820-451D-93F5-F09683689EDA}" type="presOf" srcId="{F65C94A6-EA6D-433E-994E-EFC7E2540620}" destId="{3291D09C-50D6-4894-9C83-4592B00FC0A3}" srcOrd="0" destOrd="1" presId="urn:microsoft.com/office/officeart/2005/8/layout/hList1"/>
+    <dgm:cxn modelId="{1D4605AF-B7B6-4978-9B6C-504F252C9091}" type="presOf" srcId="{FE6F5B50-F577-4DA6-BD40-86DF42C9908D}" destId="{3291D09C-50D6-4894-9C83-4592B00FC0A3}" srcOrd="0" destOrd="3" presId="urn:microsoft.com/office/officeart/2005/8/layout/hList1"/>
+    <dgm:cxn modelId="{C996A175-B848-405A-B647-480D6D1D3993}" srcId="{53243EA7-32DA-4CD1-A30C-03825C554C3C}" destId="{F9EFAE4C-FD7A-48AD-BCE6-1698C2C077E8}" srcOrd="2" destOrd="0" parTransId="{38A4D082-7DC1-4EF8-B894-A4FF61471C3B}" sibTransId="{DBCE0A01-9267-4587-9560-E5A19C607238}"/>
     <dgm:cxn modelId="{325C9457-2D91-4844-A063-986A6917CB66}" srcId="{7AF82B2F-6B22-4298-AFBC-7E6B8D21D435}" destId="{53243EA7-32DA-4CD1-A30C-03825C554C3C}" srcOrd="0" destOrd="0" parTransId="{8DEC71BE-ACAA-40D0-82E4-FB74798D6B5B}" sibTransId="{34CAE4F7-04EC-4386-A441-874484E91F2D}"/>
-    <dgm:cxn modelId="{DFD4022E-6D3D-41EE-8A65-0FE350DEE182}" srcId="{53243EA7-32DA-4CD1-A30C-03825C554C3C}" destId="{F65C94A6-EA6D-433E-994E-EFC7E2540620}" srcOrd="0" destOrd="0" parTransId="{A0A35DCB-0A8A-47BE-96CE-B1A19D224984}" sibTransId="{D64EF7F6-9452-485E-91B7-3F83BD7219D6}"/>
-    <dgm:cxn modelId="{29D7EEBC-48D7-4490-8952-65279BCA6AC5}" type="presOf" srcId="{F65C94A6-EA6D-433E-994E-EFC7E2540620}" destId="{3291D09C-50D6-4894-9C83-4592B00FC0A3}" srcOrd="0" destOrd="0" presId="urn:microsoft.com/office/officeart/2005/8/layout/hList1"/>
-    <dgm:cxn modelId="{C996A175-B848-405A-B647-480D6D1D3993}" srcId="{53243EA7-32DA-4CD1-A30C-03825C554C3C}" destId="{F9EFAE4C-FD7A-48AD-BCE6-1698C2C077E8}" srcOrd="1" destOrd="0" parTransId="{38A4D082-7DC1-4EF8-B894-A4FF61471C3B}" sibTransId="{DBCE0A01-9267-4587-9560-E5A19C607238}"/>
     <dgm:cxn modelId="{3AF84BD3-2C15-4E64-9C8C-BBA2281E37D7}" type="presParOf" srcId="{5F1228D1-F19C-40A2-8C44-F444140A9E5D}" destId="{AB70D396-4D0A-40D5-A5B6-5F3F91E7066A}" srcOrd="0" destOrd="0" presId="urn:microsoft.com/office/officeart/2005/8/layout/hList1"/>
     <dgm:cxn modelId="{38759518-9247-4678-95CF-B647B022302B}" type="presParOf" srcId="{AB70D396-4D0A-40D5-A5B6-5F3F91E7066A}" destId="{3476AA92-C0F9-4052-AC21-C46B06F56441}" srcOrd="0" destOrd="0" presId="urn:microsoft.com/office/officeart/2005/8/layout/hList1"/>
     <dgm:cxn modelId="{A9C1EF09-3351-40E5-A15D-A056995908F2}" type="presParOf" srcId="{AB70D396-4D0A-40D5-A5B6-5F3F91E7066A}" destId="{3291D09C-50D6-4894-9C83-4592B00FC0A3}" srcOrd="1" destOrd="0" presId="urn:microsoft.com/office/officeart/2005/8/layout/hList1"/>
@@ -3990,6 +4082,251 @@
       </dsp:nvSpPr>
       <dsp:spPr>
         <a:xfrm>
+          <a:off x="0" y="43063"/>
+          <a:ext cx="8229600" cy="835200"/>
+        </a:xfrm>
+        <a:prstGeom prst="rect">
+          <a:avLst/>
+        </a:prstGeom>
+        <a:solidFill>
+          <a:schemeClr val="accent1">
+            <a:hueOff val="0"/>
+            <a:satOff val="0"/>
+            <a:lumOff val="0"/>
+            <a:alphaOff val="0"/>
+          </a:schemeClr>
+        </a:solidFill>
+        <a:ln w="25400" cap="flat" cmpd="sng" algn="ctr">
+          <a:solidFill>
+            <a:schemeClr val="accent1">
+              <a:hueOff val="0"/>
+              <a:satOff val="0"/>
+              <a:lumOff val="0"/>
+              <a:alphaOff val="0"/>
+            </a:schemeClr>
+          </a:solidFill>
+          <a:prstDash val="solid"/>
+        </a:ln>
+        <a:effectLst/>
+      </dsp:spPr>
+      <dsp:style>
+        <a:lnRef idx="2">
+          <a:scrgbClr r="0" g="0" b="0"/>
+        </a:lnRef>
+        <a:fillRef idx="1">
+          <a:scrgbClr r="0" g="0" b="0"/>
+        </a:fillRef>
+        <a:effectRef idx="0">
+          <a:scrgbClr r="0" g="0" b="0"/>
+        </a:effectRef>
+        <a:fontRef idx="minor">
+          <a:schemeClr val="lt1"/>
+        </a:fontRef>
+      </dsp:style>
+      <dsp:txBody>
+        <a:bodyPr spcFirstLastPara="0" vert="horz" wrap="square" lIns="206248" tIns="117856" rIns="206248" bIns="117856" numCol="1" spcCol="1270" anchor="ctr" anchorCtr="0">
+          <a:noAutofit/>
+        </a:bodyPr>
+        <a:lstStyle/>
+        <a:p>
+          <a:pPr lvl="0" algn="ctr" defTabSz="1289050">
+            <a:lnSpc>
+              <a:spcPct val="90000"/>
+            </a:lnSpc>
+            <a:spcBef>
+              <a:spcPct val="0"/>
+            </a:spcBef>
+            <a:spcAft>
+              <a:spcPct val="35000"/>
+            </a:spcAft>
+          </a:pPr>
+          <a:r>
+            <a:rPr lang="da-DK" sz="2900" kern="1200" dirty="0" smtClean="0"/>
+            <a:t>Løsningen fremadrettet</a:t>
+          </a:r>
+          <a:endParaRPr lang="da-DK" sz="2900" kern="1200" dirty="0"/>
+        </a:p>
+      </dsp:txBody>
+      <dsp:txXfrm>
+        <a:off x="0" y="43063"/>
+        <a:ext cx="8229600" cy="835200"/>
+      </dsp:txXfrm>
+    </dsp:sp>
+    <dsp:sp modelId="{56CFF0D8-9A8C-46CF-9D1E-C00B28B6C225}">
+      <dsp:nvSpPr>
+        <dsp:cNvPr id="0" name=""/>
+        <dsp:cNvSpPr/>
+      </dsp:nvSpPr>
+      <dsp:spPr>
+        <a:xfrm>
+          <a:off x="0" y="878264"/>
+          <a:ext cx="8229600" cy="2547360"/>
+        </a:xfrm>
+        <a:prstGeom prst="rect">
+          <a:avLst/>
+        </a:prstGeom>
+        <a:solidFill>
+          <a:schemeClr val="accent1">
+            <a:alpha val="90000"/>
+            <a:tint val="40000"/>
+            <a:hueOff val="0"/>
+            <a:satOff val="0"/>
+            <a:lumOff val="0"/>
+            <a:alphaOff val="0"/>
+          </a:schemeClr>
+        </a:solidFill>
+        <a:ln w="25400" cap="flat" cmpd="sng" algn="ctr">
+          <a:solidFill>
+            <a:schemeClr val="accent1">
+              <a:alpha val="90000"/>
+              <a:tint val="40000"/>
+              <a:hueOff val="0"/>
+              <a:satOff val="0"/>
+              <a:lumOff val="0"/>
+              <a:alphaOff val="0"/>
+            </a:schemeClr>
+          </a:solidFill>
+          <a:prstDash val="solid"/>
+        </a:ln>
+        <a:effectLst/>
+      </dsp:spPr>
+      <dsp:style>
+        <a:lnRef idx="2">
+          <a:scrgbClr r="0" g="0" b="0"/>
+        </a:lnRef>
+        <a:fillRef idx="1">
+          <a:scrgbClr r="0" g="0" b="0"/>
+        </a:fillRef>
+        <a:effectRef idx="0">
+          <a:scrgbClr r="0" g="0" b="0"/>
+        </a:effectRef>
+        <a:fontRef idx="minor"/>
+      </dsp:style>
+      <dsp:txBody>
+        <a:bodyPr spcFirstLastPara="0" vert="horz" wrap="square" lIns="154686" tIns="154686" rIns="206248" bIns="232029" numCol="1" spcCol="1270" anchor="t" anchorCtr="0">
+          <a:noAutofit/>
+        </a:bodyPr>
+        <a:lstStyle/>
+        <a:p>
+          <a:pPr marL="285750" lvl="1" indent="-285750" algn="l" defTabSz="1289050">
+            <a:lnSpc>
+              <a:spcPct val="90000"/>
+            </a:lnSpc>
+            <a:spcBef>
+              <a:spcPct val="0"/>
+            </a:spcBef>
+            <a:spcAft>
+              <a:spcPct val="15000"/>
+            </a:spcAft>
+            <a:buChar char="••"/>
+          </a:pPr>
+          <a:r>
+            <a:rPr lang="da-DK" sz="2900" kern="1200" dirty="0" smtClean="0"/>
+            <a:t>Kunne loade et kort ind dynamisk</a:t>
+          </a:r>
+          <a:endParaRPr lang="da-DK" sz="2900" kern="1200" dirty="0"/>
+        </a:p>
+        <a:p>
+          <a:pPr marL="285750" lvl="1" indent="-285750" algn="l" defTabSz="1289050">
+            <a:lnSpc>
+              <a:spcPct val="90000"/>
+            </a:lnSpc>
+            <a:spcBef>
+              <a:spcPct val="0"/>
+            </a:spcBef>
+            <a:spcAft>
+              <a:spcPct val="15000"/>
+            </a:spcAft>
+            <a:buChar char="••"/>
+          </a:pPr>
+          <a:r>
+            <a:rPr lang="da-DK" sz="2900" kern="1200" dirty="0" smtClean="0"/>
+            <a:t>Danne kontrolpunkter ved klik på kortet</a:t>
+          </a:r>
+          <a:endParaRPr lang="da-DK" sz="2900" kern="1200" dirty="0"/>
+        </a:p>
+        <a:p>
+          <a:pPr marL="285750" lvl="1" indent="-285750" algn="l" defTabSz="1289050">
+            <a:lnSpc>
+              <a:spcPct val="90000"/>
+            </a:lnSpc>
+            <a:spcBef>
+              <a:spcPct val="0"/>
+            </a:spcBef>
+            <a:spcAft>
+              <a:spcPct val="15000"/>
+            </a:spcAft>
+            <a:buChar char="••"/>
+          </a:pPr>
+          <a:r>
+            <a:rPr lang="da-DK" sz="2900" kern="1200" dirty="0" smtClean="0"/>
+            <a:t>Lave løsningen webbaseret</a:t>
+          </a:r>
+          <a:endParaRPr lang="da-DK" sz="2900" kern="1200" dirty="0"/>
+        </a:p>
+        <a:p>
+          <a:pPr marL="285750" lvl="1" indent="-285750" algn="l" defTabSz="1289050">
+            <a:lnSpc>
+              <a:spcPct val="90000"/>
+            </a:lnSpc>
+            <a:spcBef>
+              <a:spcPct val="0"/>
+            </a:spcBef>
+            <a:spcAft>
+              <a:spcPct val="15000"/>
+            </a:spcAft>
+            <a:buChar char="••"/>
+          </a:pPr>
+          <a:r>
+            <a:rPr lang="da-DK" sz="2900" kern="1200" dirty="0" smtClean="0"/>
+            <a:t>Integrerer et klub- og brugersystem</a:t>
+          </a:r>
+          <a:endParaRPr lang="da-DK" sz="2900" kern="1200" dirty="0"/>
+        </a:p>
+        <a:p>
+          <a:pPr marL="285750" lvl="1" indent="-285750" algn="l" defTabSz="1289050">
+            <a:lnSpc>
+              <a:spcPct val="90000"/>
+            </a:lnSpc>
+            <a:spcBef>
+              <a:spcPct val="0"/>
+            </a:spcBef>
+            <a:spcAft>
+              <a:spcPct val="15000"/>
+            </a:spcAft>
+            <a:buChar char="••"/>
+          </a:pPr>
+          <a:r>
+            <a:rPr lang="da-DK" sz="2900" kern="1200" dirty="0" smtClean="0"/>
+            <a:t>Mobilapplikationen skal laves</a:t>
+          </a:r>
+          <a:endParaRPr lang="da-DK" sz="2900" kern="1200" dirty="0"/>
+        </a:p>
+      </dsp:txBody>
+      <dsp:txXfrm>
+        <a:off x="0" y="878264"/>
+        <a:ext cx="8229600" cy="2547360"/>
+      </dsp:txXfrm>
+    </dsp:sp>
+  </dsp:spTree>
+</dsp:drawing>
+</file>
+
+<file path=ppt/diagrams/drawing3.xml><?xml version="1.0" encoding="utf-8"?>
+<dsp:drawing xmlns:dgm="http://schemas.openxmlformats.org/drawingml/2006/diagram" xmlns:dsp="http://schemas.microsoft.com/office/drawing/2008/diagram" xmlns:a="http://schemas.openxmlformats.org/drawingml/2006/main">
+  <dsp:spTree>
+    <dsp:nvGrpSpPr>
+      <dsp:cNvPr id="0" name=""/>
+      <dsp:cNvGrpSpPr/>
+    </dsp:nvGrpSpPr>
+    <dsp:grpSpPr/>
+    <dsp:sp modelId="{3476AA92-C0F9-4052-AC21-C46B06F56441}">
+      <dsp:nvSpPr>
+        <dsp:cNvPr id="0" name=""/>
+        <dsp:cNvSpPr/>
+      </dsp:nvSpPr>
+      <dsp:spPr>
+        <a:xfrm>
           <a:off x="0" y="8121"/>
           <a:ext cx="8229600" cy="979200"/>
         </a:xfrm>
@@ -4050,7 +4387,11 @@
           </a:pPr>
           <a:r>
             <a:rPr lang="da-DK" sz="3400" kern="1200" dirty="0" smtClean="0"/>
-            <a:t>Løsningen fremadrettet</a:t>
+            <a:t>Løsningen på </a:t>
+          </a:r>
+          <a:r>
+            <a:rPr lang="da-DK" sz="3400" kern="1200" dirty="0" err="1" smtClean="0"/>
+            <a:t>længeresigt</a:t>
           </a:r>
           <a:endParaRPr lang="da-DK" sz="3400" kern="1200" dirty="0"/>
         </a:p>
@@ -4060,7 +4401,7 @@
         <a:ext cx="8229600" cy="979200"/>
       </dsp:txXfrm>
     </dsp:sp>
-    <dsp:sp modelId="{56CFF0D8-9A8C-46CF-9D1E-C00B28B6C225}">
+    <dsp:sp modelId="{3291D09C-50D6-4894-9C83-4592B00FC0A3}">
       <dsp:nvSpPr>
         <dsp:cNvPr id="0" name=""/>
         <dsp:cNvSpPr/>
@@ -4129,8 +4470,8 @@
             <a:buChar char="••"/>
           </a:pPr>
           <a:r>
-            <a:rPr lang="da-DK" sz="3400" kern="1200" dirty="0" smtClean="0"/>
-            <a:t>Kunne loade et kort ind dynamisk</a:t>
+            <a:rPr lang="da-DK" sz="3400" kern="1200" dirty="0" err="1" smtClean="0"/>
+            <a:t>Livetracking</a:t>
           </a:r>
           <a:endParaRPr lang="da-DK" sz="3400" kern="1200" dirty="0"/>
         </a:p>
@@ -4149,7 +4490,7 @@
           </a:pPr>
           <a:r>
             <a:rPr lang="da-DK" sz="3400" kern="1200" dirty="0" smtClean="0"/>
-            <a:t>Danne kontrolpunkter ved klik på kortet</a:t>
+            <a:t>Udvidelse med håndtering af kamera</a:t>
           </a:r>
           <a:endParaRPr lang="da-DK" sz="3400" kern="1200" dirty="0"/>
         </a:p>
@@ -4168,7 +4509,7 @@
           </a:pPr>
           <a:r>
             <a:rPr lang="da-DK" sz="3400" kern="1200" dirty="0" smtClean="0"/>
-            <a:t>Integrerer et klub- og brugersystem</a:t>
+            <a:t>Bruges i flere sportsgrene</a:t>
           </a:r>
           <a:endParaRPr lang="da-DK" sz="3400" kern="1200" dirty="0"/>
         </a:p>
@@ -4187,7 +4528,7 @@
           </a:pPr>
           <a:r>
             <a:rPr lang="da-DK" sz="3400" kern="1200" dirty="0" smtClean="0"/>
-            <a:t>Mobilapplikationen skal laves</a:t>
+            <a:t>Bruges i ikke sportslige aktiviteter</a:t>
           </a:r>
           <a:endParaRPr lang="da-DK" sz="3400" kern="1200" dirty="0"/>
         </a:p>
@@ -4195,217 +4536,6 @@
       <dsp:txXfrm>
         <a:off x="0" y="987321"/>
         <a:ext cx="8229600" cy="2473245"/>
-      </dsp:txXfrm>
-    </dsp:sp>
-  </dsp:spTree>
-</dsp:drawing>
-</file>
-
-<file path=ppt/diagrams/drawing3.xml><?xml version="1.0" encoding="utf-8"?>
-<dsp:drawing xmlns:dgm="http://schemas.openxmlformats.org/drawingml/2006/diagram" xmlns:dsp="http://schemas.microsoft.com/office/drawing/2008/diagram" xmlns:a="http://schemas.openxmlformats.org/drawingml/2006/main">
-  <dsp:spTree>
-    <dsp:nvGrpSpPr>
-      <dsp:cNvPr id="0" name=""/>
-      <dsp:cNvGrpSpPr/>
-    </dsp:nvGrpSpPr>
-    <dsp:grpSpPr/>
-    <dsp:sp modelId="{3476AA92-C0F9-4052-AC21-C46B06F56441}">
-      <dsp:nvSpPr>
-        <dsp:cNvPr id="0" name=""/>
-        <dsp:cNvSpPr/>
-      </dsp:nvSpPr>
-      <dsp:spPr>
-        <a:xfrm>
-          <a:off x="0" y="178334"/>
-          <a:ext cx="8229600" cy="1036800"/>
-        </a:xfrm>
-        <a:prstGeom prst="rect">
-          <a:avLst/>
-        </a:prstGeom>
-        <a:solidFill>
-          <a:schemeClr val="accent1">
-            <a:hueOff val="0"/>
-            <a:satOff val="0"/>
-            <a:lumOff val="0"/>
-            <a:alphaOff val="0"/>
-          </a:schemeClr>
-        </a:solidFill>
-        <a:ln w="25400" cap="flat" cmpd="sng" algn="ctr">
-          <a:solidFill>
-            <a:schemeClr val="accent1">
-              <a:hueOff val="0"/>
-              <a:satOff val="0"/>
-              <a:lumOff val="0"/>
-              <a:alphaOff val="0"/>
-            </a:schemeClr>
-          </a:solidFill>
-          <a:prstDash val="solid"/>
-        </a:ln>
-        <a:effectLst/>
-      </dsp:spPr>
-      <dsp:style>
-        <a:lnRef idx="2">
-          <a:scrgbClr r="0" g="0" b="0"/>
-        </a:lnRef>
-        <a:fillRef idx="1">
-          <a:scrgbClr r="0" g="0" b="0"/>
-        </a:fillRef>
-        <a:effectRef idx="0">
-          <a:scrgbClr r="0" g="0" b="0"/>
-        </a:effectRef>
-        <a:fontRef idx="minor">
-          <a:schemeClr val="lt1"/>
-        </a:fontRef>
-      </dsp:style>
-      <dsp:txBody>
-        <a:bodyPr spcFirstLastPara="0" vert="horz" wrap="square" lIns="256032" tIns="146304" rIns="256032" bIns="146304" numCol="1" spcCol="1270" anchor="ctr" anchorCtr="0">
-          <a:noAutofit/>
-        </a:bodyPr>
-        <a:lstStyle/>
-        <a:p>
-          <a:pPr lvl="0" algn="ctr" defTabSz="1600200">
-            <a:lnSpc>
-              <a:spcPct val="90000"/>
-            </a:lnSpc>
-            <a:spcBef>
-              <a:spcPct val="0"/>
-            </a:spcBef>
-            <a:spcAft>
-              <a:spcPct val="35000"/>
-            </a:spcAft>
-          </a:pPr>
-          <a:r>
-            <a:rPr lang="da-DK" sz="3600" kern="1200" dirty="0" smtClean="0"/>
-            <a:t>Løsningen på </a:t>
-          </a:r>
-          <a:r>
-            <a:rPr lang="da-DK" sz="3600" kern="1200" dirty="0" err="1" smtClean="0"/>
-            <a:t>længeresigt</a:t>
-          </a:r>
-          <a:endParaRPr lang="da-DK" sz="3600" kern="1200" dirty="0"/>
-        </a:p>
-      </dsp:txBody>
-      <dsp:txXfrm>
-        <a:off x="0" y="178334"/>
-        <a:ext cx="8229600" cy="1036800"/>
-      </dsp:txXfrm>
-    </dsp:sp>
-    <dsp:sp modelId="{3291D09C-50D6-4894-9C83-4592B00FC0A3}">
-      <dsp:nvSpPr>
-        <dsp:cNvPr id="0" name=""/>
-        <dsp:cNvSpPr/>
-      </dsp:nvSpPr>
-      <dsp:spPr>
-        <a:xfrm>
-          <a:off x="0" y="1215134"/>
-          <a:ext cx="8229600" cy="2075220"/>
-        </a:xfrm>
-        <a:prstGeom prst="rect">
-          <a:avLst/>
-        </a:prstGeom>
-        <a:solidFill>
-          <a:schemeClr val="accent1">
-            <a:alpha val="90000"/>
-            <a:tint val="40000"/>
-            <a:hueOff val="0"/>
-            <a:satOff val="0"/>
-            <a:lumOff val="0"/>
-            <a:alphaOff val="0"/>
-          </a:schemeClr>
-        </a:solidFill>
-        <a:ln w="25400" cap="flat" cmpd="sng" algn="ctr">
-          <a:solidFill>
-            <a:schemeClr val="accent1">
-              <a:alpha val="90000"/>
-              <a:tint val="40000"/>
-              <a:hueOff val="0"/>
-              <a:satOff val="0"/>
-              <a:lumOff val="0"/>
-              <a:alphaOff val="0"/>
-            </a:schemeClr>
-          </a:solidFill>
-          <a:prstDash val="solid"/>
-        </a:ln>
-        <a:effectLst/>
-      </dsp:spPr>
-      <dsp:style>
-        <a:lnRef idx="2">
-          <a:scrgbClr r="0" g="0" b="0"/>
-        </a:lnRef>
-        <a:fillRef idx="1">
-          <a:scrgbClr r="0" g="0" b="0"/>
-        </a:fillRef>
-        <a:effectRef idx="0">
-          <a:scrgbClr r="0" g="0" b="0"/>
-        </a:effectRef>
-        <a:fontRef idx="minor"/>
-      </dsp:style>
-      <dsp:txBody>
-        <a:bodyPr spcFirstLastPara="0" vert="horz" wrap="square" lIns="192024" tIns="192024" rIns="256032" bIns="288036" numCol="1" spcCol="1270" anchor="t" anchorCtr="0">
-          <a:noAutofit/>
-        </a:bodyPr>
-        <a:lstStyle/>
-        <a:p>
-          <a:pPr marL="285750" lvl="1" indent="-285750" algn="l" defTabSz="1600200">
-            <a:lnSpc>
-              <a:spcPct val="90000"/>
-            </a:lnSpc>
-            <a:spcBef>
-              <a:spcPct val="0"/>
-            </a:spcBef>
-            <a:spcAft>
-              <a:spcPct val="15000"/>
-            </a:spcAft>
-            <a:buChar char="••"/>
-          </a:pPr>
-          <a:r>
-            <a:rPr lang="da-DK" sz="3600" kern="1200" dirty="0" smtClean="0"/>
-            <a:t>Udvidelse med håndtering af kamera</a:t>
-          </a:r>
-          <a:endParaRPr lang="da-DK" sz="3600" kern="1200" dirty="0"/>
-        </a:p>
-        <a:p>
-          <a:pPr marL="285750" lvl="1" indent="-285750" algn="l" defTabSz="1600200">
-            <a:lnSpc>
-              <a:spcPct val="90000"/>
-            </a:lnSpc>
-            <a:spcBef>
-              <a:spcPct val="0"/>
-            </a:spcBef>
-            <a:spcAft>
-              <a:spcPct val="15000"/>
-            </a:spcAft>
-            <a:buChar char="••"/>
-          </a:pPr>
-          <a:r>
-            <a:rPr lang="da-DK" sz="3600" kern="1200" dirty="0" smtClean="0"/>
-            <a:t>Bruges i flere sportsgrene</a:t>
-          </a:r>
-          <a:endParaRPr lang="da-DK" sz="3600" kern="1200" dirty="0"/>
-        </a:p>
-        <a:p>
-          <a:pPr marL="285750" lvl="1" indent="-285750" algn="l" defTabSz="1600200">
-            <a:lnSpc>
-              <a:spcPct val="90000"/>
-            </a:lnSpc>
-            <a:spcBef>
-              <a:spcPct val="0"/>
-            </a:spcBef>
-            <a:spcAft>
-              <a:spcPct val="15000"/>
-            </a:spcAft>
-            <a:buChar char="••"/>
-          </a:pPr>
-          <a:r>
-            <a:rPr lang="da-DK" sz="3600" kern="1200" dirty="0" smtClean="0"/>
-            <a:t>Bruges i ikke sportslige aktiviteter</a:t>
-          </a:r>
-          <a:endParaRPr lang="da-DK" sz="3600" kern="1200" dirty="0"/>
-        </a:p>
-      </dsp:txBody>
-      <dsp:txXfrm>
-        <a:off x="0" y="1215134"/>
-        <a:ext cx="8229600" cy="2075220"/>
       </dsp:txXfrm>
     </dsp:sp>
   </dsp:spTree>
@@ -8247,7 +8377,7 @@
           <a:p>
             <a:fld id="{27EAA7B7-9729-4998-A735-980F4A67C550}" type="datetimeFigureOut">
               <a:rPr lang="da-DK" smtClean="0"/>
-              <a:t>27-06-2015</a:t>
+              <a:t>29-06-2015</a:t>
             </a:fld>
             <a:endParaRPr lang="da-DK"/>
           </a:p>
@@ -8625,7 +8755,7 @@
           <a:p>
             <a:fld id="{014F4089-1F4E-44A7-B23B-C1B75DF42B73}" type="datetime3">
               <a:rPr lang="da-DK" smtClean="0"/>
-              <a:t>27.06.2015</a:t>
+              <a:t>29.06.2015</a:t>
             </a:fld>
             <a:endParaRPr lang="da-DK"/>
           </a:p>
@@ -9074,7 +9204,7 @@
           <a:p>
             <a:fld id="{3D789C4B-1D39-4DCF-A264-F5BAD2AD9F6E}" type="datetime3">
               <a:rPr lang="da-DK" smtClean="0"/>
-              <a:t>27.06.2015</a:t>
+              <a:t>29.06.2015</a:t>
             </a:fld>
             <a:endParaRPr lang="da-DK"/>
           </a:p>
@@ -9225,7 +9355,7 @@
           <a:p>
             <a:fld id="{16297AAD-6C02-4800-BFD8-516995E2C907}" type="datetime3">
               <a:rPr lang="da-DK" smtClean="0"/>
-              <a:t>27.06.2015</a:t>
+              <a:t>29.06.2015</a:t>
             </a:fld>
             <a:endParaRPr lang="da-DK"/>
           </a:p>
@@ -9452,7 +9582,7 @@
           <a:p>
             <a:fld id="{E0F1A899-5D0B-48A0-BBF1-AD7C4BEC6142}" type="datetime3">
               <a:rPr lang="da-DK" smtClean="0"/>
-              <a:t>27.06.2015</a:t>
+              <a:t>29.06.2015</a:t>
             </a:fld>
             <a:endParaRPr lang="da-DK"/>
           </a:p>
@@ -9660,7 +9790,7 @@
           <a:p>
             <a:fld id="{014F4089-1F4E-44A7-B23B-C1B75DF42B73}" type="datetime3">
               <a:rPr lang="da-DK" smtClean="0"/>
-              <a:t>27.06.2015</a:t>
+              <a:t>29.06.2015</a:t>
             </a:fld>
             <a:endParaRPr lang="da-DK"/>
           </a:p>
@@ -9893,7 +10023,7 @@
           <a:p>
             <a:fld id="{C8F93BCC-6FC8-4C7D-A6DF-04C07E19DAD2}" type="datetime3">
               <a:rPr lang="da-DK" smtClean="0"/>
-              <a:t>27.06.2015</a:t>
+              <a:t>29.06.2015</a:t>
             </a:fld>
             <a:endParaRPr lang="da-DK"/>
           </a:p>
@@ -10002,7 +10132,7 @@
           <a:p>
             <a:fld id="{89CAFBDB-5870-4F54-B460-8377AA42866C}" type="datetime3">
               <a:rPr lang="da-DK" smtClean="0"/>
-              <a:t>27.06.2015</a:t>
+              <a:t>29.06.2015</a:t>
             </a:fld>
             <a:endParaRPr lang="da-DK" dirty="0"/>
           </a:p>
@@ -10341,7 +10471,7 @@
           <a:p>
             <a:fld id="{A0419256-6EFB-4044-9372-A45B1AE2B795}" type="datetime3">
               <a:rPr lang="da-DK" smtClean="0"/>
-              <a:t>27.06.2015</a:t>
+              <a:t>29.06.2015</a:t>
             </a:fld>
             <a:endParaRPr lang="da-DK"/>
           </a:p>
@@ -10450,7 +10580,7 @@
           <a:p>
             <a:fld id="{8A80EC61-97C2-490D-BF66-6AF4E08F8683}" type="datetime3">
               <a:rPr lang="da-DK" smtClean="0"/>
-              <a:t>27.06.2015</a:t>
+              <a:t>29.06.2015</a:t>
             </a:fld>
             <a:endParaRPr lang="da-DK"/>
           </a:p>
@@ -10815,7 +10945,7 @@
           <a:p>
             <a:fld id="{8B6410A3-8B7A-4B78-AE48-0C337C792F8C}" type="datetime3">
               <a:rPr lang="da-DK" smtClean="0"/>
-              <a:t>27.06.2015</a:t>
+              <a:t>29.06.2015</a:t>
             </a:fld>
             <a:endParaRPr lang="da-DK"/>
           </a:p>
@@ -11110,7 +11240,7 @@
           <a:p>
             <a:fld id="{C80C8121-9C5C-4783-821D-F1ABAD167C32}" type="datetime3">
               <a:rPr lang="da-DK" smtClean="0"/>
-              <a:t>27.06.2015</a:t>
+              <a:t>29.06.2015</a:t>
             </a:fld>
             <a:endParaRPr lang="da-DK"/>
           </a:p>
@@ -11196,7 +11326,7 @@
           <a:p>
             <a:fld id="{80ADA3C3-F6CE-4C6C-AC99-04821F771E6F}" type="datetime3">
               <a:rPr lang="da-DK" smtClean="0"/>
-              <a:t>27.06.2015</a:t>
+              <a:t>29.06.2015</a:t>
             </a:fld>
             <a:endParaRPr lang="da-DK"/>
           </a:p>
@@ -11383,7 +11513,7 @@
           <a:p>
             <a:fld id="{23CE3711-8C3B-408F-87AD-E09A0080C459}" type="datetime3">
               <a:rPr lang="da-DK" smtClean="0"/>
-              <a:t>27.06.2015</a:t>
+              <a:t>29.06.2015</a:t>
             </a:fld>
             <a:endParaRPr lang="da-DK"/>
           </a:p>
@@ -11642,7 +11772,7 @@
           <a:p>
             <a:fld id="{672FD3C4-C349-4C63-9C2F-4FD4F5A483CE}" type="datetime3">
               <a:rPr lang="da-DK" smtClean="0"/>
-              <a:t>27.06.2015</a:t>
+              <a:t>29.06.2015</a:t>
             </a:fld>
             <a:endParaRPr lang="da-DK" dirty="0"/>
           </a:p>
@@ -12742,7 +12872,7 @@
           <a:p>
             <a:r>
               <a:rPr lang="da-DK" dirty="0" smtClean="0"/>
-              <a:t>Klassebeskrivelse</a:t>
+              <a:t>Programdesign</a:t>
             </a:r>
             <a:endParaRPr lang="da-DK" dirty="0"/>
           </a:p>
@@ -14382,7 +14512,7 @@
             <p:ph idx="1"/>
             <p:extLst>
               <p:ext uri="{D42A27DB-BD31-4B8C-83A1-F6EECF244321}">
-                <p14:modId xmlns:p14="http://schemas.microsoft.com/office/powerpoint/2010/main" val="984155577"/>
+                <p14:modId xmlns:p14="http://schemas.microsoft.com/office/powerpoint/2010/main" val="3979327575"/>
               </p:ext>
             </p:extLst>
           </p:nvPr>
@@ -14470,7 +14600,7 @@
             <p:ph idx="1"/>
             <p:extLst>
               <p:ext uri="{D42A27DB-BD31-4B8C-83A1-F6EECF244321}">
-                <p14:modId xmlns:p14="http://schemas.microsoft.com/office/powerpoint/2010/main" val="3125006878"/>
+                <p14:modId xmlns:p14="http://schemas.microsoft.com/office/powerpoint/2010/main" val="3822266589"/>
               </p:ext>
             </p:extLst>
           </p:nvPr>

--- a/PP OT.pptx
+++ b/PP OT.pptx
@@ -2958,13 +2958,13 @@
     <dgm:cxn modelId="{5FFDA814-352E-4A4A-830F-34413E4E2BC4}" srcId="{52A659DA-ADA8-4BE2-9BF8-243D169889C4}" destId="{D6D3BE62-7020-4307-A61E-A86208C70DB7}" srcOrd="1" destOrd="0" parTransId="{68AF0181-CD90-425A-A2F7-A87755B788D3}" sibTransId="{1ED0AD21-8927-4A39-ADA5-50B106257E10}"/>
     <dgm:cxn modelId="{094B30C4-6B29-4171-B992-3FF2FECF4B6C}" srcId="{600B8FE3-9716-41A1-9B7B-8B51F0B8BCAF}" destId="{396D9C85-3D89-47BD-9C45-7B6C85AC2F40}" srcOrd="2" destOrd="0" parTransId="{48202FF8-2860-4827-B00D-449C72D85BBA}" sibTransId="{6289321E-E170-4982-BEF0-70BB715FD358}"/>
     <dgm:cxn modelId="{F168FA6B-187A-4726-89D0-274C54A53281}" srcId="{600B8FE3-9716-41A1-9B7B-8B51F0B8BCAF}" destId="{0B320BD9-B987-434B-A255-9495CF55A8DF}" srcOrd="0" destOrd="0" parTransId="{28499046-9B70-4DA4-AAE0-BAC297E078A4}" sibTransId="{748FF703-7D70-447B-9980-01DA513DCE78}"/>
+    <dgm:cxn modelId="{BB00A155-1671-4835-A727-8AFF5A472E11}" type="presOf" srcId="{82084C8F-CF79-40E2-9DF7-A3E3349A7796}" destId="{32FEFB22-529A-4DEB-94AB-974D134C36B1}" srcOrd="0" destOrd="3" presId="urn:microsoft.com/office/officeart/2005/8/layout/hList1"/>
     <dgm:cxn modelId="{E50E5D39-FFC1-49D1-8929-875F69AE689B}" type="presOf" srcId="{396D9C85-3D89-47BD-9C45-7B6C85AC2F40}" destId="{32FEFB22-529A-4DEB-94AB-974D134C36B1}" srcOrd="0" destOrd="2" presId="urn:microsoft.com/office/officeart/2005/8/layout/hList1"/>
-    <dgm:cxn modelId="{BB00A155-1671-4835-A727-8AFF5A472E11}" type="presOf" srcId="{82084C8F-CF79-40E2-9DF7-A3E3349A7796}" destId="{32FEFB22-529A-4DEB-94AB-974D134C36B1}" srcOrd="0" destOrd="3" presId="urn:microsoft.com/office/officeart/2005/8/layout/hList1"/>
     <dgm:cxn modelId="{8E179278-C426-4AA1-9EE9-BA4D09BEE069}" srcId="{600B8FE3-9716-41A1-9B7B-8B51F0B8BCAF}" destId="{82084C8F-CF79-40E2-9DF7-A3E3349A7796}" srcOrd="3" destOrd="0" parTransId="{DFA5E201-A366-4FC7-889A-83963A140723}" sibTransId="{6FE823CD-8083-4884-BBD2-9A28B620123A}"/>
     <dgm:cxn modelId="{BCDF1CB9-ABD0-485E-AD34-B21A95DAEFCF}" srcId="{600B8FE3-9716-41A1-9B7B-8B51F0B8BCAF}" destId="{E24C2913-7666-4670-82C5-B25778515816}" srcOrd="6" destOrd="0" parTransId="{F176B324-5D50-410B-9992-6E1358F1898C}" sibTransId="{20042014-0287-48C2-954A-C7929EA31CD8}"/>
     <dgm:cxn modelId="{668113C9-9A5A-498E-8521-05C4D298B705}" srcId="{34EEE3DE-E501-45CE-95AC-DD775AE6F410}" destId="{600B8FE3-9716-41A1-9B7B-8B51F0B8BCAF}" srcOrd="1" destOrd="0" parTransId="{0FAD610E-19ED-4472-BDC1-CA624911D2D9}" sibTransId="{8783E9A1-3749-4E60-B61B-8C90723EB678}"/>
+    <dgm:cxn modelId="{7A49882D-0DE8-4127-990E-5007B37A14F0}" type="presOf" srcId="{22897772-BD60-4BBC-BCAF-519F143F78C1}" destId="{32FEFB22-529A-4DEB-94AB-974D134C36B1}" srcOrd="0" destOrd="4" presId="urn:microsoft.com/office/officeart/2005/8/layout/hList1"/>
     <dgm:cxn modelId="{10AE9267-6033-462D-AEBF-E41302BF8280}" type="presOf" srcId="{9B17F802-7EA3-462B-8945-3084C1136831}" destId="{715E00C6-385C-4A10-810E-4CD87B5A52E3}" srcOrd="0" destOrd="2" presId="urn:microsoft.com/office/officeart/2005/8/layout/hList1"/>
-    <dgm:cxn modelId="{7A49882D-0DE8-4127-990E-5007B37A14F0}" type="presOf" srcId="{22897772-BD60-4BBC-BCAF-519F143F78C1}" destId="{32FEFB22-529A-4DEB-94AB-974D134C36B1}" srcOrd="0" destOrd="4" presId="urn:microsoft.com/office/officeart/2005/8/layout/hList1"/>
     <dgm:cxn modelId="{B5A1E184-59AE-45C8-9490-7AE96FC0EE52}" type="presOf" srcId="{E899D546-8E2A-448B-AD2C-DD81C8E0760A}" destId="{715E00C6-385C-4A10-810E-4CD87B5A52E3}" srcOrd="0" destOrd="0" presId="urn:microsoft.com/office/officeart/2005/8/layout/hList1"/>
     <dgm:cxn modelId="{0FAB94A0-CFEF-47FA-B534-CCEBF040182F}" type="presOf" srcId="{600B8FE3-9716-41A1-9B7B-8B51F0B8BCAF}" destId="{B28EAFB1-C51E-4C34-8EE4-19770E2A00A4}" srcOrd="0" destOrd="0" presId="urn:microsoft.com/office/officeart/2005/8/layout/hList1"/>
     <dgm:cxn modelId="{99BB7AF5-DFF9-488B-B5DA-764977A21DF1}" type="presOf" srcId="{E24C2913-7666-4670-82C5-B25778515816}" destId="{32FEFB22-529A-4DEB-94AB-974D134C36B1}" srcOrd="0" destOrd="6" presId="urn:microsoft.com/office/officeart/2005/8/layout/hList1"/>
@@ -3549,16 +3549,16 @@
   </dgm:ptLst>
   <dgm:cxnLst>
     <dgm:cxn modelId="{2D098A3D-B354-4031-A6D4-5C99429FB3F0}" srcId="{53243EA7-32DA-4CD1-A30C-03825C554C3C}" destId="{FE6F5B50-F577-4DA6-BD40-86DF42C9908D}" srcOrd="3" destOrd="0" parTransId="{1BDC0813-ED21-4CA8-A56F-C0FFBA5BF8C0}" sibTransId="{14E6ED18-4B33-4C35-B496-29F539011F2C}"/>
+    <dgm:cxn modelId="{C996A175-B848-405A-B647-480D6D1D3993}" srcId="{53243EA7-32DA-4CD1-A30C-03825C554C3C}" destId="{F9EFAE4C-FD7A-48AD-BCE6-1698C2C077E8}" srcOrd="2" destOrd="0" parTransId="{38A4D082-7DC1-4EF8-B894-A4FF61471C3B}" sibTransId="{DBCE0A01-9267-4587-9560-E5A19C607238}"/>
+    <dgm:cxn modelId="{325C9457-2D91-4844-A063-986A6917CB66}" srcId="{7AF82B2F-6B22-4298-AFBC-7E6B8D21D435}" destId="{53243EA7-32DA-4CD1-A30C-03825C554C3C}" srcOrd="0" destOrd="0" parTransId="{8DEC71BE-ACAA-40D0-82E4-FB74798D6B5B}" sibTransId="{34CAE4F7-04EC-4386-A441-874484E91F2D}"/>
+    <dgm:cxn modelId="{B7C0246E-8820-451D-93F5-F09683689EDA}" type="presOf" srcId="{F65C94A6-EA6D-433E-994E-EFC7E2540620}" destId="{3291D09C-50D6-4894-9C83-4592B00FC0A3}" srcOrd="0" destOrd="1" presId="urn:microsoft.com/office/officeart/2005/8/layout/hList1"/>
+    <dgm:cxn modelId="{EA26716D-6DAB-432F-B468-871EA7AC2854}" srcId="{53243EA7-32DA-4CD1-A30C-03825C554C3C}" destId="{227E0A02-C909-44B9-9A7F-A3FAC0BC5C0D}" srcOrd="0" destOrd="0" parTransId="{AE397269-57E4-43B0-AA82-480DA2578128}" sibTransId="{F5F5F129-8957-4A17-82F7-EC8AF3301EA8}"/>
+    <dgm:cxn modelId="{95104B8E-91A5-440B-91E6-D9D34628D749}" type="presOf" srcId="{7AF82B2F-6B22-4298-AFBC-7E6B8D21D435}" destId="{5F1228D1-F19C-40A2-8C44-F444140A9E5D}" srcOrd="0" destOrd="0" presId="urn:microsoft.com/office/officeart/2005/8/layout/hList1"/>
+    <dgm:cxn modelId="{1D4605AF-B7B6-4978-9B6C-504F252C9091}" type="presOf" srcId="{FE6F5B50-F577-4DA6-BD40-86DF42C9908D}" destId="{3291D09C-50D6-4894-9C83-4592B00FC0A3}" srcOrd="0" destOrd="3" presId="urn:microsoft.com/office/officeart/2005/8/layout/hList1"/>
+    <dgm:cxn modelId="{AA6648AC-4DDD-4DDE-9270-0C17969950A2}" type="presOf" srcId="{227E0A02-C909-44B9-9A7F-A3FAC0BC5C0D}" destId="{3291D09C-50D6-4894-9C83-4592B00FC0A3}" srcOrd="0" destOrd="0" presId="urn:microsoft.com/office/officeart/2005/8/layout/hList1"/>
     <dgm:cxn modelId="{DFD4022E-6D3D-41EE-8A65-0FE350DEE182}" srcId="{53243EA7-32DA-4CD1-A30C-03825C554C3C}" destId="{F65C94A6-EA6D-433E-994E-EFC7E2540620}" srcOrd="1" destOrd="0" parTransId="{A0A35DCB-0A8A-47BE-96CE-B1A19D224984}" sibTransId="{D64EF7F6-9452-485E-91B7-3F83BD7219D6}"/>
     <dgm:cxn modelId="{BC76ACB2-D312-4F27-A8A1-D111851AC62D}" type="presOf" srcId="{53243EA7-32DA-4CD1-A30C-03825C554C3C}" destId="{3476AA92-C0F9-4052-AC21-C46B06F56441}" srcOrd="0" destOrd="0" presId="urn:microsoft.com/office/officeart/2005/8/layout/hList1"/>
-    <dgm:cxn modelId="{EA26716D-6DAB-432F-B468-871EA7AC2854}" srcId="{53243EA7-32DA-4CD1-A30C-03825C554C3C}" destId="{227E0A02-C909-44B9-9A7F-A3FAC0BC5C0D}" srcOrd="0" destOrd="0" parTransId="{AE397269-57E4-43B0-AA82-480DA2578128}" sibTransId="{F5F5F129-8957-4A17-82F7-EC8AF3301EA8}"/>
-    <dgm:cxn modelId="{95104B8E-91A5-440B-91E6-D9D34628D749}" type="presOf" srcId="{7AF82B2F-6B22-4298-AFBC-7E6B8D21D435}" destId="{5F1228D1-F19C-40A2-8C44-F444140A9E5D}" srcOrd="0" destOrd="0" presId="urn:microsoft.com/office/officeart/2005/8/layout/hList1"/>
     <dgm:cxn modelId="{00DBD3A1-1A41-4E2A-8AD0-F6A7F337BA8B}" type="presOf" srcId="{F9EFAE4C-FD7A-48AD-BCE6-1698C2C077E8}" destId="{3291D09C-50D6-4894-9C83-4592B00FC0A3}" srcOrd="0" destOrd="2" presId="urn:microsoft.com/office/officeart/2005/8/layout/hList1"/>
-    <dgm:cxn modelId="{AA6648AC-4DDD-4DDE-9270-0C17969950A2}" type="presOf" srcId="{227E0A02-C909-44B9-9A7F-A3FAC0BC5C0D}" destId="{3291D09C-50D6-4894-9C83-4592B00FC0A3}" srcOrd="0" destOrd="0" presId="urn:microsoft.com/office/officeart/2005/8/layout/hList1"/>
-    <dgm:cxn modelId="{B7C0246E-8820-451D-93F5-F09683689EDA}" type="presOf" srcId="{F65C94A6-EA6D-433E-994E-EFC7E2540620}" destId="{3291D09C-50D6-4894-9C83-4592B00FC0A3}" srcOrd="0" destOrd="1" presId="urn:microsoft.com/office/officeart/2005/8/layout/hList1"/>
-    <dgm:cxn modelId="{1D4605AF-B7B6-4978-9B6C-504F252C9091}" type="presOf" srcId="{FE6F5B50-F577-4DA6-BD40-86DF42C9908D}" destId="{3291D09C-50D6-4894-9C83-4592B00FC0A3}" srcOrd="0" destOrd="3" presId="urn:microsoft.com/office/officeart/2005/8/layout/hList1"/>
-    <dgm:cxn modelId="{C996A175-B848-405A-B647-480D6D1D3993}" srcId="{53243EA7-32DA-4CD1-A30C-03825C554C3C}" destId="{F9EFAE4C-FD7A-48AD-BCE6-1698C2C077E8}" srcOrd="2" destOrd="0" parTransId="{38A4D082-7DC1-4EF8-B894-A4FF61471C3B}" sibTransId="{DBCE0A01-9267-4587-9560-E5A19C607238}"/>
-    <dgm:cxn modelId="{325C9457-2D91-4844-A063-986A6917CB66}" srcId="{7AF82B2F-6B22-4298-AFBC-7E6B8D21D435}" destId="{53243EA7-32DA-4CD1-A30C-03825C554C3C}" srcOrd="0" destOrd="0" parTransId="{8DEC71BE-ACAA-40D0-82E4-FB74798D6B5B}" sibTransId="{34CAE4F7-04EC-4386-A441-874484E91F2D}"/>
     <dgm:cxn modelId="{3AF84BD3-2C15-4E64-9C8C-BBA2281E37D7}" type="presParOf" srcId="{5F1228D1-F19C-40A2-8C44-F444140A9E5D}" destId="{AB70D396-4D0A-40D5-A5B6-5F3F91E7066A}" srcOrd="0" destOrd="0" presId="urn:microsoft.com/office/officeart/2005/8/layout/hList1"/>
     <dgm:cxn modelId="{38759518-9247-4678-95CF-B647B022302B}" type="presParOf" srcId="{AB70D396-4D0A-40D5-A5B6-5F3F91E7066A}" destId="{3476AA92-C0F9-4052-AC21-C46B06F56441}" srcOrd="0" destOrd="0" presId="urn:microsoft.com/office/officeart/2005/8/layout/hList1"/>
     <dgm:cxn modelId="{A9C1EF09-3351-40E5-A15D-A056995908F2}" type="presParOf" srcId="{AB70D396-4D0A-40D5-A5B6-5F3F91E7066A}" destId="{3291D09C-50D6-4894-9C83-4592B00FC0A3}" srcOrd="1" destOrd="0" presId="urn:microsoft.com/office/officeart/2005/8/layout/hList1"/>
@@ -4075,239 +4075,6 @@
       <dsp:cNvGrpSpPr/>
     </dsp:nvGrpSpPr>
     <dsp:grpSpPr/>
-    <dsp:sp modelId="{0FE92539-64E2-4851-8F8D-DF1973E59265}">
-      <dsp:nvSpPr>
-        <dsp:cNvPr id="0" name=""/>
-        <dsp:cNvSpPr/>
-      </dsp:nvSpPr>
-      <dsp:spPr>
-        <a:xfrm>
-          <a:off x="0" y="43063"/>
-          <a:ext cx="8229600" cy="835200"/>
-        </a:xfrm>
-        <a:prstGeom prst="rect">
-          <a:avLst/>
-        </a:prstGeom>
-        <a:solidFill>
-          <a:schemeClr val="accent1">
-            <a:hueOff val="0"/>
-            <a:satOff val="0"/>
-            <a:lumOff val="0"/>
-            <a:alphaOff val="0"/>
-          </a:schemeClr>
-        </a:solidFill>
-        <a:ln w="25400" cap="flat" cmpd="sng" algn="ctr">
-          <a:solidFill>
-            <a:schemeClr val="accent1">
-              <a:hueOff val="0"/>
-              <a:satOff val="0"/>
-              <a:lumOff val="0"/>
-              <a:alphaOff val="0"/>
-            </a:schemeClr>
-          </a:solidFill>
-          <a:prstDash val="solid"/>
-        </a:ln>
-        <a:effectLst/>
-      </dsp:spPr>
-      <dsp:style>
-        <a:lnRef idx="2">
-          <a:scrgbClr r="0" g="0" b="0"/>
-        </a:lnRef>
-        <a:fillRef idx="1">
-          <a:scrgbClr r="0" g="0" b="0"/>
-        </a:fillRef>
-        <a:effectRef idx="0">
-          <a:scrgbClr r="0" g="0" b="0"/>
-        </a:effectRef>
-        <a:fontRef idx="minor">
-          <a:schemeClr val="lt1"/>
-        </a:fontRef>
-      </dsp:style>
-      <dsp:txBody>
-        <a:bodyPr spcFirstLastPara="0" vert="horz" wrap="square" lIns="206248" tIns="117856" rIns="206248" bIns="117856" numCol="1" spcCol="1270" anchor="ctr" anchorCtr="0">
-          <a:noAutofit/>
-        </a:bodyPr>
-        <a:lstStyle/>
-        <a:p>
-          <a:pPr lvl="0" algn="ctr" defTabSz="1289050">
-            <a:lnSpc>
-              <a:spcPct val="90000"/>
-            </a:lnSpc>
-            <a:spcBef>
-              <a:spcPct val="0"/>
-            </a:spcBef>
-            <a:spcAft>
-              <a:spcPct val="35000"/>
-            </a:spcAft>
-          </a:pPr>
-          <a:r>
-            <a:rPr lang="da-DK" sz="2900" kern="1200" dirty="0" smtClean="0"/>
-            <a:t>Løsningen fremadrettet</a:t>
-          </a:r>
-          <a:endParaRPr lang="da-DK" sz="2900" kern="1200" dirty="0"/>
-        </a:p>
-      </dsp:txBody>
-      <dsp:txXfrm>
-        <a:off x="0" y="43063"/>
-        <a:ext cx="8229600" cy="835200"/>
-      </dsp:txXfrm>
-    </dsp:sp>
-    <dsp:sp modelId="{56CFF0D8-9A8C-46CF-9D1E-C00B28B6C225}">
-      <dsp:nvSpPr>
-        <dsp:cNvPr id="0" name=""/>
-        <dsp:cNvSpPr/>
-      </dsp:nvSpPr>
-      <dsp:spPr>
-        <a:xfrm>
-          <a:off x="0" y="878264"/>
-          <a:ext cx="8229600" cy="2547360"/>
-        </a:xfrm>
-        <a:prstGeom prst="rect">
-          <a:avLst/>
-        </a:prstGeom>
-        <a:solidFill>
-          <a:schemeClr val="accent1">
-            <a:alpha val="90000"/>
-            <a:tint val="40000"/>
-            <a:hueOff val="0"/>
-            <a:satOff val="0"/>
-            <a:lumOff val="0"/>
-            <a:alphaOff val="0"/>
-          </a:schemeClr>
-        </a:solidFill>
-        <a:ln w="25400" cap="flat" cmpd="sng" algn="ctr">
-          <a:solidFill>
-            <a:schemeClr val="accent1">
-              <a:alpha val="90000"/>
-              <a:tint val="40000"/>
-              <a:hueOff val="0"/>
-              <a:satOff val="0"/>
-              <a:lumOff val="0"/>
-              <a:alphaOff val="0"/>
-            </a:schemeClr>
-          </a:solidFill>
-          <a:prstDash val="solid"/>
-        </a:ln>
-        <a:effectLst/>
-      </dsp:spPr>
-      <dsp:style>
-        <a:lnRef idx="2">
-          <a:scrgbClr r="0" g="0" b="0"/>
-        </a:lnRef>
-        <a:fillRef idx="1">
-          <a:scrgbClr r="0" g="0" b="0"/>
-        </a:fillRef>
-        <a:effectRef idx="0">
-          <a:scrgbClr r="0" g="0" b="0"/>
-        </a:effectRef>
-        <a:fontRef idx="minor"/>
-      </dsp:style>
-      <dsp:txBody>
-        <a:bodyPr spcFirstLastPara="0" vert="horz" wrap="square" lIns="154686" tIns="154686" rIns="206248" bIns="232029" numCol="1" spcCol="1270" anchor="t" anchorCtr="0">
-          <a:noAutofit/>
-        </a:bodyPr>
-        <a:lstStyle/>
-        <a:p>
-          <a:pPr marL="285750" lvl="1" indent="-285750" algn="l" defTabSz="1289050">
-            <a:lnSpc>
-              <a:spcPct val="90000"/>
-            </a:lnSpc>
-            <a:spcBef>
-              <a:spcPct val="0"/>
-            </a:spcBef>
-            <a:spcAft>
-              <a:spcPct val="15000"/>
-            </a:spcAft>
-            <a:buChar char="••"/>
-          </a:pPr>
-          <a:r>
-            <a:rPr lang="da-DK" sz="2900" kern="1200" dirty="0" smtClean="0"/>
-            <a:t>Kunne loade et kort ind dynamisk</a:t>
-          </a:r>
-          <a:endParaRPr lang="da-DK" sz="2900" kern="1200" dirty="0"/>
-        </a:p>
-        <a:p>
-          <a:pPr marL="285750" lvl="1" indent="-285750" algn="l" defTabSz="1289050">
-            <a:lnSpc>
-              <a:spcPct val="90000"/>
-            </a:lnSpc>
-            <a:spcBef>
-              <a:spcPct val="0"/>
-            </a:spcBef>
-            <a:spcAft>
-              <a:spcPct val="15000"/>
-            </a:spcAft>
-            <a:buChar char="••"/>
-          </a:pPr>
-          <a:r>
-            <a:rPr lang="da-DK" sz="2900" kern="1200" dirty="0" smtClean="0"/>
-            <a:t>Danne kontrolpunkter ved klik på kortet</a:t>
-          </a:r>
-          <a:endParaRPr lang="da-DK" sz="2900" kern="1200" dirty="0"/>
-        </a:p>
-        <a:p>
-          <a:pPr marL="285750" lvl="1" indent="-285750" algn="l" defTabSz="1289050">
-            <a:lnSpc>
-              <a:spcPct val="90000"/>
-            </a:lnSpc>
-            <a:spcBef>
-              <a:spcPct val="0"/>
-            </a:spcBef>
-            <a:spcAft>
-              <a:spcPct val="15000"/>
-            </a:spcAft>
-            <a:buChar char="••"/>
-          </a:pPr>
-          <a:r>
-            <a:rPr lang="da-DK" sz="2900" kern="1200" dirty="0" smtClean="0"/>
-            <a:t>Lave løsningen webbaseret</a:t>
-          </a:r>
-          <a:endParaRPr lang="da-DK" sz="2900" kern="1200" dirty="0"/>
-        </a:p>
-        <a:p>
-          <a:pPr marL="285750" lvl="1" indent="-285750" algn="l" defTabSz="1289050">
-            <a:lnSpc>
-              <a:spcPct val="90000"/>
-            </a:lnSpc>
-            <a:spcBef>
-              <a:spcPct val="0"/>
-            </a:spcBef>
-            <a:spcAft>
-              <a:spcPct val="15000"/>
-            </a:spcAft>
-            <a:buChar char="••"/>
-          </a:pPr>
-          <a:r>
-            <a:rPr lang="da-DK" sz="2900" kern="1200" dirty="0" smtClean="0"/>
-            <a:t>Integrerer et klub- og brugersystem</a:t>
-          </a:r>
-          <a:endParaRPr lang="da-DK" sz="2900" kern="1200" dirty="0"/>
-        </a:p>
-        <a:p>
-          <a:pPr marL="285750" lvl="1" indent="-285750" algn="l" defTabSz="1289050">
-            <a:lnSpc>
-              <a:spcPct val="90000"/>
-            </a:lnSpc>
-            <a:spcBef>
-              <a:spcPct val="0"/>
-            </a:spcBef>
-            <a:spcAft>
-              <a:spcPct val="15000"/>
-            </a:spcAft>
-            <a:buChar char="••"/>
-          </a:pPr>
-          <a:r>
-            <a:rPr lang="da-DK" sz="2900" kern="1200" dirty="0" smtClean="0"/>
-            <a:t>Mobilapplikationen skal laves</a:t>
-          </a:r>
-          <a:endParaRPr lang="da-DK" sz="2900" kern="1200" dirty="0"/>
-        </a:p>
-      </dsp:txBody>
-      <dsp:txXfrm>
-        <a:off x="0" y="878264"/>
-        <a:ext cx="8229600" cy="2547360"/>
-      </dsp:txXfrm>
-    </dsp:sp>
   </dsp:spTree>
 </dsp:drawing>
 </file>
@@ -4320,224 +4087,6 @@
       <dsp:cNvGrpSpPr/>
     </dsp:nvGrpSpPr>
     <dsp:grpSpPr/>
-    <dsp:sp modelId="{3476AA92-C0F9-4052-AC21-C46B06F56441}">
-      <dsp:nvSpPr>
-        <dsp:cNvPr id="0" name=""/>
-        <dsp:cNvSpPr/>
-      </dsp:nvSpPr>
-      <dsp:spPr>
-        <a:xfrm>
-          <a:off x="0" y="8121"/>
-          <a:ext cx="8229600" cy="979200"/>
-        </a:xfrm>
-        <a:prstGeom prst="rect">
-          <a:avLst/>
-        </a:prstGeom>
-        <a:solidFill>
-          <a:schemeClr val="accent1">
-            <a:hueOff val="0"/>
-            <a:satOff val="0"/>
-            <a:lumOff val="0"/>
-            <a:alphaOff val="0"/>
-          </a:schemeClr>
-        </a:solidFill>
-        <a:ln w="25400" cap="flat" cmpd="sng" algn="ctr">
-          <a:solidFill>
-            <a:schemeClr val="accent1">
-              <a:hueOff val="0"/>
-              <a:satOff val="0"/>
-              <a:lumOff val="0"/>
-              <a:alphaOff val="0"/>
-            </a:schemeClr>
-          </a:solidFill>
-          <a:prstDash val="solid"/>
-        </a:ln>
-        <a:effectLst/>
-      </dsp:spPr>
-      <dsp:style>
-        <a:lnRef idx="2">
-          <a:scrgbClr r="0" g="0" b="0"/>
-        </a:lnRef>
-        <a:fillRef idx="1">
-          <a:scrgbClr r="0" g="0" b="0"/>
-        </a:fillRef>
-        <a:effectRef idx="0">
-          <a:scrgbClr r="0" g="0" b="0"/>
-        </a:effectRef>
-        <a:fontRef idx="minor">
-          <a:schemeClr val="lt1"/>
-        </a:fontRef>
-      </dsp:style>
-      <dsp:txBody>
-        <a:bodyPr spcFirstLastPara="0" vert="horz" wrap="square" lIns="241808" tIns="138176" rIns="241808" bIns="138176" numCol="1" spcCol="1270" anchor="ctr" anchorCtr="0">
-          <a:noAutofit/>
-        </a:bodyPr>
-        <a:lstStyle/>
-        <a:p>
-          <a:pPr lvl="0" algn="ctr" defTabSz="1511300">
-            <a:lnSpc>
-              <a:spcPct val="90000"/>
-            </a:lnSpc>
-            <a:spcBef>
-              <a:spcPct val="0"/>
-            </a:spcBef>
-            <a:spcAft>
-              <a:spcPct val="35000"/>
-            </a:spcAft>
-          </a:pPr>
-          <a:r>
-            <a:rPr lang="da-DK" sz="3400" kern="1200" dirty="0" smtClean="0"/>
-            <a:t>Løsningen på </a:t>
-          </a:r>
-          <a:r>
-            <a:rPr lang="da-DK" sz="3400" kern="1200" dirty="0" err="1" smtClean="0"/>
-            <a:t>længeresigt</a:t>
-          </a:r>
-          <a:endParaRPr lang="da-DK" sz="3400" kern="1200" dirty="0"/>
-        </a:p>
-      </dsp:txBody>
-      <dsp:txXfrm>
-        <a:off x="0" y="8121"/>
-        <a:ext cx="8229600" cy="979200"/>
-      </dsp:txXfrm>
-    </dsp:sp>
-    <dsp:sp modelId="{3291D09C-50D6-4894-9C83-4592B00FC0A3}">
-      <dsp:nvSpPr>
-        <dsp:cNvPr id="0" name=""/>
-        <dsp:cNvSpPr/>
-      </dsp:nvSpPr>
-      <dsp:spPr>
-        <a:xfrm>
-          <a:off x="0" y="987321"/>
-          <a:ext cx="8229600" cy="2473245"/>
-        </a:xfrm>
-        <a:prstGeom prst="rect">
-          <a:avLst/>
-        </a:prstGeom>
-        <a:solidFill>
-          <a:schemeClr val="accent1">
-            <a:alpha val="90000"/>
-            <a:tint val="40000"/>
-            <a:hueOff val="0"/>
-            <a:satOff val="0"/>
-            <a:lumOff val="0"/>
-            <a:alphaOff val="0"/>
-          </a:schemeClr>
-        </a:solidFill>
-        <a:ln w="25400" cap="flat" cmpd="sng" algn="ctr">
-          <a:solidFill>
-            <a:schemeClr val="accent1">
-              <a:alpha val="90000"/>
-              <a:tint val="40000"/>
-              <a:hueOff val="0"/>
-              <a:satOff val="0"/>
-              <a:lumOff val="0"/>
-              <a:alphaOff val="0"/>
-            </a:schemeClr>
-          </a:solidFill>
-          <a:prstDash val="solid"/>
-        </a:ln>
-        <a:effectLst/>
-      </dsp:spPr>
-      <dsp:style>
-        <a:lnRef idx="2">
-          <a:scrgbClr r="0" g="0" b="0"/>
-        </a:lnRef>
-        <a:fillRef idx="1">
-          <a:scrgbClr r="0" g="0" b="0"/>
-        </a:fillRef>
-        <a:effectRef idx="0">
-          <a:scrgbClr r="0" g="0" b="0"/>
-        </a:effectRef>
-        <a:fontRef idx="minor"/>
-      </dsp:style>
-      <dsp:txBody>
-        <a:bodyPr spcFirstLastPara="0" vert="horz" wrap="square" lIns="181356" tIns="181356" rIns="241808" bIns="272034" numCol="1" spcCol="1270" anchor="t" anchorCtr="0">
-          <a:noAutofit/>
-        </a:bodyPr>
-        <a:lstStyle/>
-        <a:p>
-          <a:pPr marL="285750" lvl="1" indent="-285750" algn="l" defTabSz="1511300">
-            <a:lnSpc>
-              <a:spcPct val="90000"/>
-            </a:lnSpc>
-            <a:spcBef>
-              <a:spcPct val="0"/>
-            </a:spcBef>
-            <a:spcAft>
-              <a:spcPct val="15000"/>
-            </a:spcAft>
-            <a:buChar char="••"/>
-          </a:pPr>
-          <a:r>
-            <a:rPr lang="da-DK" sz="3400" kern="1200" dirty="0" err="1" smtClean="0"/>
-            <a:t>Livetracking</a:t>
-          </a:r>
-          <a:endParaRPr lang="da-DK" sz="3400" kern="1200" dirty="0"/>
-        </a:p>
-        <a:p>
-          <a:pPr marL="285750" lvl="1" indent="-285750" algn="l" defTabSz="1511300">
-            <a:lnSpc>
-              <a:spcPct val="90000"/>
-            </a:lnSpc>
-            <a:spcBef>
-              <a:spcPct val="0"/>
-            </a:spcBef>
-            <a:spcAft>
-              <a:spcPct val="15000"/>
-            </a:spcAft>
-            <a:buChar char="••"/>
-          </a:pPr>
-          <a:r>
-            <a:rPr lang="da-DK" sz="3400" kern="1200" dirty="0" smtClean="0"/>
-            <a:t>Udvidelse med håndtering af kamera</a:t>
-          </a:r>
-          <a:endParaRPr lang="da-DK" sz="3400" kern="1200" dirty="0"/>
-        </a:p>
-        <a:p>
-          <a:pPr marL="285750" lvl="1" indent="-285750" algn="l" defTabSz="1511300">
-            <a:lnSpc>
-              <a:spcPct val="90000"/>
-            </a:lnSpc>
-            <a:spcBef>
-              <a:spcPct val="0"/>
-            </a:spcBef>
-            <a:spcAft>
-              <a:spcPct val="15000"/>
-            </a:spcAft>
-            <a:buChar char="••"/>
-          </a:pPr>
-          <a:r>
-            <a:rPr lang="da-DK" sz="3400" kern="1200" dirty="0" smtClean="0"/>
-            <a:t>Bruges i flere sportsgrene</a:t>
-          </a:r>
-          <a:endParaRPr lang="da-DK" sz="3400" kern="1200" dirty="0"/>
-        </a:p>
-        <a:p>
-          <a:pPr marL="285750" lvl="1" indent="-285750" algn="l" defTabSz="1511300">
-            <a:lnSpc>
-              <a:spcPct val="90000"/>
-            </a:lnSpc>
-            <a:spcBef>
-              <a:spcPct val="0"/>
-            </a:spcBef>
-            <a:spcAft>
-              <a:spcPct val="15000"/>
-            </a:spcAft>
-            <a:buChar char="••"/>
-          </a:pPr>
-          <a:r>
-            <a:rPr lang="da-DK" sz="3400" kern="1200" dirty="0" smtClean="0"/>
-            <a:t>Bruges i ikke sportslige aktiviteter</a:t>
-          </a:r>
-          <a:endParaRPr lang="da-DK" sz="3400" kern="1200" dirty="0"/>
-        </a:p>
-      </dsp:txBody>
-      <dsp:txXfrm>
-        <a:off x="0" y="987321"/>
-        <a:ext cx="8229600" cy="2473245"/>
-      </dsp:txXfrm>
-    </dsp:sp>
   </dsp:spTree>
 </dsp:drawing>
 </file>
@@ -12719,6 +12268,16 @@
           <a:bodyPr/>
           <a:lstStyle/>
           <a:p>
+            <a:r>
+              <a:rPr lang="da-DK" dirty="0" smtClean="0"/>
+              <a:t>Hvad har vi tænkt os at lave?</a:t>
+            </a:r>
+          </a:p>
+          <a:p>
+            <a:r>
+              <a:rPr lang="da-DK" dirty="0" smtClean="0"/>
+              <a:t>Brugervenlighed</a:t>
+            </a:r>
             <a:endParaRPr lang="da-DK" dirty="0"/>
           </a:p>
         </p:txBody>
@@ -16209,15 +15768,12 @@
           <a:p>
             <a:r>
               <a:rPr lang="da-DK" dirty="0" smtClean="0"/>
-              <a:t>Virtuelle poster til at mindre arbejdsbyrden for trænere og arrangører</a:t>
+              <a:t>Virtuelle poster til at mindre arbejdsbyrden for trænere og </a:t>
             </a:r>
-          </a:p>
-          <a:p>
             <a:r>
               <a:rPr lang="da-DK" dirty="0" smtClean="0"/>
-              <a:t>Bedre sammenligning af o-løbere til træning og turneringer</a:t>
+              <a:t>arrangører</a:t>
             </a:r>
-            <a:endParaRPr lang="da-DK" dirty="0"/>
           </a:p>
         </p:txBody>
       </p:sp>
@@ -16316,109 +15872,6 @@
                                           <p:spTgt spid="3">
                                             <p:txEl>
                                               <p:pRg st="0" end="0"/>
-                                            </p:txEl>
-                                          </p:spTgt>
-                                        </p:tgtEl>
-                                        <p:attrNameLst>
-                                          <p:attrName>ppt_y</p:attrName>
-                                        </p:attrNameLst>
-                                      </p:cBhvr>
-                                      <p:tavLst>
-                                        <p:tav tm="0">
-                                          <p:val>
-                                            <p:strVal val="#ppt_y"/>
-                                          </p:val>
-                                        </p:tav>
-                                        <p:tav tm="100000">
-                                          <p:val>
-                                            <p:strVal val="#ppt_y"/>
-                                          </p:val>
-                                        </p:tav>
-                                      </p:tavLst>
-                                    </p:anim>
-                                  </p:childTnLst>
-                                </p:cTn>
-                              </p:par>
-                            </p:childTnLst>
-                          </p:cTn>
-                        </p:par>
-                      </p:childTnLst>
-                    </p:cTn>
-                  </p:par>
-                  <p:par>
-                    <p:cTn id="9" fill="hold">
-                      <p:stCondLst>
-                        <p:cond delay="indefinite"/>
-                      </p:stCondLst>
-                      <p:childTnLst>
-                        <p:par>
-                          <p:cTn id="10" fill="hold">
-                            <p:stCondLst>
-                              <p:cond delay="0"/>
-                            </p:stCondLst>
-                            <p:childTnLst>
-                              <p:par>
-                                <p:cTn id="11" presetID="2" presetClass="entr" presetSubtype="8" fill="hold" nodeType="clickEffect">
-                                  <p:stCondLst>
-                                    <p:cond delay="0"/>
-                                  </p:stCondLst>
-                                  <p:childTnLst>
-                                    <p:set>
-                                      <p:cBhvr>
-                                        <p:cTn id="12" dur="1" fill="hold">
-                                          <p:stCondLst>
-                                            <p:cond delay="0"/>
-                                          </p:stCondLst>
-                                        </p:cTn>
-                                        <p:tgtEl>
-                                          <p:spTgt spid="3">
-                                            <p:txEl>
-                                              <p:pRg st="1" end="1"/>
-                                            </p:txEl>
-                                          </p:spTgt>
-                                        </p:tgtEl>
-                                        <p:attrNameLst>
-                                          <p:attrName>style.visibility</p:attrName>
-                                        </p:attrNameLst>
-                                      </p:cBhvr>
-                                      <p:to>
-                                        <p:strVal val="visible"/>
-                                      </p:to>
-                                    </p:set>
-                                    <p:anim calcmode="lin" valueType="num">
-                                      <p:cBhvr additive="base">
-                                        <p:cTn id="13" dur="500" fill="hold"/>
-                                        <p:tgtEl>
-                                          <p:spTgt spid="3">
-                                            <p:txEl>
-                                              <p:pRg st="1" end="1"/>
-                                            </p:txEl>
-                                          </p:spTgt>
-                                        </p:tgtEl>
-                                        <p:attrNameLst>
-                                          <p:attrName>ppt_x</p:attrName>
-                                        </p:attrNameLst>
-                                      </p:cBhvr>
-                                      <p:tavLst>
-                                        <p:tav tm="0">
-                                          <p:val>
-                                            <p:strVal val="0-#ppt_w/2"/>
-                                          </p:val>
-                                        </p:tav>
-                                        <p:tav tm="100000">
-                                          <p:val>
-                                            <p:strVal val="#ppt_x"/>
-                                          </p:val>
-                                        </p:tav>
-                                      </p:tavLst>
-                                    </p:anim>
-                                    <p:anim calcmode="lin" valueType="num">
-                                      <p:cBhvr additive="base">
-                                        <p:cTn id="14" dur="500" fill="hold"/>
-                                        <p:tgtEl>
-                                          <p:spTgt spid="3">
-                                            <p:txEl>
-                                              <p:pRg st="1" end="1"/>
                                             </p:txEl>
                                           </p:spTgt>
                                         </p:tgtEl>

--- a/PP OT.pptx
+++ b/PP OT.pptx
@@ -130,7 +130,7 @@
   </p:defaultTextStyle>
   <p:extLst>
     <p:ext uri="{EFAFB233-063F-42B5-8137-9DF3F51BA10A}">
-      <p15:sldGuideLst xmlns:p15="http://schemas.microsoft.com/office/powerpoint/2012/main">
+      <p15:sldGuideLst xmlns:p15="http://schemas.microsoft.com/office/powerpoint/2012/main" xmlns="">
         <p15:guide id="1" orient="horz" pos="1800">
           <p15:clr>
             <a:srgbClr val="A4A3A4"/>
@@ -2958,13 +2958,13 @@
     <dgm:cxn modelId="{5FFDA814-352E-4A4A-830F-34413E4E2BC4}" srcId="{52A659DA-ADA8-4BE2-9BF8-243D169889C4}" destId="{D6D3BE62-7020-4307-A61E-A86208C70DB7}" srcOrd="1" destOrd="0" parTransId="{68AF0181-CD90-425A-A2F7-A87755B788D3}" sibTransId="{1ED0AD21-8927-4A39-ADA5-50B106257E10}"/>
     <dgm:cxn modelId="{094B30C4-6B29-4171-B992-3FF2FECF4B6C}" srcId="{600B8FE3-9716-41A1-9B7B-8B51F0B8BCAF}" destId="{396D9C85-3D89-47BD-9C45-7B6C85AC2F40}" srcOrd="2" destOrd="0" parTransId="{48202FF8-2860-4827-B00D-449C72D85BBA}" sibTransId="{6289321E-E170-4982-BEF0-70BB715FD358}"/>
     <dgm:cxn modelId="{F168FA6B-187A-4726-89D0-274C54A53281}" srcId="{600B8FE3-9716-41A1-9B7B-8B51F0B8BCAF}" destId="{0B320BD9-B987-434B-A255-9495CF55A8DF}" srcOrd="0" destOrd="0" parTransId="{28499046-9B70-4DA4-AAE0-BAC297E078A4}" sibTransId="{748FF703-7D70-447B-9980-01DA513DCE78}"/>
+    <dgm:cxn modelId="{E50E5D39-FFC1-49D1-8929-875F69AE689B}" type="presOf" srcId="{396D9C85-3D89-47BD-9C45-7B6C85AC2F40}" destId="{32FEFB22-529A-4DEB-94AB-974D134C36B1}" srcOrd="0" destOrd="2" presId="urn:microsoft.com/office/officeart/2005/8/layout/hList1"/>
     <dgm:cxn modelId="{BB00A155-1671-4835-A727-8AFF5A472E11}" type="presOf" srcId="{82084C8F-CF79-40E2-9DF7-A3E3349A7796}" destId="{32FEFB22-529A-4DEB-94AB-974D134C36B1}" srcOrd="0" destOrd="3" presId="urn:microsoft.com/office/officeart/2005/8/layout/hList1"/>
-    <dgm:cxn modelId="{E50E5D39-FFC1-49D1-8929-875F69AE689B}" type="presOf" srcId="{396D9C85-3D89-47BD-9C45-7B6C85AC2F40}" destId="{32FEFB22-529A-4DEB-94AB-974D134C36B1}" srcOrd="0" destOrd="2" presId="urn:microsoft.com/office/officeart/2005/8/layout/hList1"/>
     <dgm:cxn modelId="{8E179278-C426-4AA1-9EE9-BA4D09BEE069}" srcId="{600B8FE3-9716-41A1-9B7B-8B51F0B8BCAF}" destId="{82084C8F-CF79-40E2-9DF7-A3E3349A7796}" srcOrd="3" destOrd="0" parTransId="{DFA5E201-A366-4FC7-889A-83963A140723}" sibTransId="{6FE823CD-8083-4884-BBD2-9A28B620123A}"/>
     <dgm:cxn modelId="{BCDF1CB9-ABD0-485E-AD34-B21A95DAEFCF}" srcId="{600B8FE3-9716-41A1-9B7B-8B51F0B8BCAF}" destId="{E24C2913-7666-4670-82C5-B25778515816}" srcOrd="6" destOrd="0" parTransId="{F176B324-5D50-410B-9992-6E1358F1898C}" sibTransId="{20042014-0287-48C2-954A-C7929EA31CD8}"/>
     <dgm:cxn modelId="{668113C9-9A5A-498E-8521-05C4D298B705}" srcId="{34EEE3DE-E501-45CE-95AC-DD775AE6F410}" destId="{600B8FE3-9716-41A1-9B7B-8B51F0B8BCAF}" srcOrd="1" destOrd="0" parTransId="{0FAD610E-19ED-4472-BDC1-CA624911D2D9}" sibTransId="{8783E9A1-3749-4E60-B61B-8C90723EB678}"/>
+    <dgm:cxn modelId="{10AE9267-6033-462D-AEBF-E41302BF8280}" type="presOf" srcId="{9B17F802-7EA3-462B-8945-3084C1136831}" destId="{715E00C6-385C-4A10-810E-4CD87B5A52E3}" srcOrd="0" destOrd="2" presId="urn:microsoft.com/office/officeart/2005/8/layout/hList1"/>
     <dgm:cxn modelId="{7A49882D-0DE8-4127-990E-5007B37A14F0}" type="presOf" srcId="{22897772-BD60-4BBC-BCAF-519F143F78C1}" destId="{32FEFB22-529A-4DEB-94AB-974D134C36B1}" srcOrd="0" destOrd="4" presId="urn:microsoft.com/office/officeart/2005/8/layout/hList1"/>
-    <dgm:cxn modelId="{10AE9267-6033-462D-AEBF-E41302BF8280}" type="presOf" srcId="{9B17F802-7EA3-462B-8945-3084C1136831}" destId="{715E00C6-385C-4A10-810E-4CD87B5A52E3}" srcOrd="0" destOrd="2" presId="urn:microsoft.com/office/officeart/2005/8/layout/hList1"/>
     <dgm:cxn modelId="{B5A1E184-59AE-45C8-9490-7AE96FC0EE52}" type="presOf" srcId="{E899D546-8E2A-448B-AD2C-DD81C8E0760A}" destId="{715E00C6-385C-4A10-810E-4CD87B5A52E3}" srcOrd="0" destOrd="0" presId="urn:microsoft.com/office/officeart/2005/8/layout/hList1"/>
     <dgm:cxn modelId="{0FAB94A0-CFEF-47FA-B534-CCEBF040182F}" type="presOf" srcId="{600B8FE3-9716-41A1-9B7B-8B51F0B8BCAF}" destId="{B28EAFB1-C51E-4C34-8EE4-19770E2A00A4}" srcOrd="0" destOrd="0" presId="urn:microsoft.com/office/officeart/2005/8/layout/hList1"/>
     <dgm:cxn modelId="{99BB7AF5-DFF9-488B-B5DA-764977A21DF1}" type="presOf" srcId="{E24C2913-7666-4670-82C5-B25778515816}" destId="{32FEFB22-529A-4DEB-94AB-974D134C36B1}" srcOrd="0" destOrd="6" presId="urn:microsoft.com/office/officeart/2005/8/layout/hList1"/>
@@ -3120,7 +3120,11 @@
         <a:p>
           <a:r>
             <a:rPr lang="da-DK" dirty="0" smtClean="0"/>
-            <a:t>Integrerer et klub- og brugersystem</a:t>
+            <a:t>Integrere </a:t>
+          </a:r>
+          <a:r>
+            <a:rPr lang="da-DK" dirty="0" smtClean="0"/>
+            <a:t>et klub- og brugersystem</a:t>
           </a:r>
           <a:endParaRPr lang="da-DK" dirty="0"/>
         </a:p>
@@ -3157,7 +3161,7 @@
         <a:p>
           <a:r>
             <a:rPr lang="da-DK" dirty="0" smtClean="0"/>
-            <a:t>Mobilapplikationen skal laves</a:t>
+            <a:t>Mobilapplikation</a:t>
           </a:r>
           <a:endParaRPr lang="da-DK" dirty="0"/>
         </a:p>
@@ -3194,7 +3198,7 @@
         <a:p>
           <a:r>
             <a:rPr lang="da-DK" dirty="0" smtClean="0"/>
-            <a:t>Lave løsningen webbaseret</a:t>
+            <a:t>Webbaseret løsning</a:t>
           </a:r>
           <a:endParaRPr lang="da-DK" dirty="0"/>
         </a:p>
@@ -3330,8 +3334,8 @@
             <a:t>Løsningen på </a:t>
           </a:r>
           <a:r>
-            <a:rPr lang="da-DK" dirty="0" err="1" smtClean="0"/>
-            <a:t>længeresigt</a:t>
+            <a:rPr lang="da-DK" dirty="0" smtClean="0"/>
+            <a:t>længere sigt</a:t>
           </a:r>
           <a:endParaRPr lang="da-DK" dirty="0"/>
         </a:p>
@@ -3478,8 +3482,12 @@
         <a:lstStyle/>
         <a:p>
           <a:r>
+            <a:rPr lang="da-DK" dirty="0" smtClean="0"/>
+            <a:t>Live-</a:t>
+          </a:r>
+          <a:r>
             <a:rPr lang="da-DK" dirty="0" err="1" smtClean="0"/>
-            <a:t>Livetracking</a:t>
+            <a:t>tracking</a:t>
           </a:r>
           <a:endParaRPr lang="da-DK" dirty="0"/>
         </a:p>
@@ -3588,8 +3596,8 @@
       </dsp:nvSpPr>
       <dsp:spPr>
         <a:xfrm>
-          <a:off x="40" y="38779"/>
-          <a:ext cx="3845569" cy="518400"/>
+          <a:off x="40" y="89593"/>
+          <a:ext cx="3845569" cy="489600"/>
         </a:xfrm>
         <a:prstGeom prst="rect">
           <a:avLst/>
@@ -3630,12 +3638,12 @@
         </a:fontRef>
       </dsp:style>
       <dsp:txBody>
-        <a:bodyPr spcFirstLastPara="0" vert="horz" wrap="square" lIns="128016" tIns="73152" rIns="128016" bIns="73152" numCol="1" spcCol="1270" anchor="ctr" anchorCtr="0">
+        <a:bodyPr spcFirstLastPara="0" vert="horz" wrap="square" lIns="120904" tIns="69088" rIns="120904" bIns="69088" numCol="1" spcCol="1270" anchor="ctr" anchorCtr="0">
           <a:noAutofit/>
         </a:bodyPr>
         <a:lstStyle/>
         <a:p>
-          <a:pPr lvl="0" algn="ctr" defTabSz="800100">
+          <a:pPr lvl="0" algn="ctr" defTabSz="755650">
             <a:lnSpc>
               <a:spcPct val="90000"/>
             </a:lnSpc>
@@ -3647,15 +3655,15 @@
             </a:spcAft>
           </a:pPr>
           <a:r>
-            <a:rPr lang="da-DK" sz="1800" kern="1200" dirty="0" smtClean="0"/>
+            <a:rPr lang="da-DK" sz="1700" kern="1200" dirty="0" smtClean="0"/>
             <a:t>Mobil</a:t>
           </a:r>
-          <a:endParaRPr lang="da-DK" sz="1800" kern="1200" dirty="0"/>
+          <a:endParaRPr lang="da-DK" sz="1700" kern="1200" dirty="0"/>
         </a:p>
       </dsp:txBody>
       <dsp:txXfrm>
-        <a:off x="40" y="38779"/>
-        <a:ext cx="3845569" cy="518400"/>
+        <a:off x="40" y="89593"/>
+        <a:ext cx="3845569" cy="489600"/>
       </dsp:txXfrm>
     </dsp:sp>
     <dsp:sp modelId="{715E00C6-385C-4A10-810E-4CD87B5A52E3}">
@@ -3665,8 +3673,8 @@
       </dsp:nvSpPr>
       <dsp:spPr>
         <a:xfrm>
-          <a:off x="40" y="557179"/>
-          <a:ext cx="3845569" cy="2872728"/>
+          <a:off x="40" y="579194"/>
+          <a:ext cx="3845569" cy="2799900"/>
         </a:xfrm>
         <a:prstGeom prst="rect">
           <a:avLst/>
@@ -3709,12 +3717,12 @@
         <a:fontRef idx="minor"/>
       </dsp:style>
       <dsp:txBody>
-        <a:bodyPr spcFirstLastPara="0" vert="horz" wrap="square" lIns="96012" tIns="96012" rIns="128016" bIns="144018" numCol="1" spcCol="1270" anchor="t" anchorCtr="0">
+        <a:bodyPr spcFirstLastPara="0" vert="horz" wrap="square" lIns="90678" tIns="90678" rIns="120904" bIns="136017" numCol="1" spcCol="1270" anchor="t" anchorCtr="0">
           <a:noAutofit/>
         </a:bodyPr>
         <a:lstStyle/>
         <a:p>
-          <a:pPr marL="171450" lvl="1" indent="-171450" algn="l" defTabSz="800100">
+          <a:pPr marL="171450" lvl="1" indent="-171450" algn="l" defTabSz="755650">
             <a:lnSpc>
               <a:spcPct val="90000"/>
             </a:lnSpc>
@@ -3727,13 +3735,13 @@
             <a:buChar char="••"/>
           </a:pPr>
           <a:r>
-            <a:rPr lang="da-DK" sz="1800" kern="1200" dirty="0" smtClean="0"/>
+            <a:rPr lang="da-DK" sz="1700" kern="1200" dirty="0" smtClean="0"/>
             <a:t>Måle, sende og optage GPS position</a:t>
           </a:r>
-          <a:endParaRPr lang="da-DK" sz="1800" kern="1200" dirty="0"/>
+          <a:endParaRPr lang="da-DK" sz="1700" kern="1200" dirty="0"/>
         </a:p>
         <a:p>
-          <a:pPr marL="171450" lvl="1" indent="-171450" algn="l" defTabSz="800100">
+          <a:pPr marL="171450" lvl="1" indent="-171450" algn="l" defTabSz="755650">
             <a:lnSpc>
               <a:spcPct val="90000"/>
             </a:lnSpc>
@@ -3746,13 +3754,13 @@
             <a:buChar char="••"/>
           </a:pPr>
           <a:r>
-            <a:rPr lang="da-DK" sz="1800" kern="1200" dirty="0" smtClean="0"/>
+            <a:rPr lang="da-DK" sz="1700" kern="1200" dirty="0" smtClean="0"/>
             <a:t>Tilslutte sig en bestemt bane</a:t>
           </a:r>
-          <a:endParaRPr lang="da-DK" sz="1800" kern="1200" dirty="0"/>
+          <a:endParaRPr lang="da-DK" sz="1700" kern="1200" dirty="0"/>
         </a:p>
         <a:p>
-          <a:pPr marL="171450" lvl="1" indent="-171450" algn="l" defTabSz="800100">
+          <a:pPr marL="171450" lvl="1" indent="-171450" algn="l" defTabSz="755650">
             <a:lnSpc>
               <a:spcPct val="90000"/>
             </a:lnSpc>
@@ -3765,15 +3773,15 @@
             <a:buChar char="••"/>
           </a:pPr>
           <a:r>
-            <a:rPr lang="da-DK" sz="1800" kern="1200" dirty="0" smtClean="0"/>
+            <a:rPr lang="da-DK" sz="1700" kern="1200" dirty="0" smtClean="0"/>
             <a:t> Mobilen må ikke hjælpe løberen undervejs i løbet</a:t>
           </a:r>
-          <a:endParaRPr lang="da-DK" sz="1800" kern="1200" dirty="0"/>
+          <a:endParaRPr lang="da-DK" sz="1700" kern="1200" dirty="0"/>
         </a:p>
       </dsp:txBody>
       <dsp:txXfrm>
-        <a:off x="40" y="557179"/>
-        <a:ext cx="3845569" cy="2872728"/>
+        <a:off x="40" y="579194"/>
+        <a:ext cx="3845569" cy="2799900"/>
       </dsp:txXfrm>
     </dsp:sp>
     <dsp:sp modelId="{B28EAFB1-C51E-4C34-8EE4-19770E2A00A4}">
@@ -3783,8 +3791,8 @@
       </dsp:nvSpPr>
       <dsp:spPr>
         <a:xfrm>
-          <a:off x="4383989" y="38779"/>
-          <a:ext cx="3845569" cy="518400"/>
+          <a:off x="4383989" y="89593"/>
+          <a:ext cx="3845569" cy="489600"/>
         </a:xfrm>
         <a:prstGeom prst="rect">
           <a:avLst/>
@@ -3825,12 +3833,12 @@
         </a:fontRef>
       </dsp:style>
       <dsp:txBody>
-        <a:bodyPr spcFirstLastPara="0" vert="horz" wrap="square" lIns="128016" tIns="73152" rIns="128016" bIns="73152" numCol="1" spcCol="1270" anchor="ctr" anchorCtr="0">
+        <a:bodyPr spcFirstLastPara="0" vert="horz" wrap="square" lIns="120904" tIns="69088" rIns="120904" bIns="69088" numCol="1" spcCol="1270" anchor="ctr" anchorCtr="0">
           <a:noAutofit/>
         </a:bodyPr>
         <a:lstStyle/>
         <a:p>
-          <a:pPr lvl="0" algn="ctr" defTabSz="800100">
+          <a:pPr lvl="0" algn="ctr" defTabSz="755650">
             <a:lnSpc>
               <a:spcPct val="90000"/>
             </a:lnSpc>
@@ -3842,15 +3850,15 @@
             </a:spcAft>
           </a:pPr>
           <a:r>
-            <a:rPr lang="da-DK" sz="1800" kern="1200" dirty="0" smtClean="0"/>
+            <a:rPr lang="da-DK" sz="1700" kern="1200" dirty="0" smtClean="0"/>
             <a:t>Webservice</a:t>
           </a:r>
-          <a:endParaRPr lang="da-DK" sz="1800" kern="1200" dirty="0"/>
+          <a:endParaRPr lang="da-DK" sz="1700" kern="1200" dirty="0"/>
         </a:p>
       </dsp:txBody>
       <dsp:txXfrm>
-        <a:off x="4383989" y="38779"/>
-        <a:ext cx="3845569" cy="518400"/>
+        <a:off x="4383989" y="89593"/>
+        <a:ext cx="3845569" cy="489600"/>
       </dsp:txXfrm>
     </dsp:sp>
     <dsp:sp modelId="{32FEFB22-529A-4DEB-94AB-974D134C36B1}">
@@ -3860,8 +3868,8 @@
       </dsp:nvSpPr>
       <dsp:spPr>
         <a:xfrm>
-          <a:off x="4383989" y="557179"/>
-          <a:ext cx="3845569" cy="2872728"/>
+          <a:off x="4383989" y="579194"/>
+          <a:ext cx="3845569" cy="2799900"/>
         </a:xfrm>
         <a:prstGeom prst="rect">
           <a:avLst/>
@@ -3904,12 +3912,12 @@
         <a:fontRef idx="minor"/>
       </dsp:style>
       <dsp:txBody>
-        <a:bodyPr spcFirstLastPara="0" vert="horz" wrap="square" lIns="96012" tIns="96012" rIns="128016" bIns="144018" numCol="1" spcCol="1270" anchor="t" anchorCtr="0">
+        <a:bodyPr spcFirstLastPara="0" vert="horz" wrap="square" lIns="90678" tIns="90678" rIns="120904" bIns="136017" numCol="1" spcCol="1270" anchor="t" anchorCtr="0">
           <a:noAutofit/>
         </a:bodyPr>
         <a:lstStyle/>
         <a:p>
-          <a:pPr marL="171450" lvl="1" indent="-171450" algn="l" defTabSz="800100">
+          <a:pPr marL="171450" lvl="1" indent="-171450" algn="l" defTabSz="755650">
             <a:lnSpc>
               <a:spcPct val="90000"/>
             </a:lnSpc>
@@ -3922,13 +3930,13 @@
             <a:buChar char="••"/>
           </a:pPr>
           <a:r>
-            <a:rPr lang="da-DK" sz="1800" kern="1200" dirty="0" smtClean="0"/>
+            <a:rPr lang="da-DK" sz="1700" kern="1200" dirty="0" smtClean="0"/>
             <a:t>Opsætte baner inden løbet</a:t>
           </a:r>
-          <a:endParaRPr lang="da-DK" sz="1800" kern="1200" dirty="0"/>
+          <a:endParaRPr lang="da-DK" sz="1700" kern="1200" dirty="0"/>
         </a:p>
         <a:p>
-          <a:pPr marL="171450" lvl="1" indent="-171450" algn="l" defTabSz="800100">
+          <a:pPr marL="171450" lvl="1" indent="-171450" algn="l" defTabSz="755650">
             <a:lnSpc>
               <a:spcPct val="90000"/>
             </a:lnSpc>
@@ -3941,13 +3949,13 @@
             <a:buChar char="••"/>
           </a:pPr>
           <a:r>
-            <a:rPr lang="da-DK" sz="1800" kern="1200" dirty="0" smtClean="0"/>
+            <a:rPr lang="da-DK" sz="1700" kern="1200" dirty="0" smtClean="0"/>
             <a:t> Have et klub- og brugersystem</a:t>
           </a:r>
-          <a:endParaRPr lang="da-DK" sz="1800" kern="1200" dirty="0"/>
+          <a:endParaRPr lang="da-DK" sz="1700" kern="1200" dirty="0"/>
         </a:p>
         <a:p>
-          <a:pPr marL="171450" lvl="1" indent="-171450" algn="l" defTabSz="800100">
+          <a:pPr marL="171450" lvl="1" indent="-171450" algn="l" defTabSz="755650">
             <a:lnSpc>
               <a:spcPct val="90000"/>
             </a:lnSpc>
@@ -3960,13 +3968,13 @@
             <a:buChar char="••"/>
           </a:pPr>
           <a:r>
-            <a:rPr lang="da-DK" sz="1800" kern="1200" dirty="0" smtClean="0"/>
+            <a:rPr lang="da-DK" sz="1700" kern="1200" dirty="0" smtClean="0"/>
             <a:t>Vise løbernes position på kortet</a:t>
           </a:r>
-          <a:endParaRPr lang="da-DK" sz="1800" kern="1200" dirty="0"/>
+          <a:endParaRPr lang="da-DK" sz="1700" kern="1200" dirty="0"/>
         </a:p>
         <a:p>
-          <a:pPr marL="171450" lvl="1" indent="-171450" algn="l" defTabSz="800100">
+          <a:pPr marL="171450" lvl="1" indent="-171450" algn="l" defTabSz="755650">
             <a:lnSpc>
               <a:spcPct val="90000"/>
             </a:lnSpc>
@@ -3979,13 +3987,13 @@
             <a:buChar char="••"/>
           </a:pPr>
           <a:r>
-            <a:rPr lang="da-DK" sz="1800" kern="1200" dirty="0" smtClean="0"/>
+            <a:rPr lang="da-DK" sz="1700" kern="1200" dirty="0" smtClean="0"/>
             <a:t>Vise diverse statistik og data for løberens tur på banen</a:t>
           </a:r>
-          <a:endParaRPr lang="da-DK" sz="1800" kern="1200" dirty="0"/>
+          <a:endParaRPr lang="da-DK" sz="1700" kern="1200" dirty="0"/>
         </a:p>
         <a:p>
-          <a:pPr marL="171450" lvl="1" indent="-171450" algn="l" defTabSz="800100">
+          <a:pPr marL="171450" lvl="1" indent="-171450" algn="l" defTabSz="755650">
             <a:lnSpc>
               <a:spcPct val="90000"/>
             </a:lnSpc>
@@ -3998,29 +4006,29 @@
             <a:buChar char="••"/>
           </a:pPr>
           <a:r>
-            <a:rPr lang="da-DK" sz="1800" kern="1200" dirty="0" smtClean="0"/>
+            <a:rPr lang="da-DK" sz="1700" kern="1200" dirty="0" smtClean="0"/>
             <a:t> Vise et </a:t>
           </a:r>
           <a:r>
-            <a:rPr lang="da-DK" sz="1800" kern="1200" dirty="0" err="1" smtClean="0"/>
+            <a:rPr lang="da-DK" sz="1700" kern="1200" dirty="0" err="1" smtClean="0"/>
             <a:t>graﬁsk</a:t>
           </a:r>
           <a:r>
-            <a:rPr lang="da-DK" sz="1800" kern="1200" dirty="0" smtClean="0"/>
+            <a:rPr lang="da-DK" sz="1700" kern="1200" dirty="0" smtClean="0"/>
             <a:t> </a:t>
           </a:r>
           <a:r>
-            <a:rPr lang="da-DK" sz="1800" kern="1200" dirty="0" err="1" smtClean="0"/>
+            <a:rPr lang="da-DK" sz="1700" kern="1200" dirty="0" err="1" smtClean="0"/>
             <a:t>replay</a:t>
           </a:r>
           <a:r>
-            <a:rPr lang="da-DK" sz="1800" kern="1200" dirty="0" smtClean="0"/>
+            <a:rPr lang="da-DK" sz="1700" kern="1200" dirty="0" smtClean="0"/>
             <a:t> af den rute løberen har løbet</a:t>
           </a:r>
-          <a:endParaRPr lang="da-DK" sz="1800" kern="1200" dirty="0"/>
+          <a:endParaRPr lang="da-DK" sz="1700" kern="1200" dirty="0"/>
         </a:p>
         <a:p>
-          <a:pPr marL="171450" lvl="1" indent="-171450" algn="l" defTabSz="800100">
+          <a:pPr marL="171450" lvl="1" indent="-171450" algn="l" defTabSz="755650">
             <a:lnSpc>
               <a:spcPct val="90000"/>
             </a:lnSpc>
@@ -4033,13 +4041,13 @@
             <a:buChar char="••"/>
           </a:pPr>
           <a:r>
-            <a:rPr lang="da-DK" sz="1800" kern="1200" smtClean="0"/>
+            <a:rPr lang="da-DK" sz="1700" kern="1200" smtClean="0"/>
             <a:t>Sammenligne to løberes tur på samme rute</a:t>
           </a:r>
-          <a:endParaRPr lang="da-DK" sz="1800" kern="1200" dirty="0"/>
+          <a:endParaRPr lang="da-DK" sz="1700" kern="1200" dirty="0"/>
         </a:p>
         <a:p>
-          <a:pPr marL="171450" lvl="1" indent="-171450" algn="l" defTabSz="800100">
+          <a:pPr marL="171450" lvl="1" indent="-171450" algn="l" defTabSz="755650">
             <a:lnSpc>
               <a:spcPct val="90000"/>
             </a:lnSpc>
@@ -4052,15 +4060,15 @@
             <a:buChar char="••"/>
           </a:pPr>
           <a:r>
-            <a:rPr lang="da-DK" sz="1800" kern="1200" dirty="0" smtClean="0"/>
+            <a:rPr lang="da-DK" sz="1700" kern="1200" dirty="0" smtClean="0"/>
             <a:t>Være kompatibelt med GPS-ure</a:t>
           </a:r>
-          <a:endParaRPr lang="da-DK" sz="1800" kern="1200" dirty="0"/>
+          <a:endParaRPr lang="da-DK" sz="1700" kern="1200" dirty="0"/>
         </a:p>
       </dsp:txBody>
       <dsp:txXfrm>
-        <a:off x="4383989" y="557179"/>
-        <a:ext cx="3845569" cy="2872728"/>
+        <a:off x="4383989" y="579194"/>
+        <a:ext cx="3845569" cy="2799900"/>
       </dsp:txXfrm>
     </dsp:sp>
   </dsp:spTree>
@@ -4075,6 +4083,243 @@
       <dsp:cNvGrpSpPr/>
     </dsp:nvGrpSpPr>
     <dsp:grpSpPr/>
+    <dsp:sp modelId="{0FE92539-64E2-4851-8F8D-DF1973E59265}">
+      <dsp:nvSpPr>
+        <dsp:cNvPr id="0" name=""/>
+        <dsp:cNvSpPr/>
+      </dsp:nvSpPr>
+      <dsp:spPr>
+        <a:xfrm>
+          <a:off x="0" y="24524"/>
+          <a:ext cx="8229600" cy="806400"/>
+        </a:xfrm>
+        <a:prstGeom prst="rect">
+          <a:avLst/>
+        </a:prstGeom>
+        <a:solidFill>
+          <a:schemeClr val="accent1">
+            <a:hueOff val="0"/>
+            <a:satOff val="0"/>
+            <a:lumOff val="0"/>
+            <a:alphaOff val="0"/>
+          </a:schemeClr>
+        </a:solidFill>
+        <a:ln w="25400" cap="flat" cmpd="sng" algn="ctr">
+          <a:solidFill>
+            <a:schemeClr val="accent1">
+              <a:hueOff val="0"/>
+              <a:satOff val="0"/>
+              <a:lumOff val="0"/>
+              <a:alphaOff val="0"/>
+            </a:schemeClr>
+          </a:solidFill>
+          <a:prstDash val="solid"/>
+        </a:ln>
+        <a:effectLst/>
+      </dsp:spPr>
+      <dsp:style>
+        <a:lnRef idx="2">
+          <a:scrgbClr r="0" g="0" b="0"/>
+        </a:lnRef>
+        <a:fillRef idx="1">
+          <a:scrgbClr r="0" g="0" b="0"/>
+        </a:fillRef>
+        <a:effectRef idx="0">
+          <a:scrgbClr r="0" g="0" b="0"/>
+        </a:effectRef>
+        <a:fontRef idx="minor">
+          <a:schemeClr val="lt1"/>
+        </a:fontRef>
+      </dsp:style>
+      <dsp:txBody>
+        <a:bodyPr spcFirstLastPara="0" vert="horz" wrap="square" lIns="199136" tIns="113792" rIns="199136" bIns="113792" numCol="1" spcCol="1270" anchor="ctr" anchorCtr="0">
+          <a:noAutofit/>
+        </a:bodyPr>
+        <a:lstStyle/>
+        <a:p>
+          <a:pPr lvl="0" algn="ctr" defTabSz="1244600">
+            <a:lnSpc>
+              <a:spcPct val="90000"/>
+            </a:lnSpc>
+            <a:spcBef>
+              <a:spcPct val="0"/>
+            </a:spcBef>
+            <a:spcAft>
+              <a:spcPct val="35000"/>
+            </a:spcAft>
+          </a:pPr>
+          <a:r>
+            <a:rPr lang="da-DK" sz="2800" kern="1200" dirty="0" smtClean="0"/>
+            <a:t>Løsningen fremadrettet</a:t>
+          </a:r>
+          <a:endParaRPr lang="da-DK" sz="2800" kern="1200" dirty="0"/>
+        </a:p>
+      </dsp:txBody>
+      <dsp:txXfrm>
+        <a:off x="0" y="24524"/>
+        <a:ext cx="8229600" cy="806400"/>
+      </dsp:txXfrm>
+    </dsp:sp>
+    <dsp:sp modelId="{56CFF0D8-9A8C-46CF-9D1E-C00B28B6C225}">
+      <dsp:nvSpPr>
+        <dsp:cNvPr id="0" name=""/>
+        <dsp:cNvSpPr/>
+      </dsp:nvSpPr>
+      <dsp:spPr>
+        <a:xfrm>
+          <a:off x="0" y="830924"/>
+          <a:ext cx="8229600" cy="2613239"/>
+        </a:xfrm>
+        <a:prstGeom prst="rect">
+          <a:avLst/>
+        </a:prstGeom>
+        <a:solidFill>
+          <a:schemeClr val="accent1">
+            <a:alpha val="90000"/>
+            <a:tint val="40000"/>
+            <a:hueOff val="0"/>
+            <a:satOff val="0"/>
+            <a:lumOff val="0"/>
+            <a:alphaOff val="0"/>
+          </a:schemeClr>
+        </a:solidFill>
+        <a:ln w="25400" cap="flat" cmpd="sng" algn="ctr">
+          <a:solidFill>
+            <a:schemeClr val="accent1">
+              <a:alpha val="90000"/>
+              <a:tint val="40000"/>
+              <a:hueOff val="0"/>
+              <a:satOff val="0"/>
+              <a:lumOff val="0"/>
+              <a:alphaOff val="0"/>
+            </a:schemeClr>
+          </a:solidFill>
+          <a:prstDash val="solid"/>
+        </a:ln>
+        <a:effectLst/>
+      </dsp:spPr>
+      <dsp:style>
+        <a:lnRef idx="2">
+          <a:scrgbClr r="0" g="0" b="0"/>
+        </a:lnRef>
+        <a:fillRef idx="1">
+          <a:scrgbClr r="0" g="0" b="0"/>
+        </a:fillRef>
+        <a:effectRef idx="0">
+          <a:scrgbClr r="0" g="0" b="0"/>
+        </a:effectRef>
+        <a:fontRef idx="minor"/>
+      </dsp:style>
+      <dsp:txBody>
+        <a:bodyPr spcFirstLastPara="0" vert="horz" wrap="square" lIns="149352" tIns="149352" rIns="199136" bIns="224028" numCol="1" spcCol="1270" anchor="t" anchorCtr="0">
+          <a:noAutofit/>
+        </a:bodyPr>
+        <a:lstStyle/>
+        <a:p>
+          <a:pPr marL="285750" lvl="1" indent="-285750" algn="l" defTabSz="1244600">
+            <a:lnSpc>
+              <a:spcPct val="90000"/>
+            </a:lnSpc>
+            <a:spcBef>
+              <a:spcPct val="0"/>
+            </a:spcBef>
+            <a:spcAft>
+              <a:spcPct val="15000"/>
+            </a:spcAft>
+            <a:buChar char="••"/>
+          </a:pPr>
+          <a:r>
+            <a:rPr lang="da-DK" sz="2800" kern="1200" dirty="0" smtClean="0"/>
+            <a:t>Kunne loade et kort ind dynamisk</a:t>
+          </a:r>
+          <a:endParaRPr lang="da-DK" sz="2800" kern="1200" dirty="0"/>
+        </a:p>
+        <a:p>
+          <a:pPr marL="285750" lvl="1" indent="-285750" algn="l" defTabSz="1244600">
+            <a:lnSpc>
+              <a:spcPct val="90000"/>
+            </a:lnSpc>
+            <a:spcBef>
+              <a:spcPct val="0"/>
+            </a:spcBef>
+            <a:spcAft>
+              <a:spcPct val="15000"/>
+            </a:spcAft>
+            <a:buChar char="••"/>
+          </a:pPr>
+          <a:r>
+            <a:rPr lang="da-DK" sz="2800" kern="1200" dirty="0" smtClean="0"/>
+            <a:t>Danne kontrolpunkter ved klik på kortet</a:t>
+          </a:r>
+          <a:endParaRPr lang="da-DK" sz="2800" kern="1200" dirty="0"/>
+        </a:p>
+        <a:p>
+          <a:pPr marL="285750" lvl="1" indent="-285750" algn="l" defTabSz="1244600">
+            <a:lnSpc>
+              <a:spcPct val="90000"/>
+            </a:lnSpc>
+            <a:spcBef>
+              <a:spcPct val="0"/>
+            </a:spcBef>
+            <a:spcAft>
+              <a:spcPct val="15000"/>
+            </a:spcAft>
+            <a:buChar char="••"/>
+          </a:pPr>
+          <a:r>
+            <a:rPr lang="da-DK" sz="2800" kern="1200" dirty="0" smtClean="0"/>
+            <a:t>Webbaseret løsning</a:t>
+          </a:r>
+          <a:endParaRPr lang="da-DK" sz="2800" kern="1200" dirty="0"/>
+        </a:p>
+        <a:p>
+          <a:pPr marL="285750" lvl="1" indent="-285750" algn="l" defTabSz="1244600">
+            <a:lnSpc>
+              <a:spcPct val="90000"/>
+            </a:lnSpc>
+            <a:spcBef>
+              <a:spcPct val="0"/>
+            </a:spcBef>
+            <a:spcAft>
+              <a:spcPct val="15000"/>
+            </a:spcAft>
+            <a:buChar char="••"/>
+          </a:pPr>
+          <a:r>
+            <a:rPr lang="da-DK" sz="2800" kern="1200" dirty="0" smtClean="0"/>
+            <a:t>Integrere </a:t>
+          </a:r>
+          <a:r>
+            <a:rPr lang="da-DK" sz="2800" kern="1200" dirty="0" smtClean="0"/>
+            <a:t>et klub- og brugersystem</a:t>
+          </a:r>
+          <a:endParaRPr lang="da-DK" sz="2800" kern="1200" dirty="0"/>
+        </a:p>
+        <a:p>
+          <a:pPr marL="285750" lvl="1" indent="-285750" algn="l" defTabSz="1244600">
+            <a:lnSpc>
+              <a:spcPct val="90000"/>
+            </a:lnSpc>
+            <a:spcBef>
+              <a:spcPct val="0"/>
+            </a:spcBef>
+            <a:spcAft>
+              <a:spcPct val="15000"/>
+            </a:spcAft>
+            <a:buChar char="••"/>
+          </a:pPr>
+          <a:r>
+            <a:rPr lang="da-DK" sz="2800" kern="1200" dirty="0" smtClean="0"/>
+            <a:t>Mobilapplikation</a:t>
+          </a:r>
+          <a:endParaRPr lang="da-DK" sz="2800" kern="1200" dirty="0"/>
+        </a:p>
+      </dsp:txBody>
+      <dsp:txXfrm>
+        <a:off x="0" y="830924"/>
+        <a:ext cx="8229600" cy="2613239"/>
+      </dsp:txXfrm>
+    </dsp:sp>
   </dsp:spTree>
 </dsp:drawing>
 </file>
@@ -4087,6 +4332,228 @@
       <dsp:cNvGrpSpPr/>
     </dsp:nvGrpSpPr>
     <dsp:grpSpPr/>
+    <dsp:sp modelId="{3476AA92-C0F9-4052-AC21-C46B06F56441}">
+      <dsp:nvSpPr>
+        <dsp:cNvPr id="0" name=""/>
+        <dsp:cNvSpPr/>
+      </dsp:nvSpPr>
+      <dsp:spPr>
+        <a:xfrm>
+          <a:off x="0" y="13600"/>
+          <a:ext cx="8229600" cy="950400"/>
+        </a:xfrm>
+        <a:prstGeom prst="rect">
+          <a:avLst/>
+        </a:prstGeom>
+        <a:solidFill>
+          <a:schemeClr val="accent1">
+            <a:hueOff val="0"/>
+            <a:satOff val="0"/>
+            <a:lumOff val="0"/>
+            <a:alphaOff val="0"/>
+          </a:schemeClr>
+        </a:solidFill>
+        <a:ln w="25400" cap="flat" cmpd="sng" algn="ctr">
+          <a:solidFill>
+            <a:schemeClr val="accent1">
+              <a:hueOff val="0"/>
+              <a:satOff val="0"/>
+              <a:lumOff val="0"/>
+              <a:alphaOff val="0"/>
+            </a:schemeClr>
+          </a:solidFill>
+          <a:prstDash val="solid"/>
+        </a:ln>
+        <a:effectLst/>
+      </dsp:spPr>
+      <dsp:style>
+        <a:lnRef idx="2">
+          <a:scrgbClr r="0" g="0" b="0"/>
+        </a:lnRef>
+        <a:fillRef idx="1">
+          <a:scrgbClr r="0" g="0" b="0"/>
+        </a:fillRef>
+        <a:effectRef idx="0">
+          <a:scrgbClr r="0" g="0" b="0"/>
+        </a:effectRef>
+        <a:fontRef idx="minor">
+          <a:schemeClr val="lt1"/>
+        </a:fontRef>
+      </dsp:style>
+      <dsp:txBody>
+        <a:bodyPr spcFirstLastPara="0" vert="horz" wrap="square" lIns="234696" tIns="134112" rIns="234696" bIns="134112" numCol="1" spcCol="1270" anchor="ctr" anchorCtr="0">
+          <a:noAutofit/>
+        </a:bodyPr>
+        <a:lstStyle/>
+        <a:p>
+          <a:pPr lvl="0" algn="ctr" defTabSz="1466850">
+            <a:lnSpc>
+              <a:spcPct val="90000"/>
+            </a:lnSpc>
+            <a:spcBef>
+              <a:spcPct val="0"/>
+            </a:spcBef>
+            <a:spcAft>
+              <a:spcPct val="35000"/>
+            </a:spcAft>
+          </a:pPr>
+          <a:r>
+            <a:rPr lang="da-DK" sz="3300" kern="1200" dirty="0" smtClean="0"/>
+            <a:t>Løsningen på </a:t>
+          </a:r>
+          <a:r>
+            <a:rPr lang="da-DK" sz="3300" kern="1200" dirty="0" smtClean="0"/>
+            <a:t>længere sigt</a:t>
+          </a:r>
+          <a:endParaRPr lang="da-DK" sz="3300" kern="1200" dirty="0"/>
+        </a:p>
+      </dsp:txBody>
+      <dsp:txXfrm>
+        <a:off x="0" y="13600"/>
+        <a:ext cx="8229600" cy="950400"/>
+      </dsp:txXfrm>
+    </dsp:sp>
+    <dsp:sp modelId="{3291D09C-50D6-4894-9C83-4592B00FC0A3}">
+      <dsp:nvSpPr>
+        <dsp:cNvPr id="0" name=""/>
+        <dsp:cNvSpPr/>
+      </dsp:nvSpPr>
+      <dsp:spPr>
+        <a:xfrm>
+          <a:off x="0" y="964000"/>
+          <a:ext cx="8229600" cy="2491087"/>
+        </a:xfrm>
+        <a:prstGeom prst="rect">
+          <a:avLst/>
+        </a:prstGeom>
+        <a:solidFill>
+          <a:schemeClr val="accent1">
+            <a:alpha val="90000"/>
+            <a:tint val="40000"/>
+            <a:hueOff val="0"/>
+            <a:satOff val="0"/>
+            <a:lumOff val="0"/>
+            <a:alphaOff val="0"/>
+          </a:schemeClr>
+        </a:solidFill>
+        <a:ln w="25400" cap="flat" cmpd="sng" algn="ctr">
+          <a:solidFill>
+            <a:schemeClr val="accent1">
+              <a:alpha val="90000"/>
+              <a:tint val="40000"/>
+              <a:hueOff val="0"/>
+              <a:satOff val="0"/>
+              <a:lumOff val="0"/>
+              <a:alphaOff val="0"/>
+            </a:schemeClr>
+          </a:solidFill>
+          <a:prstDash val="solid"/>
+        </a:ln>
+        <a:effectLst/>
+      </dsp:spPr>
+      <dsp:style>
+        <a:lnRef idx="2">
+          <a:scrgbClr r="0" g="0" b="0"/>
+        </a:lnRef>
+        <a:fillRef idx="1">
+          <a:scrgbClr r="0" g="0" b="0"/>
+        </a:fillRef>
+        <a:effectRef idx="0">
+          <a:scrgbClr r="0" g="0" b="0"/>
+        </a:effectRef>
+        <a:fontRef idx="minor"/>
+      </dsp:style>
+      <dsp:txBody>
+        <a:bodyPr spcFirstLastPara="0" vert="horz" wrap="square" lIns="176022" tIns="176022" rIns="234696" bIns="264033" numCol="1" spcCol="1270" anchor="t" anchorCtr="0">
+          <a:noAutofit/>
+        </a:bodyPr>
+        <a:lstStyle/>
+        <a:p>
+          <a:pPr marL="285750" lvl="1" indent="-285750" algn="l" defTabSz="1466850">
+            <a:lnSpc>
+              <a:spcPct val="90000"/>
+            </a:lnSpc>
+            <a:spcBef>
+              <a:spcPct val="0"/>
+            </a:spcBef>
+            <a:spcAft>
+              <a:spcPct val="15000"/>
+            </a:spcAft>
+            <a:buChar char="••"/>
+          </a:pPr>
+          <a:r>
+            <a:rPr lang="da-DK" sz="3300" kern="1200" dirty="0" smtClean="0"/>
+            <a:t>Live-</a:t>
+          </a:r>
+          <a:r>
+            <a:rPr lang="da-DK" sz="3300" kern="1200" dirty="0" err="1" smtClean="0"/>
+            <a:t>tracking</a:t>
+          </a:r>
+          <a:endParaRPr lang="da-DK" sz="3300" kern="1200" dirty="0"/>
+        </a:p>
+        <a:p>
+          <a:pPr marL="285750" lvl="1" indent="-285750" algn="l" defTabSz="1466850">
+            <a:lnSpc>
+              <a:spcPct val="90000"/>
+            </a:lnSpc>
+            <a:spcBef>
+              <a:spcPct val="0"/>
+            </a:spcBef>
+            <a:spcAft>
+              <a:spcPct val="15000"/>
+            </a:spcAft>
+            <a:buChar char="••"/>
+          </a:pPr>
+          <a:r>
+            <a:rPr lang="da-DK" sz="3300" kern="1200" dirty="0" smtClean="0"/>
+            <a:t>Udvidelse med håndtering af kamera</a:t>
+          </a:r>
+          <a:endParaRPr lang="da-DK" sz="3300" kern="1200" dirty="0"/>
+        </a:p>
+        <a:p>
+          <a:pPr marL="285750" lvl="1" indent="-285750" algn="l" defTabSz="1466850">
+            <a:lnSpc>
+              <a:spcPct val="90000"/>
+            </a:lnSpc>
+            <a:spcBef>
+              <a:spcPct val="0"/>
+            </a:spcBef>
+            <a:spcAft>
+              <a:spcPct val="15000"/>
+            </a:spcAft>
+            <a:buChar char="••"/>
+          </a:pPr>
+          <a:r>
+            <a:rPr lang="da-DK" sz="3300" kern="1200" dirty="0" smtClean="0"/>
+            <a:t>Bruges i flere sportsgrene</a:t>
+          </a:r>
+          <a:endParaRPr lang="da-DK" sz="3300" kern="1200" dirty="0"/>
+        </a:p>
+        <a:p>
+          <a:pPr marL="285750" lvl="1" indent="-285750" algn="l" defTabSz="1466850">
+            <a:lnSpc>
+              <a:spcPct val="90000"/>
+            </a:lnSpc>
+            <a:spcBef>
+              <a:spcPct val="0"/>
+            </a:spcBef>
+            <a:spcAft>
+              <a:spcPct val="15000"/>
+            </a:spcAft>
+            <a:buChar char="••"/>
+          </a:pPr>
+          <a:r>
+            <a:rPr lang="da-DK" sz="3300" kern="1200" dirty="0" smtClean="0"/>
+            <a:t>Bruges i ikke sportslige aktiviteter</a:t>
+          </a:r>
+          <a:endParaRPr lang="da-DK" sz="3300" kern="1200" dirty="0"/>
+        </a:p>
+      </dsp:txBody>
+      <dsp:txXfrm>
+        <a:off x="0" y="964000"/>
+        <a:ext cx="8229600" cy="2491087"/>
+      </dsp:txXfrm>
+    </dsp:sp>
   </dsp:spTree>
 </dsp:drawing>
 </file>
@@ -7926,7 +8393,7 @@
           <a:p>
             <a:fld id="{27EAA7B7-9729-4998-A735-980F4A67C550}" type="datetimeFigureOut">
               <a:rPr lang="da-DK" smtClean="0"/>
-              <a:t>29-06-2015</a:t>
+              <a:t>29/06/15</a:t>
             </a:fld>
             <a:endParaRPr lang="da-DK"/>
           </a:p>
@@ -8304,7 +8771,7 @@
           <a:p>
             <a:fld id="{014F4089-1F4E-44A7-B23B-C1B75DF42B73}" type="datetime3">
               <a:rPr lang="da-DK" smtClean="0"/>
-              <a:t>29.06.2015</a:t>
+              <a:t>29 June 2015</a:t>
             </a:fld>
             <a:endParaRPr lang="da-DK"/>
           </a:p>
@@ -8536,13 +9003,13 @@
   <p:clrMapOvr>
     <a:masterClrMapping/>
   </p:clrMapOvr>
-  <p:transition>
+  <p:transition xmlns:p14="http://schemas.microsoft.com/office/powerpoint/2010/main">
     <p:fade/>
   </p:transition>
   <p:timing>
     <p:tnLst>
       <p:par>
-        <p:cTn id="1" dur="indefinite" restart="never" nodeType="tmRoot"/>
+        <p:cTn xmlns:p14="http://schemas.microsoft.com/office/powerpoint/2010/main" id="1" dur="indefinite" restart="never" nodeType="tmRoot"/>
       </p:par>
     </p:tnLst>
   </p:timing>
@@ -8753,7 +9220,7 @@
           <a:p>
             <a:fld id="{3D789C4B-1D39-4DCF-A264-F5BAD2AD9F6E}" type="datetime3">
               <a:rPr lang="da-DK" smtClean="0"/>
-              <a:t>29.06.2015</a:t>
+              <a:t>29 June 2015</a:t>
             </a:fld>
             <a:endParaRPr lang="da-DK"/>
           </a:p>
@@ -8792,13 +9259,13 @@
   <p:clrMapOvr>
     <a:masterClrMapping/>
   </p:clrMapOvr>
-  <p:transition>
+  <p:transition xmlns:p14="http://schemas.microsoft.com/office/powerpoint/2010/main">
     <p:fade/>
   </p:transition>
   <p:timing>
     <p:tnLst>
       <p:par>
-        <p:cTn id="1" dur="indefinite" restart="never" nodeType="tmRoot"/>
+        <p:cTn xmlns:p14="http://schemas.microsoft.com/office/powerpoint/2010/main" id="1" dur="indefinite" restart="never" nodeType="tmRoot"/>
       </p:par>
     </p:tnLst>
   </p:timing>
@@ -8904,7 +9371,7 @@
           <a:p>
             <a:fld id="{16297AAD-6C02-4800-BFD8-516995E2C907}" type="datetime3">
               <a:rPr lang="da-DK" smtClean="0"/>
-              <a:t>29.06.2015</a:t>
+              <a:t>29 June 2015</a:t>
             </a:fld>
             <a:endParaRPr lang="da-DK"/>
           </a:p>
@@ -8981,13 +9448,13 @@
   <p:clrMapOvr>
     <a:masterClrMapping/>
   </p:clrMapOvr>
-  <p:transition>
+  <p:transition xmlns:p14="http://schemas.microsoft.com/office/powerpoint/2010/main">
     <p:fade/>
   </p:transition>
   <p:timing>
     <p:tnLst>
       <p:par>
-        <p:cTn id="1" dur="indefinite" restart="never" nodeType="tmRoot"/>
+        <p:cTn xmlns:p14="http://schemas.microsoft.com/office/powerpoint/2010/main" id="1" dur="indefinite" restart="never" nodeType="tmRoot"/>
       </p:par>
     </p:tnLst>
   </p:timing>
@@ -9131,7 +9598,7 @@
           <a:p>
             <a:fld id="{E0F1A899-5D0B-48A0-BBF1-AD7C4BEC6142}" type="datetime3">
               <a:rPr lang="da-DK" smtClean="0"/>
-              <a:t>29.06.2015</a:t>
+              <a:t>29 June 2015</a:t>
             </a:fld>
             <a:endParaRPr lang="da-DK"/>
           </a:p>
@@ -9170,13 +9637,13 @@
   <p:clrMapOvr>
     <a:masterClrMapping/>
   </p:clrMapOvr>
-  <p:transition>
+  <p:transition xmlns:p14="http://schemas.microsoft.com/office/powerpoint/2010/main">
     <p:fade/>
   </p:transition>
   <p:timing>
     <p:tnLst>
       <p:par>
-        <p:cTn id="1" dur="indefinite" restart="never" nodeType="tmRoot"/>
+        <p:cTn xmlns:p14="http://schemas.microsoft.com/office/powerpoint/2010/main" id="1" dur="indefinite" restart="never" nodeType="tmRoot"/>
       </p:par>
     </p:tnLst>
   </p:timing>
@@ -9339,7 +9806,7 @@
           <a:p>
             <a:fld id="{014F4089-1F4E-44A7-B23B-C1B75DF42B73}" type="datetime3">
               <a:rPr lang="da-DK" smtClean="0"/>
-              <a:t>29.06.2015</a:t>
+              <a:t>29 June 2015</a:t>
             </a:fld>
             <a:endParaRPr lang="da-DK"/>
           </a:p>
@@ -9408,13 +9875,13 @@
   <p:clrMapOvr>
     <a:masterClrMapping/>
   </p:clrMapOvr>
-  <p:transition>
+  <p:transition xmlns:p14="http://schemas.microsoft.com/office/powerpoint/2010/main">
     <p:fade/>
   </p:transition>
   <p:timing>
     <p:tnLst>
       <p:par>
-        <p:cTn id="1" dur="indefinite" restart="never" nodeType="tmRoot"/>
+        <p:cTn xmlns:p14="http://schemas.microsoft.com/office/powerpoint/2010/main" id="1" dur="indefinite" restart="never" nodeType="tmRoot"/>
       </p:par>
     </p:tnLst>
   </p:timing>
@@ -9572,7 +10039,7 @@
           <a:p>
             <a:fld id="{C8F93BCC-6FC8-4C7D-A6DF-04C07E19DAD2}" type="datetime3">
               <a:rPr lang="da-DK" smtClean="0"/>
-              <a:t>29.06.2015</a:t>
+              <a:t>29 June 2015</a:t>
             </a:fld>
             <a:endParaRPr lang="da-DK"/>
           </a:p>
@@ -9611,13 +10078,13 @@
   <p:clrMapOvr>
     <a:masterClrMapping/>
   </p:clrMapOvr>
-  <p:transition>
+  <p:transition xmlns:p14="http://schemas.microsoft.com/office/powerpoint/2010/main">
     <p:fade/>
   </p:transition>
   <p:timing>
     <p:tnLst>
       <p:par>
-        <p:cTn id="1" dur="indefinite" restart="never" nodeType="tmRoot"/>
+        <p:cTn xmlns:p14="http://schemas.microsoft.com/office/powerpoint/2010/main" id="1" dur="indefinite" restart="never" nodeType="tmRoot"/>
       </p:par>
     </p:tnLst>
   </p:timing>
@@ -9681,7 +10148,7 @@
           <a:p>
             <a:fld id="{89CAFBDB-5870-4F54-B460-8377AA42866C}" type="datetime3">
               <a:rPr lang="da-DK" smtClean="0"/>
-              <a:t>29.06.2015</a:t>
+              <a:t>29 June 2015</a:t>
             </a:fld>
             <a:endParaRPr lang="da-DK" dirty="0"/>
           </a:p>
@@ -9824,13 +10291,13 @@
   <p:clrMapOvr>
     <a:masterClrMapping/>
   </p:clrMapOvr>
-  <p:transition>
+  <p:transition xmlns:p14="http://schemas.microsoft.com/office/powerpoint/2010/main">
     <p:fade/>
   </p:transition>
   <p:timing>
     <p:tnLst>
       <p:par>
-        <p:cTn id="1" dur="indefinite" restart="never" nodeType="tmRoot"/>
+        <p:cTn xmlns:p14="http://schemas.microsoft.com/office/powerpoint/2010/main" id="1" dur="indefinite" restart="never" nodeType="tmRoot"/>
       </p:par>
     </p:tnLst>
   </p:timing>
@@ -10020,7 +10487,7 @@
           <a:p>
             <a:fld id="{A0419256-6EFB-4044-9372-A45B1AE2B795}" type="datetime3">
               <a:rPr lang="da-DK" smtClean="0"/>
-              <a:t>29.06.2015</a:t>
+              <a:t>29 June 2015</a:t>
             </a:fld>
             <a:endParaRPr lang="da-DK"/>
           </a:p>
@@ -10059,13 +10526,13 @@
   <p:clrMapOvr>
     <a:masterClrMapping/>
   </p:clrMapOvr>
-  <p:transition>
+  <p:transition xmlns:p14="http://schemas.microsoft.com/office/powerpoint/2010/main">
     <p:fade/>
   </p:transition>
   <p:timing>
     <p:tnLst>
       <p:par>
-        <p:cTn id="1" dur="indefinite" restart="never" nodeType="tmRoot"/>
+        <p:cTn xmlns:p14="http://schemas.microsoft.com/office/powerpoint/2010/main" id="1" dur="indefinite" restart="never" nodeType="tmRoot"/>
       </p:par>
     </p:tnLst>
   </p:timing>
@@ -10129,7 +10596,7 @@
           <a:p>
             <a:fld id="{8A80EC61-97C2-490D-BF66-6AF4E08F8683}" type="datetime3">
               <a:rPr lang="da-DK" smtClean="0"/>
-              <a:t>29.06.2015</a:t>
+              <a:t>29 June 2015</a:t>
             </a:fld>
             <a:endParaRPr lang="da-DK"/>
           </a:p>
@@ -10282,13 +10749,13 @@
   <p:clrMapOvr>
     <a:masterClrMapping/>
   </p:clrMapOvr>
-  <p:transition>
+  <p:transition xmlns:p14="http://schemas.microsoft.com/office/powerpoint/2010/main">
     <p:fade/>
   </p:transition>
   <p:timing>
     <p:tnLst>
       <p:par>
-        <p:cTn id="1" dur="indefinite" restart="never" nodeType="tmRoot"/>
+        <p:cTn xmlns:p14="http://schemas.microsoft.com/office/powerpoint/2010/main" id="1" dur="indefinite" restart="never" nodeType="tmRoot"/>
       </p:par>
     </p:tnLst>
   </p:timing>
@@ -10494,7 +10961,7 @@
           <a:p>
             <a:fld id="{8B6410A3-8B7A-4B78-AE48-0C337C792F8C}" type="datetime3">
               <a:rPr lang="da-DK" smtClean="0"/>
-              <a:t>29.06.2015</a:t>
+              <a:t>29 June 2015</a:t>
             </a:fld>
             <a:endParaRPr lang="da-DK"/>
           </a:p>
@@ -10719,13 +11186,13 @@
   <p:clrMapOvr>
     <a:masterClrMapping/>
   </p:clrMapOvr>
-  <p:transition>
+  <p:transition xmlns:p14="http://schemas.microsoft.com/office/powerpoint/2010/main">
     <p:fade/>
   </p:transition>
   <p:timing>
     <p:tnLst>
       <p:par>
-        <p:cTn id="1" dur="indefinite" restart="never" nodeType="tmRoot"/>
+        <p:cTn xmlns:p14="http://schemas.microsoft.com/office/powerpoint/2010/main" id="1" dur="indefinite" restart="never" nodeType="tmRoot"/>
       </p:par>
     </p:tnLst>
   </p:timing>
@@ -10789,7 +11256,7 @@
           <a:p>
             <a:fld id="{C80C8121-9C5C-4783-821D-F1ABAD167C32}" type="datetime3">
               <a:rPr lang="da-DK" smtClean="0"/>
-              <a:t>29.06.2015</a:t>
+              <a:t>29 June 2015</a:t>
             </a:fld>
             <a:endParaRPr lang="da-DK"/>
           </a:p>
@@ -10828,13 +11295,13 @@
   <p:clrMapOvr>
     <a:masterClrMapping/>
   </p:clrMapOvr>
-  <p:transition>
+  <p:transition xmlns:p14="http://schemas.microsoft.com/office/powerpoint/2010/main">
     <p:fade/>
   </p:transition>
   <p:timing>
     <p:tnLst>
       <p:par>
-        <p:cTn id="1" dur="indefinite" restart="never" nodeType="tmRoot"/>
+        <p:cTn xmlns:p14="http://schemas.microsoft.com/office/powerpoint/2010/main" id="1" dur="indefinite" restart="never" nodeType="tmRoot"/>
       </p:par>
     </p:tnLst>
   </p:timing>
@@ -10875,7 +11342,7 @@
           <a:p>
             <a:fld id="{80ADA3C3-F6CE-4C6C-AC99-04821F771E6F}" type="datetime3">
               <a:rPr lang="da-DK" smtClean="0"/>
-              <a:t>29.06.2015</a:t>
+              <a:t>29 June 2015</a:t>
             </a:fld>
             <a:endParaRPr lang="da-DK"/>
           </a:p>
@@ -10914,13 +11381,13 @@
   <p:clrMapOvr>
     <a:masterClrMapping/>
   </p:clrMapOvr>
-  <p:transition>
+  <p:transition xmlns:p14="http://schemas.microsoft.com/office/powerpoint/2010/main">
     <p:fade/>
   </p:transition>
   <p:timing>
     <p:tnLst>
       <p:par>
-        <p:cTn id="1" dur="indefinite" restart="never" nodeType="tmRoot"/>
+        <p:cTn xmlns:p14="http://schemas.microsoft.com/office/powerpoint/2010/main" id="1" dur="indefinite" restart="never" nodeType="tmRoot"/>
       </p:par>
     </p:tnLst>
   </p:timing>
@@ -11062,7 +11529,7 @@
           <a:p>
             <a:fld id="{23CE3711-8C3B-408F-87AD-E09A0080C459}" type="datetime3">
               <a:rPr lang="da-DK" smtClean="0"/>
-              <a:t>29.06.2015</a:t>
+              <a:t>29 June 2015</a:t>
             </a:fld>
             <a:endParaRPr lang="da-DK"/>
           </a:p>
@@ -11158,13 +11625,13 @@
   <p:clrMapOvr>
     <a:masterClrMapping/>
   </p:clrMapOvr>
-  <p:transition>
+  <p:transition xmlns:p14="http://schemas.microsoft.com/office/powerpoint/2010/main">
     <p:fade/>
   </p:transition>
   <p:timing>
     <p:tnLst>
       <p:par>
-        <p:cTn id="1" dur="indefinite" restart="never" nodeType="tmRoot"/>
+        <p:cTn xmlns:p14="http://schemas.microsoft.com/office/powerpoint/2010/main" id="1" dur="indefinite" restart="never" nodeType="tmRoot"/>
       </p:par>
     </p:tnLst>
   </p:timing>
@@ -11321,7 +11788,7 @@
           <a:p>
             <a:fld id="{672FD3C4-C349-4C63-9C2F-4FD4F5A483CE}" type="datetime3">
               <a:rPr lang="da-DK" smtClean="0"/>
-              <a:t>29.06.2015</a:t>
+              <a:t>29 June 2015</a:t>
             </a:fld>
             <a:endParaRPr lang="da-DK" dirty="0"/>
           </a:p>
@@ -11420,13 +11887,13 @@
     <p:sldLayoutId id="2147483660" r:id="rId12"/>
     <p:sldLayoutId id="2147483661" r:id="rId13"/>
   </p:sldLayoutIdLst>
-  <p:transition>
+  <p:transition xmlns:p14="http://schemas.microsoft.com/office/powerpoint/2010/main">
     <p:fade/>
   </p:transition>
   <p:timing>
     <p:tnLst>
       <p:par>
-        <p:cTn id="1" dur="indefinite" restart="never" nodeType="tmRoot"/>
+        <p:cTn xmlns:p14="http://schemas.microsoft.com/office/powerpoint/2010/main" id="1" dur="indefinite" restart="never" nodeType="tmRoot"/>
       </p:par>
     </p:tnLst>
   </p:timing>
@@ -11767,13 +12234,13 @@
   <p:clrMapOvr>
     <a:masterClrMapping/>
   </p:clrMapOvr>
-  <p:transition>
+  <p:transition xmlns:p14="http://schemas.microsoft.com/office/powerpoint/2010/main">
     <p:fade/>
   </p:transition>
   <p:timing>
     <p:tnLst>
       <p:par>
-        <p:cTn id="1" dur="indefinite" restart="never" nodeType="tmRoot"/>
+        <p:cTn xmlns:p14="http://schemas.microsoft.com/office/powerpoint/2010/main" id="1" dur="indefinite" restart="never" nodeType="tmRoot"/>
       </p:par>
     </p:tnLst>
   </p:timing>
@@ -11950,13 +12417,13 @@
   <p:clrMapOvr>
     <a:masterClrMapping/>
   </p:clrMapOvr>
-  <p:transition>
+  <p:transition xmlns:p14="http://schemas.microsoft.com/office/powerpoint/2010/main">
     <p:fade/>
   </p:transition>
   <p:timing>
     <p:tnLst>
       <p:par>
-        <p:cTn id="1" dur="indefinite" restart="never" nodeType="tmRoot"/>
+        <p:cTn xmlns:p14="http://schemas.microsoft.com/office/powerpoint/2010/main" id="1" dur="indefinite" restart="never" nodeType="tmRoot"/>
       </p:par>
     </p:tnLst>
   </p:timing>
@@ -12095,13 +12562,13 @@
   <p:clrMapOvr>
     <a:masterClrMapping/>
   </p:clrMapOvr>
-  <p:transition>
+  <p:transition xmlns:p14="http://schemas.microsoft.com/office/powerpoint/2010/main">
     <p:fade/>
   </p:transition>
   <p:timing>
     <p:tnLst>
       <p:par>
-        <p:cTn id="1" dur="indefinite" restart="never" nodeType="tmRoot"/>
+        <p:cTn xmlns:p14="http://schemas.microsoft.com/office/powerpoint/2010/main" id="1" dur="indefinite" restart="never" nodeType="tmRoot"/>
       </p:par>
     </p:tnLst>
   </p:timing>
@@ -12200,13 +12667,13 @@
   <p:clrMapOvr>
     <a:masterClrMapping/>
   </p:clrMapOvr>
-  <p:transition>
+  <p:transition xmlns:p14="http://schemas.microsoft.com/office/powerpoint/2010/main">
     <p:fade/>
   </p:transition>
   <p:timing>
     <p:tnLst>
       <p:par>
-        <p:cTn id="1" dur="indefinite" restart="never" nodeType="tmRoot"/>
+        <p:cTn xmlns:p14="http://schemas.microsoft.com/office/powerpoint/2010/main" id="1" dur="indefinite" restart="never" nodeType="tmRoot"/>
       </p:par>
     </p:tnLst>
   </p:timing>
@@ -12292,13 +12759,13 @@
   <p:clrMapOvr>
     <a:masterClrMapping/>
   </p:clrMapOvr>
-  <p:transition>
+  <p:transition xmlns:p14="http://schemas.microsoft.com/office/powerpoint/2010/main">
     <p:fade/>
   </p:transition>
   <p:timing>
     <p:tnLst>
       <p:par>
-        <p:cTn id="1" dur="indefinite" restart="never" nodeType="tmRoot"/>
+        <p:cTn xmlns:p14="http://schemas.microsoft.com/office/powerpoint/2010/main" id="1" dur="indefinite" restart="never" nodeType="tmRoot"/>
       </p:par>
     </p:tnLst>
   </p:timing>
@@ -12384,13 +12851,13 @@
   <p:clrMapOvr>
     <a:masterClrMapping/>
   </p:clrMapOvr>
-  <p:transition>
+  <p:transition xmlns:p14="http://schemas.microsoft.com/office/powerpoint/2010/main">
     <p:fade/>
   </p:transition>
   <p:timing>
     <p:tnLst>
       <p:par>
-        <p:cTn id="1" dur="indefinite" restart="never" nodeType="tmRoot"/>
+        <p:cTn xmlns:p14="http://schemas.microsoft.com/office/powerpoint/2010/main" id="1" dur="indefinite" restart="never" nodeType="tmRoot"/>
       </p:par>
     </p:tnLst>
   </p:timing>
@@ -12507,7 +12974,7 @@
           </a:prstGeom>
           <a:noFill/>
           <a:extLst>
-            <a:ext uri="{909E8E84-426E-40DD-AFC4-6F175D3DCCD1}">
+            <a:ext uri="{909E8E84-426E-40dd-AFC4-6F175D3DCCD1}">
               <a14:hiddenFill xmlns:a14="http://schemas.microsoft.com/office/drawing/2010/main">
                 <a:solidFill>
                   <a:srgbClr val="FFFFFF"/>
@@ -12527,13 +12994,13 @@
   <p:clrMapOvr>
     <a:masterClrMapping/>
   </p:clrMapOvr>
-  <p:transition>
+  <p:transition xmlns:p14="http://schemas.microsoft.com/office/powerpoint/2010/main">
     <p:fade/>
   </p:transition>
   <p:timing>
     <p:tnLst>
       <p:par>
-        <p:cTn id="1" dur="indefinite" restart="never" nodeType="tmRoot">
+        <p:cTn xmlns:p14="http://schemas.microsoft.com/office/powerpoint/2010/main" id="1" dur="indefinite" restart="never" nodeType="tmRoot">
           <p:childTnLst>
             <p:seq concurrent="1" nextAc="seek">
               <p:cTn id="2" dur="indefinite" nodeType="mainSeq">
@@ -12929,13 +13396,13 @@
   <p:clrMapOvr>
     <a:masterClrMapping/>
   </p:clrMapOvr>
-  <p:transition>
+  <p:transition xmlns:p14="http://schemas.microsoft.com/office/powerpoint/2010/main">
     <p:fade/>
   </p:transition>
   <p:timing>
     <p:tnLst>
       <p:par>
-        <p:cTn id="1" dur="indefinite" restart="never" nodeType="tmRoot"/>
+        <p:cTn xmlns:p14="http://schemas.microsoft.com/office/powerpoint/2010/main" id="1" dur="indefinite" restart="never" nodeType="tmRoot"/>
       </p:par>
     </p:tnLst>
   </p:timing>
@@ -13011,13 +13478,13 @@
   <p:clrMapOvr>
     <a:masterClrMapping/>
   </p:clrMapOvr>
-  <p:transition>
+  <p:transition xmlns:p14="http://schemas.microsoft.com/office/powerpoint/2010/main">
     <p:fade/>
   </p:transition>
   <p:timing>
     <p:tnLst>
       <p:par>
-        <p:cTn id="1" dur="indefinite" restart="never" nodeType="tmRoot"/>
+        <p:cTn xmlns:p14="http://schemas.microsoft.com/office/powerpoint/2010/main" id="1" dur="indefinite" restart="never" nodeType="tmRoot"/>
       </p:par>
     </p:tnLst>
   </p:timing>
@@ -13112,14 +13579,31 @@
             <a:pPr lvl="1"/>
             <a:r>
               <a:rPr lang="da-DK" dirty="0" smtClean="0"/>
-              <a:t>Ikke selv skrevet kode</a:t>
+              <a:t>Tredjepartskode</a:t>
             </a:r>
+            <a:endParaRPr lang="da-DK" dirty="0" smtClean="0"/>
           </a:p>
           <a:p>
             <a:r>
               <a:rPr lang="da-DK" dirty="0" smtClean="0"/>
               <a:t>Test</a:t>
             </a:r>
+          </a:p>
+          <a:p>
+            <a:pPr lvl="1"/>
+            <a:r>
+              <a:rPr lang="da-DK" dirty="0" smtClean="0"/>
+              <a:t>Undersøgelse af præcision på mobil-GPS</a:t>
+            </a:r>
+          </a:p>
+          <a:p>
+            <a:endParaRPr lang="da-DK" dirty="0" smtClean="0"/>
+          </a:p>
+          <a:p>
+            <a:pPr marL="0" indent="0">
+              <a:buNone/>
+            </a:pPr>
+            <a:endParaRPr lang="da-DK" dirty="0" smtClean="0"/>
           </a:p>
         </p:txBody>
       </p:sp>
@@ -13133,13 +13617,13 @@
   <p:clrMapOvr>
     <a:masterClrMapping/>
   </p:clrMapOvr>
-  <p:transition>
+  <p:transition xmlns:p14="http://schemas.microsoft.com/office/powerpoint/2010/main">
     <p:fade/>
   </p:transition>
   <p:timing>
     <p:tnLst>
       <p:par>
-        <p:cTn id="1" dur="indefinite" restart="never" nodeType="tmRoot">
+        <p:cTn xmlns:p14="http://schemas.microsoft.com/office/powerpoint/2010/main" id="1" dur="indefinite" restart="never" nodeType="tmRoot">
           <p:childTnLst>
             <p:seq concurrent="1" nextAc="seek">
               <p:cTn id="2" dur="indefinite" nodeType="mainSeq">
@@ -13762,6 +14246,109 @@
                       </p:childTnLst>
                     </p:cTn>
                   </p:par>
+                  <p:par>
+                    <p:cTn id="39" fill="hold">
+                      <p:stCondLst>
+                        <p:cond delay="indefinite"/>
+                      </p:stCondLst>
+                      <p:childTnLst>
+                        <p:par>
+                          <p:cTn id="40" fill="hold">
+                            <p:stCondLst>
+                              <p:cond delay="0"/>
+                            </p:stCondLst>
+                            <p:childTnLst>
+                              <p:par>
+                                <p:cTn id="41" presetID="2" presetClass="entr" presetSubtype="8" fill="hold" nodeType="clickEffect">
+                                  <p:stCondLst>
+                                    <p:cond delay="0"/>
+                                  </p:stCondLst>
+                                  <p:childTnLst>
+                                    <p:set>
+                                      <p:cBhvr>
+                                        <p:cTn id="42" dur="1" fill="hold">
+                                          <p:stCondLst>
+                                            <p:cond delay="0"/>
+                                          </p:stCondLst>
+                                        </p:cTn>
+                                        <p:tgtEl>
+                                          <p:spTgt spid="3">
+                                            <p:txEl>
+                                              <p:pRg st="6" end="6"/>
+                                            </p:txEl>
+                                          </p:spTgt>
+                                        </p:tgtEl>
+                                        <p:attrNameLst>
+                                          <p:attrName>style.visibility</p:attrName>
+                                        </p:attrNameLst>
+                                      </p:cBhvr>
+                                      <p:to>
+                                        <p:strVal val="visible"/>
+                                      </p:to>
+                                    </p:set>
+                                    <p:anim calcmode="lin" valueType="num">
+                                      <p:cBhvr additive="base">
+                                        <p:cTn id="43" dur="500" fill="hold"/>
+                                        <p:tgtEl>
+                                          <p:spTgt spid="3">
+                                            <p:txEl>
+                                              <p:pRg st="6" end="6"/>
+                                            </p:txEl>
+                                          </p:spTgt>
+                                        </p:tgtEl>
+                                        <p:attrNameLst>
+                                          <p:attrName>ppt_x</p:attrName>
+                                        </p:attrNameLst>
+                                      </p:cBhvr>
+                                      <p:tavLst>
+                                        <p:tav tm="0">
+                                          <p:val>
+                                            <p:strVal val="0-#ppt_w/2"/>
+                                          </p:val>
+                                        </p:tav>
+                                        <p:tav tm="100000">
+                                          <p:val>
+                                            <p:strVal val="#ppt_x"/>
+                                          </p:val>
+                                        </p:tav>
+                                      </p:tavLst>
+                                    </p:anim>
+                                    <p:anim calcmode="lin" valueType="num">
+                                      <p:cBhvr additive="base">
+                                        <p:cTn id="44" dur="500" fill="hold"/>
+                                        <p:tgtEl>
+                                          <p:spTgt spid="3">
+                                            <p:txEl>
+                                              <p:pRg st="6" end="6"/>
+                                            </p:txEl>
+                                          </p:spTgt>
+                                        </p:tgtEl>
+                                        <p:attrNameLst>
+                                          <p:attrName>ppt_y</p:attrName>
+                                        </p:attrNameLst>
+                                      </p:cBhvr>
+                                      <p:tavLst>
+                                        <p:tav tm="0">
+                                          <p:val>
+                                            <p:strVal val="#ppt_y"/>
+                                          </p:val>
+                                        </p:tav>
+                                        <p:tav tm="100000">
+                                          <p:val>
+                                            <p:strVal val="#ppt_y"/>
+                                          </p:val>
+                                        </p:tav>
+                                      </p:tavLst>
+                                    </p:anim>
+                                  </p:childTnLst>
+                                </p:cTn>
+                              </p:par>
+                            </p:childTnLst>
+                          </p:cTn>
+                        </p:par>
+                      </p:childTnLst>
+                    </p:cTn>
+                  </p:par>
                 </p:childTnLst>
               </p:cTn>
               <p:prevCondLst>
@@ -13847,34 +14434,59 @@
             </a:pPr>
             <a:r>
               <a:rPr lang="da-DK" dirty="0" smtClean="0"/>
+              <a:t>Gruppens problemformulering lød:</a:t>
+            </a:r>
+          </a:p>
+          <a:p>
+            <a:pPr marL="0" indent="0">
+              <a:buNone/>
+            </a:pPr>
+            <a:endParaRPr lang="da-DK" dirty="0" smtClean="0"/>
+          </a:p>
+          <a:p>
+            <a:pPr marL="0" indent="0">
+              <a:buNone/>
+            </a:pPr>
+            <a:r>
+              <a:rPr lang="da-DK" i="1" dirty="0" smtClean="0"/>
               <a:t>Hvordan </a:t>
             </a:r>
             <a:r>
-              <a:rPr lang="da-DK" dirty="0"/>
+              <a:rPr lang="da-DK" i="1" dirty="0"/>
               <a:t>kan en telefonbaseret softwareløsning optimere evaluering og træning af o-løbere</a:t>
             </a:r>
             <a:r>
-              <a:rPr lang="da-DK" dirty="0" smtClean="0"/>
+              <a:rPr lang="da-DK" i="1" dirty="0" smtClean="0"/>
               <a:t>?</a:t>
             </a:r>
           </a:p>
           <a:p>
             <a:r>
-              <a:rPr lang="da-DK" dirty="0"/>
+              <a:rPr lang="da-DK" i="1" dirty="0"/>
               <a:t>Hvordan kan løberne sammenlignes?</a:t>
             </a:r>
           </a:p>
           <a:p>
             <a:r>
-              <a:rPr lang="da-DK" dirty="0"/>
+              <a:rPr lang="da-DK" i="1" dirty="0"/>
               <a:t>Hvordan følges løberen rundt på ruten?</a:t>
             </a:r>
           </a:p>
           <a:p>
             <a:r>
-              <a:rPr lang="da-DK" dirty="0"/>
-              <a:t>Hvordan kan løsningen gøres brugervenlig?</a:t>
+              <a:rPr lang="da-DK" i="1" dirty="0"/>
+              <a:t>Hvordan kan løsningen gøres brugervenlig</a:t>
             </a:r>
+            <a:r>
+              <a:rPr lang="da-DK" i="1" dirty="0" smtClean="0"/>
+              <a:t>?</a:t>
+            </a:r>
+          </a:p>
+          <a:p>
+            <a:pPr marL="0" indent="0">
+              <a:buNone/>
+            </a:pPr>
+            <a:endParaRPr lang="da-DK" dirty="0"/>
           </a:p>
           <a:p>
             <a:endParaRPr lang="da-DK" dirty="0" smtClean="0"/>
@@ -13894,13 +14506,13 @@
   <p:clrMapOvr>
     <a:masterClrMapping/>
   </p:clrMapOvr>
-  <p:transition>
+  <p:transition xmlns:p14="http://schemas.microsoft.com/office/powerpoint/2010/main">
     <p:fade/>
   </p:transition>
   <p:timing>
     <p:tnLst>
       <p:par>
-        <p:cTn id="1" dur="indefinite" restart="never" nodeType="tmRoot"/>
+        <p:cTn xmlns:p14="http://schemas.microsoft.com/office/powerpoint/2010/main" id="1" dur="indefinite" restart="never" nodeType="tmRoot"/>
       </p:par>
     </p:tnLst>
   </p:timing>
@@ -13991,9 +14603,11 @@
               <a:t>Diskussion, konklusion, perspektivering og </a:t>
             </a:r>
             <a:r>
-              <a:rPr lang="da-DK" dirty="0" err="1" smtClean="0"/>
-              <a:t>processanalyse</a:t>
+              <a:rPr lang="da-DK" dirty="0" smtClean="0"/>
+              <a:t>procesanalyse</a:t>
             </a:r>
+          </a:p>
+          <a:p>
             <a:endParaRPr lang="da-DK" dirty="0"/>
           </a:p>
         </p:txBody>
@@ -14008,13 +14622,13 @@
   <p:clrMapOvr>
     <a:masterClrMapping/>
   </p:clrMapOvr>
-  <p:transition>
+  <p:transition xmlns:p14="http://schemas.microsoft.com/office/powerpoint/2010/main">
     <p:fade/>
   </p:transition>
   <p:timing>
     <p:tnLst>
       <p:par>
-        <p:cTn id="1" dur="indefinite" restart="never" nodeType="tmRoot"/>
+        <p:cTn xmlns:p14="http://schemas.microsoft.com/office/powerpoint/2010/main" id="1" dur="indefinite" restart="never" nodeType="tmRoot"/>
       </p:par>
     </p:tnLst>
   </p:timing>
@@ -14071,7 +14685,7 @@
             <p:ph idx="1"/>
             <p:extLst>
               <p:ext uri="{D42A27DB-BD31-4B8C-83A1-F6EECF244321}">
-                <p14:modId xmlns:p14="http://schemas.microsoft.com/office/powerpoint/2010/main" val="3979327575"/>
+                <p14:modId xmlns:p14="http://schemas.microsoft.com/office/powerpoint/2010/main" val="1179438157"/>
               </p:ext>
             </p:extLst>
           </p:nvPr>
@@ -14096,13 +14710,13 @@
   <p:clrMapOvr>
     <a:masterClrMapping/>
   </p:clrMapOvr>
-  <p:transition>
+  <p:transition xmlns:p14="http://schemas.microsoft.com/office/powerpoint/2010/main">
     <p:fade/>
   </p:transition>
   <p:timing>
     <p:tnLst>
       <p:par>
-        <p:cTn id="1" dur="indefinite" restart="never" nodeType="tmRoot"/>
+        <p:cTn xmlns:p14="http://schemas.microsoft.com/office/powerpoint/2010/main" id="1" dur="indefinite" restart="never" nodeType="tmRoot"/>
       </p:par>
     </p:tnLst>
   </p:timing>
@@ -14159,7 +14773,7 @@
             <p:ph idx="1"/>
             <p:extLst>
               <p:ext uri="{D42A27DB-BD31-4B8C-83A1-F6EECF244321}">
-                <p14:modId xmlns:p14="http://schemas.microsoft.com/office/powerpoint/2010/main" val="3822266589"/>
+                <p14:modId xmlns:p14="http://schemas.microsoft.com/office/powerpoint/2010/main" val="3707587833"/>
               </p:ext>
             </p:extLst>
           </p:nvPr>
@@ -14184,13 +14798,13 @@
   <p:clrMapOvr>
     <a:masterClrMapping/>
   </p:clrMapOvr>
-  <p:transition>
+  <p:transition xmlns:p14="http://schemas.microsoft.com/office/powerpoint/2010/main">
     <p:fade/>
   </p:transition>
   <p:timing>
     <p:tnLst>
       <p:par>
-        <p:cTn id="1" dur="indefinite" restart="never" nodeType="tmRoot"/>
+        <p:cTn xmlns:p14="http://schemas.microsoft.com/office/powerpoint/2010/main" id="1" dur="indefinite" restart="never" nodeType="tmRoot"/>
       </p:par>
     </p:tnLst>
   </p:timing>
@@ -14254,14 +14868,116 @@
           <a:p>
             <a:r>
               <a:rPr lang="da-DK" dirty="0" smtClean="0"/>
-              <a:t>Hvilke ting kan vi tage med til næste projekt?</a:t>
+              <a:t>Hvad gjorde gruppen godt?</a:t>
+            </a:r>
+          </a:p>
+          <a:p>
+            <a:pPr lvl="1">
+              <a:buFont typeface="Arial"/>
+              <a:buChar char="•"/>
+            </a:pPr>
+            <a:r>
+              <a:rPr lang="da-DK" dirty="0" smtClean="0"/>
+              <a:t>Rollefordeling, fysisk </a:t>
+            </a:r>
+            <a:r>
+              <a:rPr lang="da-DK" dirty="0" err="1" smtClean="0"/>
+              <a:t>scumboard</a:t>
+            </a:r>
+            <a:r>
+              <a:rPr lang="da-DK" dirty="0" smtClean="0"/>
+              <a:t>, sparringspartnere </a:t>
+            </a:r>
+            <a:endParaRPr lang="da-DK" dirty="0" smtClean="0"/>
+          </a:p>
+          <a:p>
+            <a:r>
+              <a:rPr lang="da-DK" dirty="0" smtClean="0"/>
+              <a:t>Hvad var mindre godt?</a:t>
+            </a:r>
+          </a:p>
+          <a:p>
+            <a:pPr lvl="1"/>
+            <a:r>
+              <a:rPr lang="da-DK" dirty="0" smtClean="0"/>
+              <a:t>Evaluering af roller, strike-systemet, forberedelse til vejledermøder</a:t>
+            </a:r>
+            <a:endParaRPr lang="da-DK" dirty="0" smtClean="0"/>
+          </a:p>
+          <a:p>
+            <a:r>
+              <a:rPr lang="da-DK" dirty="0" smtClean="0"/>
+              <a:t>Hvilke </a:t>
+            </a:r>
+            <a:r>
+              <a:rPr lang="da-DK" dirty="0" smtClean="0"/>
+              <a:t>ting </a:t>
+            </a:r>
+            <a:r>
+              <a:rPr lang="da-DK" dirty="0" smtClean="0"/>
+              <a:t>kan tages </a:t>
+            </a:r>
+            <a:r>
+              <a:rPr lang="da-DK" dirty="0" smtClean="0"/>
+              <a:t>med til næste projekt</a:t>
+            </a:r>
+            <a:r>
+              <a:rPr lang="da-DK" dirty="0" smtClean="0"/>
+              <a:t>?</a:t>
+            </a:r>
+          </a:p>
+          <a:p>
+            <a:pPr lvl="1"/>
+            <a:r>
+              <a:rPr lang="da-DK" dirty="0" smtClean="0"/>
+              <a:t>Fysisk </a:t>
+            </a:r>
+            <a:r>
+              <a:rPr lang="da-DK" dirty="0" err="1" smtClean="0"/>
+              <a:t>scumboard</a:t>
+            </a:r>
+            <a:r>
+              <a:rPr lang="da-DK" dirty="0" smtClean="0"/>
+              <a:t>, sparringspartnere</a:t>
             </a:r>
           </a:p>
           <a:p>
             <a:r>
               <a:rPr lang="da-DK" dirty="0" smtClean="0"/>
-              <a:t>Hvad skal vi ikke gøre til næste projekt?</a:t>
+              <a:t>Hvilke ting skal forbedres til næste projekt?</a:t>
             </a:r>
+          </a:p>
+          <a:p>
+            <a:pPr lvl="1"/>
+            <a:r>
+              <a:rPr lang="da-DK" dirty="0" smtClean="0"/>
+              <a:t>Rollefordeling med evaluering, bedre forberedelse til vejledermøder</a:t>
+            </a:r>
+            <a:endParaRPr lang="da-DK" dirty="0" smtClean="0"/>
+          </a:p>
+          <a:p>
+            <a:r>
+              <a:rPr lang="da-DK" dirty="0" smtClean="0"/>
+              <a:t>Hvilke ting skal ikke tages med </a:t>
+            </a:r>
+            <a:r>
+              <a:rPr lang="da-DK" dirty="0" smtClean="0"/>
+              <a:t>til næste projekt</a:t>
+            </a:r>
+            <a:r>
+              <a:rPr lang="da-DK" dirty="0" smtClean="0"/>
+              <a:t>?</a:t>
+            </a:r>
+          </a:p>
+          <a:p>
+            <a:pPr lvl="1"/>
+            <a:r>
+              <a:rPr lang="da-DK" dirty="0" smtClean="0"/>
+              <a:t>Strike-systemet</a:t>
+            </a:r>
+          </a:p>
+          <a:p>
+            <a:endParaRPr lang="da-DK" dirty="0" smtClean="0"/>
           </a:p>
           <a:p>
             <a:endParaRPr lang="da-DK" dirty="0" smtClean="0"/>
@@ -14281,13 +14997,13 @@
   <p:clrMapOvr>
     <a:masterClrMapping/>
   </p:clrMapOvr>
-  <p:transition>
+  <p:transition xmlns:p14="http://schemas.microsoft.com/office/powerpoint/2010/main">
     <p:fade/>
   </p:transition>
   <p:timing>
     <p:tnLst>
       <p:par>
-        <p:cTn id="1" dur="indefinite" restart="never" nodeType="tmRoot">
+        <p:cTn xmlns:p14="http://schemas.microsoft.com/office/powerpoint/2010/main" id="1" dur="indefinite" restart="never" nodeType="tmRoot">
           <p:childTnLst>
             <p:seq concurrent="1" nextAc="seek">
               <p:cTn id="2" dur="indefinite" nodeType="mainSeq">
@@ -14320,7 +15036,7 @@
                                         <p:tgtEl>
                                           <p:spTgt spid="3">
                                             <p:txEl>
-                                              <p:pRg st="0" end="0"/>
+                                              <p:pRg st="4" end="4"/>
                                             </p:txEl>
                                           </p:spTgt>
                                         </p:tgtEl>
@@ -14338,7 +15054,7 @@
                                         <p:tgtEl>
                                           <p:spTgt spid="3">
                                             <p:txEl>
-                                              <p:pRg st="0" end="0"/>
+                                              <p:pRg st="4" end="4"/>
                                             </p:txEl>
                                           </p:spTgt>
                                         </p:tgtEl>
@@ -14365,7 +15081,7 @@
                                         <p:tgtEl>
                                           <p:spTgt spid="3">
                                             <p:txEl>
-                                              <p:pRg st="0" end="0"/>
+                                              <p:pRg st="4" end="4"/>
                                             </p:txEl>
                                           </p:spTgt>
                                         </p:tgtEl>
@@ -14423,6 +15139,418 @@
                                         <p:tgtEl>
                                           <p:spTgt spid="3">
                                             <p:txEl>
+                                              <p:pRg st="5" end="5"/>
+                                            </p:txEl>
+                                          </p:spTgt>
+                                        </p:tgtEl>
+                                        <p:attrNameLst>
+                                          <p:attrName>style.visibility</p:attrName>
+                                        </p:attrNameLst>
+                                      </p:cBhvr>
+                                      <p:to>
+                                        <p:strVal val="visible"/>
+                                      </p:to>
+                                    </p:set>
+                                    <p:anim calcmode="lin" valueType="num">
+                                      <p:cBhvr additive="base">
+                                        <p:cTn id="13" dur="500" fill="hold"/>
+                                        <p:tgtEl>
+                                          <p:spTgt spid="3">
+                                            <p:txEl>
+                                              <p:pRg st="5" end="5"/>
+                                            </p:txEl>
+                                          </p:spTgt>
+                                        </p:tgtEl>
+                                        <p:attrNameLst>
+                                          <p:attrName>ppt_x</p:attrName>
+                                        </p:attrNameLst>
+                                      </p:cBhvr>
+                                      <p:tavLst>
+                                        <p:tav tm="0">
+                                          <p:val>
+                                            <p:strVal val="0-#ppt_w/2"/>
+                                          </p:val>
+                                        </p:tav>
+                                        <p:tav tm="100000">
+                                          <p:val>
+                                            <p:strVal val="#ppt_x"/>
+                                          </p:val>
+                                        </p:tav>
+                                      </p:tavLst>
+                                    </p:anim>
+                                    <p:anim calcmode="lin" valueType="num">
+                                      <p:cBhvr additive="base">
+                                        <p:cTn id="14" dur="500" fill="hold"/>
+                                        <p:tgtEl>
+                                          <p:spTgt spid="3">
+                                            <p:txEl>
+                                              <p:pRg st="5" end="5"/>
+                                            </p:txEl>
+                                          </p:spTgt>
+                                        </p:tgtEl>
+                                        <p:attrNameLst>
+                                          <p:attrName>ppt_y</p:attrName>
+                                        </p:attrNameLst>
+                                      </p:cBhvr>
+                                      <p:tavLst>
+                                        <p:tav tm="0">
+                                          <p:val>
+                                            <p:strVal val="#ppt_y"/>
+                                          </p:val>
+                                        </p:tav>
+                                        <p:tav tm="100000">
+                                          <p:val>
+                                            <p:strVal val="#ppt_y"/>
+                                          </p:val>
+                                        </p:tav>
+                                      </p:tavLst>
+                                    </p:anim>
+                                  </p:childTnLst>
+                                </p:cTn>
+                              </p:par>
+                            </p:childTnLst>
+                          </p:cTn>
+                        </p:par>
+                      </p:childTnLst>
+                    </p:cTn>
+                  </p:par>
+                  <p:par>
+                    <p:cTn id="15" fill="hold">
+                      <p:stCondLst>
+                        <p:cond delay="indefinite"/>
+                      </p:stCondLst>
+                      <p:childTnLst>
+                        <p:par>
+                          <p:cTn id="16" fill="hold">
+                            <p:stCondLst>
+                              <p:cond delay="0"/>
+                            </p:stCondLst>
+                            <p:childTnLst>
+                              <p:par>
+                                <p:cTn id="17" presetID="2" presetClass="entr" presetSubtype="8" fill="hold" nodeType="clickEffect">
+                                  <p:stCondLst>
+                                    <p:cond delay="0"/>
+                                  </p:stCondLst>
+                                  <p:childTnLst>
+                                    <p:set>
+                                      <p:cBhvr>
+                                        <p:cTn id="18" dur="1" fill="hold">
+                                          <p:stCondLst>
+                                            <p:cond delay="0"/>
+                                          </p:stCondLst>
+                                        </p:cTn>
+                                        <p:tgtEl>
+                                          <p:spTgt spid="3">
+                                            <p:txEl>
+                                              <p:pRg st="6" end="6"/>
+                                            </p:txEl>
+                                          </p:spTgt>
+                                        </p:tgtEl>
+                                        <p:attrNameLst>
+                                          <p:attrName>style.visibility</p:attrName>
+                                        </p:attrNameLst>
+                                      </p:cBhvr>
+                                      <p:to>
+                                        <p:strVal val="visible"/>
+                                      </p:to>
+                                    </p:set>
+                                    <p:anim calcmode="lin" valueType="num">
+                                      <p:cBhvr additive="base">
+                                        <p:cTn id="19" dur="500" fill="hold"/>
+                                        <p:tgtEl>
+                                          <p:spTgt spid="3">
+                                            <p:txEl>
+                                              <p:pRg st="6" end="6"/>
+                                            </p:txEl>
+                                          </p:spTgt>
+                                        </p:tgtEl>
+                                        <p:attrNameLst>
+                                          <p:attrName>ppt_x</p:attrName>
+                                        </p:attrNameLst>
+                                      </p:cBhvr>
+                                      <p:tavLst>
+                                        <p:tav tm="0">
+                                          <p:val>
+                                            <p:strVal val="0-#ppt_w/2"/>
+                                          </p:val>
+                                        </p:tav>
+                                        <p:tav tm="100000">
+                                          <p:val>
+                                            <p:strVal val="#ppt_x"/>
+                                          </p:val>
+                                        </p:tav>
+                                      </p:tavLst>
+                                    </p:anim>
+                                    <p:anim calcmode="lin" valueType="num">
+                                      <p:cBhvr additive="base">
+                                        <p:cTn id="20" dur="500" fill="hold"/>
+                                        <p:tgtEl>
+                                          <p:spTgt spid="3">
+                                            <p:txEl>
+                                              <p:pRg st="6" end="6"/>
+                                            </p:txEl>
+                                          </p:spTgt>
+                                        </p:tgtEl>
+                                        <p:attrNameLst>
+                                          <p:attrName>ppt_y</p:attrName>
+                                        </p:attrNameLst>
+                                      </p:cBhvr>
+                                      <p:tavLst>
+                                        <p:tav tm="0">
+                                          <p:val>
+                                            <p:strVal val="#ppt_y"/>
+                                          </p:val>
+                                        </p:tav>
+                                        <p:tav tm="100000">
+                                          <p:val>
+                                            <p:strVal val="#ppt_y"/>
+                                          </p:val>
+                                        </p:tav>
+                                      </p:tavLst>
+                                    </p:anim>
+                                  </p:childTnLst>
+                                </p:cTn>
+                              </p:par>
+                            </p:childTnLst>
+                          </p:cTn>
+                        </p:par>
+                      </p:childTnLst>
+                    </p:cTn>
+                  </p:par>
+                  <p:par>
+                    <p:cTn id="21" fill="hold">
+                      <p:stCondLst>
+                        <p:cond delay="indefinite"/>
+                      </p:stCondLst>
+                      <p:childTnLst>
+                        <p:par>
+                          <p:cTn id="22" fill="hold">
+                            <p:stCondLst>
+                              <p:cond delay="0"/>
+                            </p:stCondLst>
+                            <p:childTnLst>
+                              <p:par>
+                                <p:cTn id="23" presetID="2" presetClass="entr" presetSubtype="8" fill="hold" nodeType="clickEffect">
+                                  <p:stCondLst>
+                                    <p:cond delay="0"/>
+                                  </p:stCondLst>
+                                  <p:childTnLst>
+                                    <p:set>
+                                      <p:cBhvr>
+                                        <p:cTn id="24" dur="1" fill="hold">
+                                          <p:stCondLst>
+                                            <p:cond delay="0"/>
+                                          </p:stCondLst>
+                                        </p:cTn>
+                                        <p:tgtEl>
+                                          <p:spTgt spid="3">
+                                            <p:txEl>
+                                              <p:pRg st="7" end="7"/>
+                                            </p:txEl>
+                                          </p:spTgt>
+                                        </p:tgtEl>
+                                        <p:attrNameLst>
+                                          <p:attrName>style.visibility</p:attrName>
+                                        </p:attrNameLst>
+                                      </p:cBhvr>
+                                      <p:to>
+                                        <p:strVal val="visible"/>
+                                      </p:to>
+                                    </p:set>
+                                    <p:anim calcmode="lin" valueType="num">
+                                      <p:cBhvr additive="base">
+                                        <p:cTn id="25" dur="500" fill="hold"/>
+                                        <p:tgtEl>
+                                          <p:spTgt spid="3">
+                                            <p:txEl>
+                                              <p:pRg st="7" end="7"/>
+                                            </p:txEl>
+                                          </p:spTgt>
+                                        </p:tgtEl>
+                                        <p:attrNameLst>
+                                          <p:attrName>ppt_x</p:attrName>
+                                        </p:attrNameLst>
+                                      </p:cBhvr>
+                                      <p:tavLst>
+                                        <p:tav tm="0">
+                                          <p:val>
+                                            <p:strVal val="0-#ppt_w/2"/>
+                                          </p:val>
+                                        </p:tav>
+                                        <p:tav tm="100000">
+                                          <p:val>
+                                            <p:strVal val="#ppt_x"/>
+                                          </p:val>
+                                        </p:tav>
+                                      </p:tavLst>
+                                    </p:anim>
+                                    <p:anim calcmode="lin" valueType="num">
+                                      <p:cBhvr additive="base">
+                                        <p:cTn id="26" dur="500" fill="hold"/>
+                                        <p:tgtEl>
+                                          <p:spTgt spid="3">
+                                            <p:txEl>
+                                              <p:pRg st="7" end="7"/>
+                                            </p:txEl>
+                                          </p:spTgt>
+                                        </p:tgtEl>
+                                        <p:attrNameLst>
+                                          <p:attrName>ppt_y</p:attrName>
+                                        </p:attrNameLst>
+                                      </p:cBhvr>
+                                      <p:tavLst>
+                                        <p:tav tm="0">
+                                          <p:val>
+                                            <p:strVal val="#ppt_y"/>
+                                          </p:val>
+                                        </p:tav>
+                                        <p:tav tm="100000">
+                                          <p:val>
+                                            <p:strVal val="#ppt_y"/>
+                                          </p:val>
+                                        </p:tav>
+                                      </p:tavLst>
+                                    </p:anim>
+                                  </p:childTnLst>
+                                </p:cTn>
+                              </p:par>
+                            </p:childTnLst>
+                          </p:cTn>
+                        </p:par>
+                      </p:childTnLst>
+                    </p:cTn>
+                  </p:par>
+                  <p:par>
+                    <p:cTn id="27" fill="hold">
+                      <p:stCondLst>
+                        <p:cond delay="indefinite"/>
+                      </p:stCondLst>
+                      <p:childTnLst>
+                        <p:par>
+                          <p:cTn id="28" fill="hold">
+                            <p:stCondLst>
+                              <p:cond delay="0"/>
+                            </p:stCondLst>
+                            <p:childTnLst>
+                              <p:par>
+                                <p:cTn id="29" presetID="2" presetClass="entr" presetSubtype="8" fill="hold" nodeType="clickEffect">
+                                  <p:stCondLst>
+                                    <p:cond delay="0"/>
+                                  </p:stCondLst>
+                                  <p:childTnLst>
+                                    <p:set>
+                                      <p:cBhvr>
+                                        <p:cTn id="30" dur="1" fill="hold">
+                                          <p:stCondLst>
+                                            <p:cond delay="0"/>
+                                          </p:stCondLst>
+                                        </p:cTn>
+                                        <p:tgtEl>
+                                          <p:spTgt spid="3">
+                                            <p:txEl>
+                                              <p:pRg st="0" end="0"/>
+                                            </p:txEl>
+                                          </p:spTgt>
+                                        </p:tgtEl>
+                                        <p:attrNameLst>
+                                          <p:attrName>style.visibility</p:attrName>
+                                        </p:attrNameLst>
+                                      </p:cBhvr>
+                                      <p:to>
+                                        <p:strVal val="visible"/>
+                                      </p:to>
+                                    </p:set>
+                                    <p:anim calcmode="lin" valueType="num">
+                                      <p:cBhvr additive="base">
+                                        <p:cTn id="31" dur="500" fill="hold"/>
+                                        <p:tgtEl>
+                                          <p:spTgt spid="3">
+                                            <p:txEl>
+                                              <p:pRg st="0" end="0"/>
+                                            </p:txEl>
+                                          </p:spTgt>
+                                        </p:tgtEl>
+                                        <p:attrNameLst>
+                                          <p:attrName>ppt_x</p:attrName>
+                                        </p:attrNameLst>
+                                      </p:cBhvr>
+                                      <p:tavLst>
+                                        <p:tav tm="0">
+                                          <p:val>
+                                            <p:strVal val="0-#ppt_w/2"/>
+                                          </p:val>
+                                        </p:tav>
+                                        <p:tav tm="100000">
+                                          <p:val>
+                                            <p:strVal val="#ppt_x"/>
+                                          </p:val>
+                                        </p:tav>
+                                      </p:tavLst>
+                                    </p:anim>
+                                    <p:anim calcmode="lin" valueType="num">
+                                      <p:cBhvr additive="base">
+                                        <p:cTn id="32" dur="500" fill="hold"/>
+                                        <p:tgtEl>
+                                          <p:spTgt spid="3">
+                                            <p:txEl>
+                                              <p:pRg st="0" end="0"/>
+                                            </p:txEl>
+                                          </p:spTgt>
+                                        </p:tgtEl>
+                                        <p:attrNameLst>
+                                          <p:attrName>ppt_y</p:attrName>
+                                        </p:attrNameLst>
+                                      </p:cBhvr>
+                                      <p:tavLst>
+                                        <p:tav tm="0">
+                                          <p:val>
+                                            <p:strVal val="#ppt_y"/>
+                                          </p:val>
+                                        </p:tav>
+                                        <p:tav tm="100000">
+                                          <p:val>
+                                            <p:strVal val="#ppt_y"/>
+                                          </p:val>
+                                        </p:tav>
+                                      </p:tavLst>
+                                    </p:anim>
+                                  </p:childTnLst>
+                                </p:cTn>
+                              </p:par>
+                            </p:childTnLst>
+                          </p:cTn>
+                        </p:par>
+                      </p:childTnLst>
+                    </p:cTn>
+                  </p:par>
+                  <p:par>
+                    <p:cTn id="33" fill="hold">
+                      <p:stCondLst>
+                        <p:cond delay="indefinite"/>
+                      </p:stCondLst>
+                      <p:childTnLst>
+                        <p:par>
+                          <p:cTn id="34" fill="hold">
+                            <p:stCondLst>
+                              <p:cond delay="0"/>
+                            </p:stCondLst>
+                            <p:childTnLst>
+                              <p:par>
+                                <p:cTn id="35" presetID="2" presetClass="entr" presetSubtype="8" fill="hold" nodeType="clickEffect">
+                                  <p:stCondLst>
+                                    <p:cond delay="0"/>
+                                  </p:stCondLst>
+                                  <p:childTnLst>
+                                    <p:set>
+                                      <p:cBhvr>
+                                        <p:cTn id="36" dur="1" fill="hold">
+                                          <p:stCondLst>
+                                            <p:cond delay="0"/>
+                                          </p:stCondLst>
+                                        </p:cTn>
+                                        <p:tgtEl>
+                                          <p:spTgt spid="3">
+                                            <p:txEl>
                                               <p:pRg st="1" end="1"/>
                                             </p:txEl>
                                           </p:spTgt>
@@ -14437,7 +15565,7 @@
                                     </p:set>
                                     <p:anim calcmode="lin" valueType="num">
                                       <p:cBhvr additive="base">
-                                        <p:cTn id="13" dur="500" fill="hold"/>
+                                        <p:cTn id="37" dur="500" fill="hold"/>
                                         <p:tgtEl>
                                           <p:spTgt spid="3">
                                             <p:txEl>
@@ -14464,11 +15592,423 @@
                                     </p:anim>
                                     <p:anim calcmode="lin" valueType="num">
                                       <p:cBhvr additive="base">
-                                        <p:cTn id="14" dur="500" fill="hold"/>
+                                        <p:cTn id="38" dur="500" fill="hold"/>
                                         <p:tgtEl>
                                           <p:spTgt spid="3">
                                             <p:txEl>
                                               <p:pRg st="1" end="1"/>
+                                            </p:txEl>
+                                          </p:spTgt>
+                                        </p:tgtEl>
+                                        <p:attrNameLst>
+                                          <p:attrName>ppt_y</p:attrName>
+                                        </p:attrNameLst>
+                                      </p:cBhvr>
+                                      <p:tavLst>
+                                        <p:tav tm="0">
+                                          <p:val>
+                                            <p:strVal val="#ppt_y"/>
+                                          </p:val>
+                                        </p:tav>
+                                        <p:tav tm="100000">
+                                          <p:val>
+                                            <p:strVal val="#ppt_y"/>
+                                          </p:val>
+                                        </p:tav>
+                                      </p:tavLst>
+                                    </p:anim>
+                                  </p:childTnLst>
+                                </p:cTn>
+                              </p:par>
+                            </p:childTnLst>
+                          </p:cTn>
+                        </p:par>
+                      </p:childTnLst>
+                    </p:cTn>
+                  </p:par>
+                  <p:par>
+                    <p:cTn id="39" fill="hold">
+                      <p:stCondLst>
+                        <p:cond delay="indefinite"/>
+                      </p:stCondLst>
+                      <p:childTnLst>
+                        <p:par>
+                          <p:cTn id="40" fill="hold">
+                            <p:stCondLst>
+                              <p:cond delay="0"/>
+                            </p:stCondLst>
+                            <p:childTnLst>
+                              <p:par>
+                                <p:cTn id="41" presetID="2" presetClass="entr" presetSubtype="8" fill="hold" nodeType="clickEffect">
+                                  <p:stCondLst>
+                                    <p:cond delay="0"/>
+                                  </p:stCondLst>
+                                  <p:childTnLst>
+                                    <p:set>
+                                      <p:cBhvr>
+                                        <p:cTn id="42" dur="1" fill="hold">
+                                          <p:stCondLst>
+                                            <p:cond delay="0"/>
+                                          </p:stCondLst>
+                                        </p:cTn>
+                                        <p:tgtEl>
+                                          <p:spTgt spid="3">
+                                            <p:txEl>
+                                              <p:pRg st="2" end="2"/>
+                                            </p:txEl>
+                                          </p:spTgt>
+                                        </p:tgtEl>
+                                        <p:attrNameLst>
+                                          <p:attrName>style.visibility</p:attrName>
+                                        </p:attrNameLst>
+                                      </p:cBhvr>
+                                      <p:to>
+                                        <p:strVal val="visible"/>
+                                      </p:to>
+                                    </p:set>
+                                    <p:anim calcmode="lin" valueType="num">
+                                      <p:cBhvr additive="base">
+                                        <p:cTn id="43" dur="500" fill="hold"/>
+                                        <p:tgtEl>
+                                          <p:spTgt spid="3">
+                                            <p:txEl>
+                                              <p:pRg st="2" end="2"/>
+                                            </p:txEl>
+                                          </p:spTgt>
+                                        </p:tgtEl>
+                                        <p:attrNameLst>
+                                          <p:attrName>ppt_x</p:attrName>
+                                        </p:attrNameLst>
+                                      </p:cBhvr>
+                                      <p:tavLst>
+                                        <p:tav tm="0">
+                                          <p:val>
+                                            <p:strVal val="0-#ppt_w/2"/>
+                                          </p:val>
+                                        </p:tav>
+                                        <p:tav tm="100000">
+                                          <p:val>
+                                            <p:strVal val="#ppt_x"/>
+                                          </p:val>
+                                        </p:tav>
+                                      </p:tavLst>
+                                    </p:anim>
+                                    <p:anim calcmode="lin" valueType="num">
+                                      <p:cBhvr additive="base">
+                                        <p:cTn id="44" dur="500" fill="hold"/>
+                                        <p:tgtEl>
+                                          <p:spTgt spid="3">
+                                            <p:txEl>
+                                              <p:pRg st="2" end="2"/>
+                                            </p:txEl>
+                                          </p:spTgt>
+                                        </p:tgtEl>
+                                        <p:attrNameLst>
+                                          <p:attrName>ppt_y</p:attrName>
+                                        </p:attrNameLst>
+                                      </p:cBhvr>
+                                      <p:tavLst>
+                                        <p:tav tm="0">
+                                          <p:val>
+                                            <p:strVal val="#ppt_y"/>
+                                          </p:val>
+                                        </p:tav>
+                                        <p:tav tm="100000">
+                                          <p:val>
+                                            <p:strVal val="#ppt_y"/>
+                                          </p:val>
+                                        </p:tav>
+                                      </p:tavLst>
+                                    </p:anim>
+                                  </p:childTnLst>
+                                </p:cTn>
+                              </p:par>
+                            </p:childTnLst>
+                          </p:cTn>
+                        </p:par>
+                      </p:childTnLst>
+                    </p:cTn>
+                  </p:par>
+                  <p:par>
+                    <p:cTn id="45" fill="hold">
+                      <p:stCondLst>
+                        <p:cond delay="indefinite"/>
+                      </p:stCondLst>
+                      <p:childTnLst>
+                        <p:par>
+                          <p:cTn id="46" fill="hold">
+                            <p:stCondLst>
+                              <p:cond delay="0"/>
+                            </p:stCondLst>
+                            <p:childTnLst>
+                              <p:par>
+                                <p:cTn id="47" presetID="2" presetClass="entr" presetSubtype="8" fill="hold" nodeType="clickEffect">
+                                  <p:stCondLst>
+                                    <p:cond delay="0"/>
+                                  </p:stCondLst>
+                                  <p:childTnLst>
+                                    <p:set>
+                                      <p:cBhvr>
+                                        <p:cTn id="48" dur="1" fill="hold">
+                                          <p:stCondLst>
+                                            <p:cond delay="0"/>
+                                          </p:stCondLst>
+                                        </p:cTn>
+                                        <p:tgtEl>
+                                          <p:spTgt spid="3">
+                                            <p:txEl>
+                                              <p:pRg st="3" end="3"/>
+                                            </p:txEl>
+                                          </p:spTgt>
+                                        </p:tgtEl>
+                                        <p:attrNameLst>
+                                          <p:attrName>style.visibility</p:attrName>
+                                        </p:attrNameLst>
+                                      </p:cBhvr>
+                                      <p:to>
+                                        <p:strVal val="visible"/>
+                                      </p:to>
+                                    </p:set>
+                                    <p:anim calcmode="lin" valueType="num">
+                                      <p:cBhvr additive="base">
+                                        <p:cTn id="49" dur="500" fill="hold"/>
+                                        <p:tgtEl>
+                                          <p:spTgt spid="3">
+                                            <p:txEl>
+                                              <p:pRg st="3" end="3"/>
+                                            </p:txEl>
+                                          </p:spTgt>
+                                        </p:tgtEl>
+                                        <p:attrNameLst>
+                                          <p:attrName>ppt_x</p:attrName>
+                                        </p:attrNameLst>
+                                      </p:cBhvr>
+                                      <p:tavLst>
+                                        <p:tav tm="0">
+                                          <p:val>
+                                            <p:strVal val="0-#ppt_w/2"/>
+                                          </p:val>
+                                        </p:tav>
+                                        <p:tav tm="100000">
+                                          <p:val>
+                                            <p:strVal val="#ppt_x"/>
+                                          </p:val>
+                                        </p:tav>
+                                      </p:tavLst>
+                                    </p:anim>
+                                    <p:anim calcmode="lin" valueType="num">
+                                      <p:cBhvr additive="base">
+                                        <p:cTn id="50" dur="500" fill="hold"/>
+                                        <p:tgtEl>
+                                          <p:spTgt spid="3">
+                                            <p:txEl>
+                                              <p:pRg st="3" end="3"/>
+                                            </p:txEl>
+                                          </p:spTgt>
+                                        </p:tgtEl>
+                                        <p:attrNameLst>
+                                          <p:attrName>ppt_y</p:attrName>
+                                        </p:attrNameLst>
+                                      </p:cBhvr>
+                                      <p:tavLst>
+                                        <p:tav tm="0">
+                                          <p:val>
+                                            <p:strVal val="#ppt_y"/>
+                                          </p:val>
+                                        </p:tav>
+                                        <p:tav tm="100000">
+                                          <p:val>
+                                            <p:strVal val="#ppt_y"/>
+                                          </p:val>
+                                        </p:tav>
+                                      </p:tavLst>
+                                    </p:anim>
+                                  </p:childTnLst>
+                                </p:cTn>
+                              </p:par>
+                            </p:childTnLst>
+                          </p:cTn>
+                        </p:par>
+                      </p:childTnLst>
+                    </p:cTn>
+                  </p:par>
+                  <p:par>
+                    <p:cTn id="51" fill="hold">
+                      <p:stCondLst>
+                        <p:cond delay="indefinite"/>
+                      </p:stCondLst>
+                      <p:childTnLst>
+                        <p:par>
+                          <p:cTn id="52" fill="hold">
+                            <p:stCondLst>
+                              <p:cond delay="0"/>
+                            </p:stCondLst>
+                            <p:childTnLst>
+                              <p:par>
+                                <p:cTn id="53" presetID="2" presetClass="entr" presetSubtype="8" fill="hold" nodeType="clickEffect">
+                                  <p:stCondLst>
+                                    <p:cond delay="0"/>
+                                  </p:stCondLst>
+                                  <p:childTnLst>
+                                    <p:set>
+                                      <p:cBhvr>
+                                        <p:cTn id="54" dur="1" fill="hold">
+                                          <p:stCondLst>
+                                            <p:cond delay="0"/>
+                                          </p:stCondLst>
+                                        </p:cTn>
+                                        <p:tgtEl>
+                                          <p:spTgt spid="3">
+                                            <p:txEl>
+                                              <p:pRg st="8" end="8"/>
+                                            </p:txEl>
+                                          </p:spTgt>
+                                        </p:tgtEl>
+                                        <p:attrNameLst>
+                                          <p:attrName>style.visibility</p:attrName>
+                                        </p:attrNameLst>
+                                      </p:cBhvr>
+                                      <p:to>
+                                        <p:strVal val="visible"/>
+                                      </p:to>
+                                    </p:set>
+                                    <p:anim calcmode="lin" valueType="num">
+                                      <p:cBhvr additive="base">
+                                        <p:cTn id="55" dur="500" fill="hold"/>
+                                        <p:tgtEl>
+                                          <p:spTgt spid="3">
+                                            <p:txEl>
+                                              <p:pRg st="8" end="8"/>
+                                            </p:txEl>
+                                          </p:spTgt>
+                                        </p:tgtEl>
+                                        <p:attrNameLst>
+                                          <p:attrName>ppt_x</p:attrName>
+                                        </p:attrNameLst>
+                                      </p:cBhvr>
+                                      <p:tavLst>
+                                        <p:tav tm="0">
+                                          <p:val>
+                                            <p:strVal val="0-#ppt_w/2"/>
+                                          </p:val>
+                                        </p:tav>
+                                        <p:tav tm="100000">
+                                          <p:val>
+                                            <p:strVal val="#ppt_x"/>
+                                          </p:val>
+                                        </p:tav>
+                                      </p:tavLst>
+                                    </p:anim>
+                                    <p:anim calcmode="lin" valueType="num">
+                                      <p:cBhvr additive="base">
+                                        <p:cTn id="56" dur="500" fill="hold"/>
+                                        <p:tgtEl>
+                                          <p:spTgt spid="3">
+                                            <p:txEl>
+                                              <p:pRg st="8" end="8"/>
+                                            </p:txEl>
+                                          </p:spTgt>
+                                        </p:tgtEl>
+                                        <p:attrNameLst>
+                                          <p:attrName>ppt_y</p:attrName>
+                                        </p:attrNameLst>
+                                      </p:cBhvr>
+                                      <p:tavLst>
+                                        <p:tav tm="0">
+                                          <p:val>
+                                            <p:strVal val="#ppt_y"/>
+                                          </p:val>
+                                        </p:tav>
+                                        <p:tav tm="100000">
+                                          <p:val>
+                                            <p:strVal val="#ppt_y"/>
+                                          </p:val>
+                                        </p:tav>
+                                      </p:tavLst>
+                                    </p:anim>
+                                  </p:childTnLst>
+                                </p:cTn>
+                              </p:par>
+                            </p:childTnLst>
+                          </p:cTn>
+                        </p:par>
+                      </p:childTnLst>
+                    </p:cTn>
+                  </p:par>
+                  <p:par>
+                    <p:cTn id="57" fill="hold">
+                      <p:stCondLst>
+                        <p:cond delay="indefinite"/>
+                      </p:stCondLst>
+                      <p:childTnLst>
+                        <p:par>
+                          <p:cTn id="58" fill="hold">
+                            <p:stCondLst>
+                              <p:cond delay="0"/>
+                            </p:stCondLst>
+                            <p:childTnLst>
+                              <p:par>
+                                <p:cTn id="59" presetID="2" presetClass="entr" presetSubtype="8" fill="hold" nodeType="clickEffect">
+                                  <p:stCondLst>
+                                    <p:cond delay="0"/>
+                                  </p:stCondLst>
+                                  <p:childTnLst>
+                                    <p:set>
+                                      <p:cBhvr>
+                                        <p:cTn id="60" dur="1" fill="hold">
+                                          <p:stCondLst>
+                                            <p:cond delay="0"/>
+                                          </p:stCondLst>
+                                        </p:cTn>
+                                        <p:tgtEl>
+                                          <p:spTgt spid="3">
+                                            <p:txEl>
+                                              <p:pRg st="9" end="9"/>
+                                            </p:txEl>
+                                          </p:spTgt>
+                                        </p:tgtEl>
+                                        <p:attrNameLst>
+                                          <p:attrName>style.visibility</p:attrName>
+                                        </p:attrNameLst>
+                                      </p:cBhvr>
+                                      <p:to>
+                                        <p:strVal val="visible"/>
+                                      </p:to>
+                                    </p:set>
+                                    <p:anim calcmode="lin" valueType="num">
+                                      <p:cBhvr additive="base">
+                                        <p:cTn id="61" dur="500" fill="hold"/>
+                                        <p:tgtEl>
+                                          <p:spTgt spid="3">
+                                            <p:txEl>
+                                              <p:pRg st="9" end="9"/>
+                                            </p:txEl>
+                                          </p:spTgt>
+                                        </p:tgtEl>
+                                        <p:attrNameLst>
+                                          <p:attrName>ppt_x</p:attrName>
+                                        </p:attrNameLst>
+                                      </p:cBhvr>
+                                      <p:tavLst>
+                                        <p:tav tm="0">
+                                          <p:val>
+                                            <p:strVal val="0-#ppt_w/2"/>
+                                          </p:val>
+                                        </p:tav>
+                                        <p:tav tm="100000">
+                                          <p:val>
+                                            <p:strVal val="#ppt_x"/>
+                                          </p:val>
+                                        </p:tav>
+                                      </p:tavLst>
+                                    </p:anim>
+                                    <p:anim calcmode="lin" valueType="num">
+                                      <p:cBhvr additive="base">
+                                        <p:cTn id="62" dur="500" fill="hold"/>
+                                        <p:tgtEl>
+                                          <p:spTgt spid="3">
+                                            <p:txEl>
+                                              <p:pRg st="9" end="9"/>
                                             </p:txEl>
                                           </p:spTgt>
                                         </p:tgtEl>
@@ -14631,13 +16171,13 @@
   <p:clrMapOvr>
     <a:masterClrMapping/>
   </p:clrMapOvr>
-  <p:transition>
+  <p:transition xmlns:p14="http://schemas.microsoft.com/office/powerpoint/2010/main">
     <p:fade/>
   </p:transition>
   <p:timing>
     <p:tnLst>
       <p:par>
-        <p:cTn id="1" dur="indefinite" restart="never" nodeType="tmRoot">
+        <p:cTn xmlns:p14="http://schemas.microsoft.com/office/powerpoint/2010/main" id="1" dur="indefinite" restart="never" nodeType="tmRoot">
           <p:childTnLst>
             <p:seq concurrent="1" nextAc="seek">
               <p:cTn id="2" dur="indefinite" nodeType="mainSeq">
@@ -15196,13 +16736,13 @@
   <p:clrMapOvr>
     <a:masterClrMapping/>
   </p:clrMapOvr>
-  <p:transition>
+  <p:transition xmlns:p14="http://schemas.microsoft.com/office/powerpoint/2010/main">
     <p:fade/>
   </p:transition>
   <p:timing>
     <p:tnLst>
       <p:par>
-        <p:cTn id="1" dur="indefinite" restart="never" nodeType="tmRoot">
+        <p:cTn xmlns:p14="http://schemas.microsoft.com/office/powerpoint/2010/main" id="1" dur="indefinite" restart="never" nodeType="tmRoot">
           <p:childTnLst>
             <p:seq concurrent="1" nextAc="seek">
               <p:cTn id="2" dur="indefinite" nodeType="mainSeq">
@@ -15768,11 +17308,7 @@
           <a:p>
             <a:r>
               <a:rPr lang="da-DK" dirty="0" smtClean="0"/>
-              <a:t>Virtuelle poster til at mindre arbejdsbyrden for trænere og </a:t>
-            </a:r>
-            <a:r>
-              <a:rPr lang="da-DK" dirty="0" smtClean="0"/>
-              <a:t>arrangører</a:t>
+              <a:t>Virtuelle poster til at mindre arbejdsbyrden for trænere og arrangører</a:t>
             </a:r>
           </a:p>
         </p:txBody>
@@ -15787,13 +17323,13 @@
   <p:clrMapOvr>
     <a:masterClrMapping/>
   </p:clrMapOvr>
-  <p:transition>
+  <p:transition xmlns:p14="http://schemas.microsoft.com/office/powerpoint/2010/main">
     <p:fade/>
   </p:transition>
   <p:timing>
     <p:tnLst>
       <p:par>
-        <p:cTn id="1" dur="indefinite" restart="never" nodeType="tmRoot">
+        <p:cTn xmlns:p14="http://schemas.microsoft.com/office/powerpoint/2010/main" id="1" dur="indefinite" restart="never" nodeType="tmRoot">
           <p:childTnLst>
             <p:seq concurrent="1" nextAc="seek">
               <p:cTn id="2" dur="indefinite" nodeType="mainSeq">
@@ -16046,13 +17582,13 @@
   <p:clrMapOvr>
     <a:masterClrMapping/>
   </p:clrMapOvr>
-  <p:transition>
+  <p:transition xmlns:p14="http://schemas.microsoft.com/office/powerpoint/2010/main">
     <p:fade/>
   </p:transition>
   <p:timing>
     <p:tnLst>
       <p:par>
-        <p:cTn id="1" dur="indefinite" restart="never" nodeType="tmRoot"/>
+        <p:cTn xmlns:p14="http://schemas.microsoft.com/office/powerpoint/2010/main" id="1" dur="indefinite" restart="never" nodeType="tmRoot"/>
       </p:par>
     </p:tnLst>
   </p:timing>
@@ -16134,13 +17670,13 @@
   <p:clrMapOvr>
     <a:masterClrMapping/>
   </p:clrMapOvr>
-  <p:transition>
+  <p:transition xmlns:p14="http://schemas.microsoft.com/office/powerpoint/2010/main">
     <p:fade/>
   </p:transition>
   <p:timing>
     <p:tnLst>
       <p:par>
-        <p:cTn id="1" dur="indefinite" restart="never" nodeType="tmRoot"/>
+        <p:cTn xmlns:p14="http://schemas.microsoft.com/office/powerpoint/2010/main" id="1" dur="indefinite" restart="never" nodeType="tmRoot"/>
       </p:par>
     </p:tnLst>
   </p:timing>
@@ -16319,13 +17855,13 @@
   <p:clrMapOvr>
     <a:masterClrMapping/>
   </p:clrMapOvr>
-  <p:transition>
+  <p:transition xmlns:p14="http://schemas.microsoft.com/office/powerpoint/2010/main">
     <p:fade/>
   </p:transition>
   <p:timing>
     <p:tnLst>
       <p:par>
-        <p:cTn id="1" dur="indefinite" restart="never" nodeType="tmRoot"/>
+        <p:cTn xmlns:p14="http://schemas.microsoft.com/office/powerpoint/2010/main" id="1" dur="indefinite" restart="never" nodeType="tmRoot"/>
       </p:par>
     </p:tnLst>
   </p:timing>
@@ -16504,13 +18040,13 @@
   <p:clrMapOvr>
     <a:masterClrMapping/>
   </p:clrMapOvr>
-  <p:transition>
+  <p:transition xmlns:p14="http://schemas.microsoft.com/office/powerpoint/2010/main">
     <p:fade/>
   </p:transition>
   <p:timing>
     <p:tnLst>
       <p:par>
-        <p:cTn id="1" dur="indefinite" restart="never" nodeType="tmRoot"/>
+        <p:cTn xmlns:p14="http://schemas.microsoft.com/office/powerpoint/2010/main" id="1" dur="indefinite" restart="never" nodeType="tmRoot"/>
       </p:par>
     </p:tnLst>
   </p:timing>

--- a/PP OT.pptx
+++ b/PP OT.pptx
@@ -130,7 +130,7 @@
   </p:defaultTextStyle>
   <p:extLst>
     <p:ext uri="{EFAFB233-063F-42B5-8137-9DF3F51BA10A}">
-      <p15:sldGuideLst xmlns:p15="http://schemas.microsoft.com/office/powerpoint/2012/main" xmlns="">
+      <p15:sldGuideLst xmlns:p15="http://schemas.microsoft.com/office/powerpoint/2012/main">
         <p15:guide id="1" orient="horz" pos="1800">
           <p15:clr>
             <a:srgbClr val="A4A3A4"/>
@@ -2958,13 +2958,13 @@
     <dgm:cxn modelId="{5FFDA814-352E-4A4A-830F-34413E4E2BC4}" srcId="{52A659DA-ADA8-4BE2-9BF8-243D169889C4}" destId="{D6D3BE62-7020-4307-A61E-A86208C70DB7}" srcOrd="1" destOrd="0" parTransId="{68AF0181-CD90-425A-A2F7-A87755B788D3}" sibTransId="{1ED0AD21-8927-4A39-ADA5-50B106257E10}"/>
     <dgm:cxn modelId="{094B30C4-6B29-4171-B992-3FF2FECF4B6C}" srcId="{600B8FE3-9716-41A1-9B7B-8B51F0B8BCAF}" destId="{396D9C85-3D89-47BD-9C45-7B6C85AC2F40}" srcOrd="2" destOrd="0" parTransId="{48202FF8-2860-4827-B00D-449C72D85BBA}" sibTransId="{6289321E-E170-4982-BEF0-70BB715FD358}"/>
     <dgm:cxn modelId="{F168FA6B-187A-4726-89D0-274C54A53281}" srcId="{600B8FE3-9716-41A1-9B7B-8B51F0B8BCAF}" destId="{0B320BD9-B987-434B-A255-9495CF55A8DF}" srcOrd="0" destOrd="0" parTransId="{28499046-9B70-4DA4-AAE0-BAC297E078A4}" sibTransId="{748FF703-7D70-447B-9980-01DA513DCE78}"/>
+    <dgm:cxn modelId="{BB00A155-1671-4835-A727-8AFF5A472E11}" type="presOf" srcId="{82084C8F-CF79-40E2-9DF7-A3E3349A7796}" destId="{32FEFB22-529A-4DEB-94AB-974D134C36B1}" srcOrd="0" destOrd="3" presId="urn:microsoft.com/office/officeart/2005/8/layout/hList1"/>
     <dgm:cxn modelId="{E50E5D39-FFC1-49D1-8929-875F69AE689B}" type="presOf" srcId="{396D9C85-3D89-47BD-9C45-7B6C85AC2F40}" destId="{32FEFB22-529A-4DEB-94AB-974D134C36B1}" srcOrd="0" destOrd="2" presId="urn:microsoft.com/office/officeart/2005/8/layout/hList1"/>
-    <dgm:cxn modelId="{BB00A155-1671-4835-A727-8AFF5A472E11}" type="presOf" srcId="{82084C8F-CF79-40E2-9DF7-A3E3349A7796}" destId="{32FEFB22-529A-4DEB-94AB-974D134C36B1}" srcOrd="0" destOrd="3" presId="urn:microsoft.com/office/officeart/2005/8/layout/hList1"/>
     <dgm:cxn modelId="{8E179278-C426-4AA1-9EE9-BA4D09BEE069}" srcId="{600B8FE3-9716-41A1-9B7B-8B51F0B8BCAF}" destId="{82084C8F-CF79-40E2-9DF7-A3E3349A7796}" srcOrd="3" destOrd="0" parTransId="{DFA5E201-A366-4FC7-889A-83963A140723}" sibTransId="{6FE823CD-8083-4884-BBD2-9A28B620123A}"/>
     <dgm:cxn modelId="{BCDF1CB9-ABD0-485E-AD34-B21A95DAEFCF}" srcId="{600B8FE3-9716-41A1-9B7B-8B51F0B8BCAF}" destId="{E24C2913-7666-4670-82C5-B25778515816}" srcOrd="6" destOrd="0" parTransId="{F176B324-5D50-410B-9992-6E1358F1898C}" sibTransId="{20042014-0287-48C2-954A-C7929EA31CD8}"/>
     <dgm:cxn modelId="{668113C9-9A5A-498E-8521-05C4D298B705}" srcId="{34EEE3DE-E501-45CE-95AC-DD775AE6F410}" destId="{600B8FE3-9716-41A1-9B7B-8B51F0B8BCAF}" srcOrd="1" destOrd="0" parTransId="{0FAD610E-19ED-4472-BDC1-CA624911D2D9}" sibTransId="{8783E9A1-3749-4E60-B61B-8C90723EB678}"/>
+    <dgm:cxn modelId="{7A49882D-0DE8-4127-990E-5007B37A14F0}" type="presOf" srcId="{22897772-BD60-4BBC-BCAF-519F143F78C1}" destId="{32FEFB22-529A-4DEB-94AB-974D134C36B1}" srcOrd="0" destOrd="4" presId="urn:microsoft.com/office/officeart/2005/8/layout/hList1"/>
     <dgm:cxn modelId="{10AE9267-6033-462D-AEBF-E41302BF8280}" type="presOf" srcId="{9B17F802-7EA3-462B-8945-3084C1136831}" destId="{715E00C6-385C-4A10-810E-4CD87B5A52E3}" srcOrd="0" destOrd="2" presId="urn:microsoft.com/office/officeart/2005/8/layout/hList1"/>
-    <dgm:cxn modelId="{7A49882D-0DE8-4127-990E-5007B37A14F0}" type="presOf" srcId="{22897772-BD60-4BBC-BCAF-519F143F78C1}" destId="{32FEFB22-529A-4DEB-94AB-974D134C36B1}" srcOrd="0" destOrd="4" presId="urn:microsoft.com/office/officeart/2005/8/layout/hList1"/>
     <dgm:cxn modelId="{B5A1E184-59AE-45C8-9490-7AE96FC0EE52}" type="presOf" srcId="{E899D546-8E2A-448B-AD2C-DD81C8E0760A}" destId="{715E00C6-385C-4A10-810E-4CD87B5A52E3}" srcOrd="0" destOrd="0" presId="urn:microsoft.com/office/officeart/2005/8/layout/hList1"/>
     <dgm:cxn modelId="{0FAB94A0-CFEF-47FA-B534-CCEBF040182F}" type="presOf" srcId="{600B8FE3-9716-41A1-9B7B-8B51F0B8BCAF}" destId="{B28EAFB1-C51E-4C34-8EE4-19770E2A00A4}" srcOrd="0" destOrd="0" presId="urn:microsoft.com/office/officeart/2005/8/layout/hList1"/>
     <dgm:cxn modelId="{99BB7AF5-DFF9-488B-B5DA-764977A21DF1}" type="presOf" srcId="{E24C2913-7666-4670-82C5-B25778515816}" destId="{32FEFB22-529A-4DEB-94AB-974D134C36B1}" srcOrd="0" destOrd="6" presId="urn:microsoft.com/office/officeart/2005/8/layout/hList1"/>
@@ -3120,11 +3120,7 @@
         <a:p>
           <a:r>
             <a:rPr lang="da-DK" dirty="0" smtClean="0"/>
-            <a:t>Integrere </a:t>
-          </a:r>
-          <a:r>
-            <a:rPr lang="da-DK" dirty="0" smtClean="0"/>
-            <a:t>et klub- og brugersystem</a:t>
+            <a:t>Integrere et klub- og brugersystem</a:t>
           </a:r>
           <a:endParaRPr lang="da-DK" dirty="0"/>
         </a:p>
@@ -3331,11 +3327,7 @@
         <a:p>
           <a:r>
             <a:rPr lang="da-DK" dirty="0" smtClean="0"/>
-            <a:t>Løsningen på </a:t>
-          </a:r>
-          <a:r>
-            <a:rPr lang="da-DK" dirty="0" smtClean="0"/>
-            <a:t>længere sigt</a:t>
+            <a:t>Løsningen på længere sigt</a:t>
           </a:r>
           <a:endParaRPr lang="da-DK" dirty="0"/>
         </a:p>
@@ -3596,8 +3588,8 @@
       </dsp:nvSpPr>
       <dsp:spPr>
         <a:xfrm>
-          <a:off x="40" y="89593"/>
-          <a:ext cx="3845569" cy="489600"/>
+          <a:off x="40" y="38779"/>
+          <a:ext cx="3845569" cy="518400"/>
         </a:xfrm>
         <a:prstGeom prst="rect">
           <a:avLst/>
@@ -3638,12 +3630,12 @@
         </a:fontRef>
       </dsp:style>
       <dsp:txBody>
-        <a:bodyPr spcFirstLastPara="0" vert="horz" wrap="square" lIns="120904" tIns="69088" rIns="120904" bIns="69088" numCol="1" spcCol="1270" anchor="ctr" anchorCtr="0">
+        <a:bodyPr spcFirstLastPara="0" vert="horz" wrap="square" lIns="128016" tIns="73152" rIns="128016" bIns="73152" numCol="1" spcCol="1270" anchor="ctr" anchorCtr="0">
           <a:noAutofit/>
         </a:bodyPr>
         <a:lstStyle/>
         <a:p>
-          <a:pPr lvl="0" algn="ctr" defTabSz="755650">
+          <a:pPr lvl="0" algn="ctr" defTabSz="800100">
             <a:lnSpc>
               <a:spcPct val="90000"/>
             </a:lnSpc>
@@ -3655,15 +3647,15 @@
             </a:spcAft>
           </a:pPr>
           <a:r>
-            <a:rPr lang="da-DK" sz="1700" kern="1200" dirty="0" smtClean="0"/>
+            <a:rPr lang="da-DK" sz="1800" kern="1200" dirty="0" smtClean="0"/>
             <a:t>Mobil</a:t>
           </a:r>
-          <a:endParaRPr lang="da-DK" sz="1700" kern="1200" dirty="0"/>
+          <a:endParaRPr lang="da-DK" sz="1800" kern="1200" dirty="0"/>
         </a:p>
       </dsp:txBody>
       <dsp:txXfrm>
-        <a:off x="40" y="89593"/>
-        <a:ext cx="3845569" cy="489600"/>
+        <a:off x="40" y="38779"/>
+        <a:ext cx="3845569" cy="518400"/>
       </dsp:txXfrm>
     </dsp:sp>
     <dsp:sp modelId="{715E00C6-385C-4A10-810E-4CD87B5A52E3}">
@@ -3673,8 +3665,8 @@
       </dsp:nvSpPr>
       <dsp:spPr>
         <a:xfrm>
-          <a:off x="40" y="579194"/>
-          <a:ext cx="3845569" cy="2799900"/>
+          <a:off x="40" y="557179"/>
+          <a:ext cx="3845569" cy="2872728"/>
         </a:xfrm>
         <a:prstGeom prst="rect">
           <a:avLst/>
@@ -3717,12 +3709,12 @@
         <a:fontRef idx="minor"/>
       </dsp:style>
       <dsp:txBody>
-        <a:bodyPr spcFirstLastPara="0" vert="horz" wrap="square" lIns="90678" tIns="90678" rIns="120904" bIns="136017" numCol="1" spcCol="1270" anchor="t" anchorCtr="0">
+        <a:bodyPr spcFirstLastPara="0" vert="horz" wrap="square" lIns="96012" tIns="96012" rIns="128016" bIns="144018" numCol="1" spcCol="1270" anchor="t" anchorCtr="0">
           <a:noAutofit/>
         </a:bodyPr>
         <a:lstStyle/>
         <a:p>
-          <a:pPr marL="171450" lvl="1" indent="-171450" algn="l" defTabSz="755650">
+          <a:pPr marL="171450" lvl="1" indent="-171450" algn="l" defTabSz="800100">
             <a:lnSpc>
               <a:spcPct val="90000"/>
             </a:lnSpc>
@@ -3735,13 +3727,13 @@
             <a:buChar char="••"/>
           </a:pPr>
           <a:r>
-            <a:rPr lang="da-DK" sz="1700" kern="1200" dirty="0" smtClean="0"/>
+            <a:rPr lang="da-DK" sz="1800" kern="1200" dirty="0" smtClean="0"/>
             <a:t>Måle, sende og optage GPS position</a:t>
           </a:r>
-          <a:endParaRPr lang="da-DK" sz="1700" kern="1200" dirty="0"/>
+          <a:endParaRPr lang="da-DK" sz="1800" kern="1200" dirty="0"/>
         </a:p>
         <a:p>
-          <a:pPr marL="171450" lvl="1" indent="-171450" algn="l" defTabSz="755650">
+          <a:pPr marL="171450" lvl="1" indent="-171450" algn="l" defTabSz="800100">
             <a:lnSpc>
               <a:spcPct val="90000"/>
             </a:lnSpc>
@@ -3754,13 +3746,13 @@
             <a:buChar char="••"/>
           </a:pPr>
           <a:r>
-            <a:rPr lang="da-DK" sz="1700" kern="1200" dirty="0" smtClean="0"/>
+            <a:rPr lang="da-DK" sz="1800" kern="1200" dirty="0" smtClean="0"/>
             <a:t>Tilslutte sig en bestemt bane</a:t>
           </a:r>
-          <a:endParaRPr lang="da-DK" sz="1700" kern="1200" dirty="0"/>
+          <a:endParaRPr lang="da-DK" sz="1800" kern="1200" dirty="0"/>
         </a:p>
         <a:p>
-          <a:pPr marL="171450" lvl="1" indent="-171450" algn="l" defTabSz="755650">
+          <a:pPr marL="171450" lvl="1" indent="-171450" algn="l" defTabSz="800100">
             <a:lnSpc>
               <a:spcPct val="90000"/>
             </a:lnSpc>
@@ -3773,15 +3765,15 @@
             <a:buChar char="••"/>
           </a:pPr>
           <a:r>
-            <a:rPr lang="da-DK" sz="1700" kern="1200" dirty="0" smtClean="0"/>
+            <a:rPr lang="da-DK" sz="1800" kern="1200" dirty="0" smtClean="0"/>
             <a:t> Mobilen må ikke hjælpe løberen undervejs i løbet</a:t>
           </a:r>
-          <a:endParaRPr lang="da-DK" sz="1700" kern="1200" dirty="0"/>
+          <a:endParaRPr lang="da-DK" sz="1800" kern="1200" dirty="0"/>
         </a:p>
       </dsp:txBody>
       <dsp:txXfrm>
-        <a:off x="40" y="579194"/>
-        <a:ext cx="3845569" cy="2799900"/>
+        <a:off x="40" y="557179"/>
+        <a:ext cx="3845569" cy="2872728"/>
       </dsp:txXfrm>
     </dsp:sp>
     <dsp:sp modelId="{B28EAFB1-C51E-4C34-8EE4-19770E2A00A4}">
@@ -3791,8 +3783,8 @@
       </dsp:nvSpPr>
       <dsp:spPr>
         <a:xfrm>
-          <a:off x="4383989" y="89593"/>
-          <a:ext cx="3845569" cy="489600"/>
+          <a:off x="4383989" y="38779"/>
+          <a:ext cx="3845569" cy="518400"/>
         </a:xfrm>
         <a:prstGeom prst="rect">
           <a:avLst/>
@@ -3833,12 +3825,12 @@
         </a:fontRef>
       </dsp:style>
       <dsp:txBody>
-        <a:bodyPr spcFirstLastPara="0" vert="horz" wrap="square" lIns="120904" tIns="69088" rIns="120904" bIns="69088" numCol="1" spcCol="1270" anchor="ctr" anchorCtr="0">
+        <a:bodyPr spcFirstLastPara="0" vert="horz" wrap="square" lIns="128016" tIns="73152" rIns="128016" bIns="73152" numCol="1" spcCol="1270" anchor="ctr" anchorCtr="0">
           <a:noAutofit/>
         </a:bodyPr>
         <a:lstStyle/>
         <a:p>
-          <a:pPr lvl="0" algn="ctr" defTabSz="755650">
+          <a:pPr lvl="0" algn="ctr" defTabSz="800100">
             <a:lnSpc>
               <a:spcPct val="90000"/>
             </a:lnSpc>
@@ -3850,15 +3842,15 @@
             </a:spcAft>
           </a:pPr>
           <a:r>
-            <a:rPr lang="da-DK" sz="1700" kern="1200" dirty="0" smtClean="0"/>
+            <a:rPr lang="da-DK" sz="1800" kern="1200" dirty="0" smtClean="0"/>
             <a:t>Webservice</a:t>
           </a:r>
-          <a:endParaRPr lang="da-DK" sz="1700" kern="1200" dirty="0"/>
+          <a:endParaRPr lang="da-DK" sz="1800" kern="1200" dirty="0"/>
         </a:p>
       </dsp:txBody>
       <dsp:txXfrm>
-        <a:off x="4383989" y="89593"/>
-        <a:ext cx="3845569" cy="489600"/>
+        <a:off x="4383989" y="38779"/>
+        <a:ext cx="3845569" cy="518400"/>
       </dsp:txXfrm>
     </dsp:sp>
     <dsp:sp modelId="{32FEFB22-529A-4DEB-94AB-974D134C36B1}">
@@ -3868,8 +3860,8 @@
       </dsp:nvSpPr>
       <dsp:spPr>
         <a:xfrm>
-          <a:off x="4383989" y="579194"/>
-          <a:ext cx="3845569" cy="2799900"/>
+          <a:off x="4383989" y="557179"/>
+          <a:ext cx="3845569" cy="2872728"/>
         </a:xfrm>
         <a:prstGeom prst="rect">
           <a:avLst/>
@@ -3912,12 +3904,12 @@
         <a:fontRef idx="minor"/>
       </dsp:style>
       <dsp:txBody>
-        <a:bodyPr spcFirstLastPara="0" vert="horz" wrap="square" lIns="90678" tIns="90678" rIns="120904" bIns="136017" numCol="1" spcCol="1270" anchor="t" anchorCtr="0">
+        <a:bodyPr spcFirstLastPara="0" vert="horz" wrap="square" lIns="96012" tIns="96012" rIns="128016" bIns="144018" numCol="1" spcCol="1270" anchor="t" anchorCtr="0">
           <a:noAutofit/>
         </a:bodyPr>
         <a:lstStyle/>
         <a:p>
-          <a:pPr marL="171450" lvl="1" indent="-171450" algn="l" defTabSz="755650">
+          <a:pPr marL="171450" lvl="1" indent="-171450" algn="l" defTabSz="800100">
             <a:lnSpc>
               <a:spcPct val="90000"/>
             </a:lnSpc>
@@ -3930,13 +3922,13 @@
             <a:buChar char="••"/>
           </a:pPr>
           <a:r>
-            <a:rPr lang="da-DK" sz="1700" kern="1200" dirty="0" smtClean="0"/>
+            <a:rPr lang="da-DK" sz="1800" kern="1200" dirty="0" smtClean="0"/>
             <a:t>Opsætte baner inden løbet</a:t>
           </a:r>
-          <a:endParaRPr lang="da-DK" sz="1700" kern="1200" dirty="0"/>
+          <a:endParaRPr lang="da-DK" sz="1800" kern="1200" dirty="0"/>
         </a:p>
         <a:p>
-          <a:pPr marL="171450" lvl="1" indent="-171450" algn="l" defTabSz="755650">
+          <a:pPr marL="171450" lvl="1" indent="-171450" algn="l" defTabSz="800100">
             <a:lnSpc>
               <a:spcPct val="90000"/>
             </a:lnSpc>
@@ -3949,13 +3941,13 @@
             <a:buChar char="••"/>
           </a:pPr>
           <a:r>
-            <a:rPr lang="da-DK" sz="1700" kern="1200" dirty="0" smtClean="0"/>
+            <a:rPr lang="da-DK" sz="1800" kern="1200" dirty="0" smtClean="0"/>
             <a:t> Have et klub- og brugersystem</a:t>
           </a:r>
-          <a:endParaRPr lang="da-DK" sz="1700" kern="1200" dirty="0"/>
+          <a:endParaRPr lang="da-DK" sz="1800" kern="1200" dirty="0"/>
         </a:p>
         <a:p>
-          <a:pPr marL="171450" lvl="1" indent="-171450" algn="l" defTabSz="755650">
+          <a:pPr marL="171450" lvl="1" indent="-171450" algn="l" defTabSz="800100">
             <a:lnSpc>
               <a:spcPct val="90000"/>
             </a:lnSpc>
@@ -3968,13 +3960,13 @@
             <a:buChar char="••"/>
           </a:pPr>
           <a:r>
-            <a:rPr lang="da-DK" sz="1700" kern="1200" dirty="0" smtClean="0"/>
+            <a:rPr lang="da-DK" sz="1800" kern="1200" dirty="0" smtClean="0"/>
             <a:t>Vise løbernes position på kortet</a:t>
           </a:r>
-          <a:endParaRPr lang="da-DK" sz="1700" kern="1200" dirty="0"/>
+          <a:endParaRPr lang="da-DK" sz="1800" kern="1200" dirty="0"/>
         </a:p>
         <a:p>
-          <a:pPr marL="171450" lvl="1" indent="-171450" algn="l" defTabSz="755650">
+          <a:pPr marL="171450" lvl="1" indent="-171450" algn="l" defTabSz="800100">
             <a:lnSpc>
               <a:spcPct val="90000"/>
             </a:lnSpc>
@@ -3987,13 +3979,13 @@
             <a:buChar char="••"/>
           </a:pPr>
           <a:r>
-            <a:rPr lang="da-DK" sz="1700" kern="1200" dirty="0" smtClean="0"/>
+            <a:rPr lang="da-DK" sz="1800" kern="1200" dirty="0" smtClean="0"/>
             <a:t>Vise diverse statistik og data for løberens tur på banen</a:t>
           </a:r>
-          <a:endParaRPr lang="da-DK" sz="1700" kern="1200" dirty="0"/>
+          <a:endParaRPr lang="da-DK" sz="1800" kern="1200" dirty="0"/>
         </a:p>
         <a:p>
-          <a:pPr marL="171450" lvl="1" indent="-171450" algn="l" defTabSz="755650">
+          <a:pPr marL="171450" lvl="1" indent="-171450" algn="l" defTabSz="800100">
             <a:lnSpc>
               <a:spcPct val="90000"/>
             </a:lnSpc>
@@ -4006,29 +3998,29 @@
             <a:buChar char="••"/>
           </a:pPr>
           <a:r>
-            <a:rPr lang="da-DK" sz="1700" kern="1200" dirty="0" smtClean="0"/>
+            <a:rPr lang="da-DK" sz="1800" kern="1200" dirty="0" smtClean="0"/>
             <a:t> Vise et </a:t>
           </a:r>
           <a:r>
-            <a:rPr lang="da-DK" sz="1700" kern="1200" dirty="0" err="1" smtClean="0"/>
+            <a:rPr lang="da-DK" sz="1800" kern="1200" dirty="0" err="1" smtClean="0"/>
             <a:t>graﬁsk</a:t>
           </a:r>
           <a:r>
-            <a:rPr lang="da-DK" sz="1700" kern="1200" dirty="0" smtClean="0"/>
+            <a:rPr lang="da-DK" sz="1800" kern="1200" dirty="0" smtClean="0"/>
             <a:t> </a:t>
           </a:r>
           <a:r>
-            <a:rPr lang="da-DK" sz="1700" kern="1200" dirty="0" err="1" smtClean="0"/>
+            <a:rPr lang="da-DK" sz="1800" kern="1200" dirty="0" err="1" smtClean="0"/>
             <a:t>replay</a:t>
           </a:r>
           <a:r>
-            <a:rPr lang="da-DK" sz="1700" kern="1200" dirty="0" smtClean="0"/>
+            <a:rPr lang="da-DK" sz="1800" kern="1200" dirty="0" smtClean="0"/>
             <a:t> af den rute løberen har løbet</a:t>
           </a:r>
-          <a:endParaRPr lang="da-DK" sz="1700" kern="1200" dirty="0"/>
+          <a:endParaRPr lang="da-DK" sz="1800" kern="1200" dirty="0"/>
         </a:p>
         <a:p>
-          <a:pPr marL="171450" lvl="1" indent="-171450" algn="l" defTabSz="755650">
+          <a:pPr marL="171450" lvl="1" indent="-171450" algn="l" defTabSz="800100">
             <a:lnSpc>
               <a:spcPct val="90000"/>
             </a:lnSpc>
@@ -4041,13 +4033,13 @@
             <a:buChar char="••"/>
           </a:pPr>
           <a:r>
-            <a:rPr lang="da-DK" sz="1700" kern="1200" smtClean="0"/>
+            <a:rPr lang="da-DK" sz="1800" kern="1200" smtClean="0"/>
             <a:t>Sammenligne to løberes tur på samme rute</a:t>
           </a:r>
-          <a:endParaRPr lang="da-DK" sz="1700" kern="1200" dirty="0"/>
+          <a:endParaRPr lang="da-DK" sz="1800" kern="1200" dirty="0"/>
         </a:p>
         <a:p>
-          <a:pPr marL="171450" lvl="1" indent="-171450" algn="l" defTabSz="755650">
+          <a:pPr marL="171450" lvl="1" indent="-171450" algn="l" defTabSz="800100">
             <a:lnSpc>
               <a:spcPct val="90000"/>
             </a:lnSpc>
@@ -4060,15 +4052,15 @@
             <a:buChar char="••"/>
           </a:pPr>
           <a:r>
-            <a:rPr lang="da-DK" sz="1700" kern="1200" dirty="0" smtClean="0"/>
+            <a:rPr lang="da-DK" sz="1800" kern="1200" dirty="0" smtClean="0"/>
             <a:t>Være kompatibelt med GPS-ure</a:t>
           </a:r>
-          <a:endParaRPr lang="da-DK" sz="1700" kern="1200" dirty="0"/>
+          <a:endParaRPr lang="da-DK" sz="1800" kern="1200" dirty="0"/>
         </a:p>
       </dsp:txBody>
       <dsp:txXfrm>
-        <a:off x="4383989" y="579194"/>
-        <a:ext cx="3845569" cy="2799900"/>
+        <a:off x="4383989" y="557179"/>
+        <a:ext cx="3845569" cy="2872728"/>
       </dsp:txXfrm>
     </dsp:sp>
   </dsp:spTree>
@@ -4090,8 +4082,8 @@
       </dsp:nvSpPr>
       <dsp:spPr>
         <a:xfrm>
-          <a:off x="0" y="24524"/>
-          <a:ext cx="8229600" cy="806400"/>
+          <a:off x="0" y="43063"/>
+          <a:ext cx="8229600" cy="835200"/>
         </a:xfrm>
         <a:prstGeom prst="rect">
           <a:avLst/>
@@ -4132,12 +4124,12 @@
         </a:fontRef>
       </dsp:style>
       <dsp:txBody>
-        <a:bodyPr spcFirstLastPara="0" vert="horz" wrap="square" lIns="199136" tIns="113792" rIns="199136" bIns="113792" numCol="1" spcCol="1270" anchor="ctr" anchorCtr="0">
+        <a:bodyPr spcFirstLastPara="0" vert="horz" wrap="square" lIns="206248" tIns="117856" rIns="206248" bIns="117856" numCol="1" spcCol="1270" anchor="ctr" anchorCtr="0">
           <a:noAutofit/>
         </a:bodyPr>
         <a:lstStyle/>
         <a:p>
-          <a:pPr lvl="0" algn="ctr" defTabSz="1244600">
+          <a:pPr lvl="0" algn="ctr" defTabSz="1289050">
             <a:lnSpc>
               <a:spcPct val="90000"/>
             </a:lnSpc>
@@ -4149,15 +4141,15 @@
             </a:spcAft>
           </a:pPr>
           <a:r>
-            <a:rPr lang="da-DK" sz="2800" kern="1200" dirty="0" smtClean="0"/>
+            <a:rPr lang="da-DK" sz="2900" kern="1200" dirty="0" smtClean="0"/>
             <a:t>Løsningen fremadrettet</a:t>
           </a:r>
-          <a:endParaRPr lang="da-DK" sz="2800" kern="1200" dirty="0"/>
+          <a:endParaRPr lang="da-DK" sz="2900" kern="1200" dirty="0"/>
         </a:p>
       </dsp:txBody>
       <dsp:txXfrm>
-        <a:off x="0" y="24524"/>
-        <a:ext cx="8229600" cy="806400"/>
+        <a:off x="0" y="43063"/>
+        <a:ext cx="8229600" cy="835200"/>
       </dsp:txXfrm>
     </dsp:sp>
     <dsp:sp modelId="{56CFF0D8-9A8C-46CF-9D1E-C00B28B6C225}">
@@ -4167,8 +4159,8 @@
       </dsp:nvSpPr>
       <dsp:spPr>
         <a:xfrm>
-          <a:off x="0" y="830924"/>
-          <a:ext cx="8229600" cy="2613239"/>
+          <a:off x="0" y="878264"/>
+          <a:ext cx="8229600" cy="2547360"/>
         </a:xfrm>
         <a:prstGeom prst="rect">
           <a:avLst/>
@@ -4211,12 +4203,12 @@
         <a:fontRef idx="minor"/>
       </dsp:style>
       <dsp:txBody>
-        <a:bodyPr spcFirstLastPara="0" vert="horz" wrap="square" lIns="149352" tIns="149352" rIns="199136" bIns="224028" numCol="1" spcCol="1270" anchor="t" anchorCtr="0">
+        <a:bodyPr spcFirstLastPara="0" vert="horz" wrap="square" lIns="154686" tIns="154686" rIns="206248" bIns="232029" numCol="1" spcCol="1270" anchor="t" anchorCtr="0">
           <a:noAutofit/>
         </a:bodyPr>
         <a:lstStyle/>
         <a:p>
-          <a:pPr marL="285750" lvl="1" indent="-285750" algn="l" defTabSz="1244600">
+          <a:pPr marL="285750" lvl="1" indent="-285750" algn="l" defTabSz="1289050">
             <a:lnSpc>
               <a:spcPct val="90000"/>
             </a:lnSpc>
@@ -4229,13 +4221,13 @@
             <a:buChar char="••"/>
           </a:pPr>
           <a:r>
-            <a:rPr lang="da-DK" sz="2800" kern="1200" dirty="0" smtClean="0"/>
+            <a:rPr lang="da-DK" sz="2900" kern="1200" dirty="0" smtClean="0"/>
             <a:t>Kunne loade et kort ind dynamisk</a:t>
           </a:r>
-          <a:endParaRPr lang="da-DK" sz="2800" kern="1200" dirty="0"/>
+          <a:endParaRPr lang="da-DK" sz="2900" kern="1200" dirty="0"/>
         </a:p>
         <a:p>
-          <a:pPr marL="285750" lvl="1" indent="-285750" algn="l" defTabSz="1244600">
+          <a:pPr marL="285750" lvl="1" indent="-285750" algn="l" defTabSz="1289050">
             <a:lnSpc>
               <a:spcPct val="90000"/>
             </a:lnSpc>
@@ -4248,13 +4240,13 @@
             <a:buChar char="••"/>
           </a:pPr>
           <a:r>
-            <a:rPr lang="da-DK" sz="2800" kern="1200" dirty="0" smtClean="0"/>
+            <a:rPr lang="da-DK" sz="2900" kern="1200" dirty="0" smtClean="0"/>
             <a:t>Danne kontrolpunkter ved klik på kortet</a:t>
           </a:r>
-          <a:endParaRPr lang="da-DK" sz="2800" kern="1200" dirty="0"/>
+          <a:endParaRPr lang="da-DK" sz="2900" kern="1200" dirty="0"/>
         </a:p>
         <a:p>
-          <a:pPr marL="285750" lvl="1" indent="-285750" algn="l" defTabSz="1244600">
+          <a:pPr marL="285750" lvl="1" indent="-285750" algn="l" defTabSz="1289050">
             <a:lnSpc>
               <a:spcPct val="90000"/>
             </a:lnSpc>
@@ -4267,13 +4259,13 @@
             <a:buChar char="••"/>
           </a:pPr>
           <a:r>
-            <a:rPr lang="da-DK" sz="2800" kern="1200" dirty="0" smtClean="0"/>
+            <a:rPr lang="da-DK" sz="2900" kern="1200" dirty="0" smtClean="0"/>
             <a:t>Webbaseret løsning</a:t>
           </a:r>
-          <a:endParaRPr lang="da-DK" sz="2800" kern="1200" dirty="0"/>
+          <a:endParaRPr lang="da-DK" sz="2900" kern="1200" dirty="0"/>
         </a:p>
         <a:p>
-          <a:pPr marL="285750" lvl="1" indent="-285750" algn="l" defTabSz="1244600">
+          <a:pPr marL="285750" lvl="1" indent="-285750" algn="l" defTabSz="1289050">
             <a:lnSpc>
               <a:spcPct val="90000"/>
             </a:lnSpc>
@@ -4286,17 +4278,13 @@
             <a:buChar char="••"/>
           </a:pPr>
           <a:r>
-            <a:rPr lang="da-DK" sz="2800" kern="1200" dirty="0" smtClean="0"/>
-            <a:t>Integrere </a:t>
+            <a:rPr lang="da-DK" sz="2900" kern="1200" dirty="0" smtClean="0"/>
+            <a:t>Integrere et klub- og brugersystem</a:t>
           </a:r>
-          <a:r>
-            <a:rPr lang="da-DK" sz="2800" kern="1200" dirty="0" smtClean="0"/>
-            <a:t>et klub- og brugersystem</a:t>
-          </a:r>
-          <a:endParaRPr lang="da-DK" sz="2800" kern="1200" dirty="0"/>
+          <a:endParaRPr lang="da-DK" sz="2900" kern="1200" dirty="0"/>
         </a:p>
         <a:p>
-          <a:pPr marL="285750" lvl="1" indent="-285750" algn="l" defTabSz="1244600">
+          <a:pPr marL="285750" lvl="1" indent="-285750" algn="l" defTabSz="1289050">
             <a:lnSpc>
               <a:spcPct val="90000"/>
             </a:lnSpc>
@@ -4309,15 +4297,15 @@
             <a:buChar char="••"/>
           </a:pPr>
           <a:r>
-            <a:rPr lang="da-DK" sz="2800" kern="1200" dirty="0" smtClean="0"/>
+            <a:rPr lang="da-DK" sz="2900" kern="1200" dirty="0" smtClean="0"/>
             <a:t>Mobilapplikation</a:t>
           </a:r>
-          <a:endParaRPr lang="da-DK" sz="2800" kern="1200" dirty="0"/>
+          <a:endParaRPr lang="da-DK" sz="2900" kern="1200" dirty="0"/>
         </a:p>
       </dsp:txBody>
       <dsp:txXfrm>
-        <a:off x="0" y="830924"/>
-        <a:ext cx="8229600" cy="2613239"/>
+        <a:off x="0" y="878264"/>
+        <a:ext cx="8229600" cy="2547360"/>
       </dsp:txXfrm>
     </dsp:sp>
   </dsp:spTree>
@@ -4339,8 +4327,8 @@
       </dsp:nvSpPr>
       <dsp:spPr>
         <a:xfrm>
-          <a:off x="0" y="13600"/>
-          <a:ext cx="8229600" cy="950400"/>
+          <a:off x="0" y="8121"/>
+          <a:ext cx="8229600" cy="979200"/>
         </a:xfrm>
         <a:prstGeom prst="rect">
           <a:avLst/>
@@ -4381,12 +4369,12 @@
         </a:fontRef>
       </dsp:style>
       <dsp:txBody>
-        <a:bodyPr spcFirstLastPara="0" vert="horz" wrap="square" lIns="234696" tIns="134112" rIns="234696" bIns="134112" numCol="1" spcCol="1270" anchor="ctr" anchorCtr="0">
+        <a:bodyPr spcFirstLastPara="0" vert="horz" wrap="square" lIns="241808" tIns="138176" rIns="241808" bIns="138176" numCol="1" spcCol="1270" anchor="ctr" anchorCtr="0">
           <a:noAutofit/>
         </a:bodyPr>
         <a:lstStyle/>
         <a:p>
-          <a:pPr lvl="0" algn="ctr" defTabSz="1466850">
+          <a:pPr lvl="0" algn="ctr" defTabSz="1511300">
             <a:lnSpc>
               <a:spcPct val="90000"/>
             </a:lnSpc>
@@ -4398,19 +4386,15 @@
             </a:spcAft>
           </a:pPr>
           <a:r>
-            <a:rPr lang="da-DK" sz="3300" kern="1200" dirty="0" smtClean="0"/>
-            <a:t>Løsningen på </a:t>
+            <a:rPr lang="da-DK" sz="3400" kern="1200" dirty="0" smtClean="0"/>
+            <a:t>Løsningen på længere sigt</a:t>
           </a:r>
-          <a:r>
-            <a:rPr lang="da-DK" sz="3300" kern="1200" dirty="0" smtClean="0"/>
-            <a:t>længere sigt</a:t>
-          </a:r>
-          <a:endParaRPr lang="da-DK" sz="3300" kern="1200" dirty="0"/>
+          <a:endParaRPr lang="da-DK" sz="3400" kern="1200" dirty="0"/>
         </a:p>
       </dsp:txBody>
       <dsp:txXfrm>
-        <a:off x="0" y="13600"/>
-        <a:ext cx="8229600" cy="950400"/>
+        <a:off x="0" y="8121"/>
+        <a:ext cx="8229600" cy="979200"/>
       </dsp:txXfrm>
     </dsp:sp>
     <dsp:sp modelId="{3291D09C-50D6-4894-9C83-4592B00FC0A3}">
@@ -4420,8 +4404,8 @@
       </dsp:nvSpPr>
       <dsp:spPr>
         <a:xfrm>
-          <a:off x="0" y="964000"/>
-          <a:ext cx="8229600" cy="2491087"/>
+          <a:off x="0" y="987321"/>
+          <a:ext cx="8229600" cy="2473245"/>
         </a:xfrm>
         <a:prstGeom prst="rect">
           <a:avLst/>
@@ -4464,12 +4448,12 @@
         <a:fontRef idx="minor"/>
       </dsp:style>
       <dsp:txBody>
-        <a:bodyPr spcFirstLastPara="0" vert="horz" wrap="square" lIns="176022" tIns="176022" rIns="234696" bIns="264033" numCol="1" spcCol="1270" anchor="t" anchorCtr="0">
+        <a:bodyPr spcFirstLastPara="0" vert="horz" wrap="square" lIns="181356" tIns="181356" rIns="241808" bIns="272034" numCol="1" spcCol="1270" anchor="t" anchorCtr="0">
           <a:noAutofit/>
         </a:bodyPr>
         <a:lstStyle/>
         <a:p>
-          <a:pPr marL="285750" lvl="1" indent="-285750" algn="l" defTabSz="1466850">
+          <a:pPr marL="285750" lvl="1" indent="-285750" algn="l" defTabSz="1511300">
             <a:lnSpc>
               <a:spcPct val="90000"/>
             </a:lnSpc>
@@ -4482,17 +4466,17 @@
             <a:buChar char="••"/>
           </a:pPr>
           <a:r>
-            <a:rPr lang="da-DK" sz="3300" kern="1200" dirty="0" smtClean="0"/>
+            <a:rPr lang="da-DK" sz="3400" kern="1200" dirty="0" smtClean="0"/>
             <a:t>Live-</a:t>
           </a:r>
           <a:r>
-            <a:rPr lang="da-DK" sz="3300" kern="1200" dirty="0" err="1" smtClean="0"/>
+            <a:rPr lang="da-DK" sz="3400" kern="1200" dirty="0" err="1" smtClean="0"/>
             <a:t>tracking</a:t>
           </a:r>
-          <a:endParaRPr lang="da-DK" sz="3300" kern="1200" dirty="0"/>
+          <a:endParaRPr lang="da-DK" sz="3400" kern="1200" dirty="0"/>
         </a:p>
         <a:p>
-          <a:pPr marL="285750" lvl="1" indent="-285750" algn="l" defTabSz="1466850">
+          <a:pPr marL="285750" lvl="1" indent="-285750" algn="l" defTabSz="1511300">
             <a:lnSpc>
               <a:spcPct val="90000"/>
             </a:lnSpc>
@@ -4505,13 +4489,13 @@
             <a:buChar char="••"/>
           </a:pPr>
           <a:r>
-            <a:rPr lang="da-DK" sz="3300" kern="1200" dirty="0" smtClean="0"/>
+            <a:rPr lang="da-DK" sz="3400" kern="1200" dirty="0" smtClean="0"/>
             <a:t>Udvidelse med håndtering af kamera</a:t>
           </a:r>
-          <a:endParaRPr lang="da-DK" sz="3300" kern="1200" dirty="0"/>
+          <a:endParaRPr lang="da-DK" sz="3400" kern="1200" dirty="0"/>
         </a:p>
         <a:p>
-          <a:pPr marL="285750" lvl="1" indent="-285750" algn="l" defTabSz="1466850">
+          <a:pPr marL="285750" lvl="1" indent="-285750" algn="l" defTabSz="1511300">
             <a:lnSpc>
               <a:spcPct val="90000"/>
             </a:lnSpc>
@@ -4524,13 +4508,13 @@
             <a:buChar char="••"/>
           </a:pPr>
           <a:r>
-            <a:rPr lang="da-DK" sz="3300" kern="1200" dirty="0" smtClean="0"/>
+            <a:rPr lang="da-DK" sz="3400" kern="1200" dirty="0" smtClean="0"/>
             <a:t>Bruges i flere sportsgrene</a:t>
           </a:r>
-          <a:endParaRPr lang="da-DK" sz="3300" kern="1200" dirty="0"/>
+          <a:endParaRPr lang="da-DK" sz="3400" kern="1200" dirty="0"/>
         </a:p>
         <a:p>
-          <a:pPr marL="285750" lvl="1" indent="-285750" algn="l" defTabSz="1466850">
+          <a:pPr marL="285750" lvl="1" indent="-285750" algn="l" defTabSz="1511300">
             <a:lnSpc>
               <a:spcPct val="90000"/>
             </a:lnSpc>
@@ -4543,15 +4527,15 @@
             <a:buChar char="••"/>
           </a:pPr>
           <a:r>
-            <a:rPr lang="da-DK" sz="3300" kern="1200" dirty="0" smtClean="0"/>
+            <a:rPr lang="da-DK" sz="3400" kern="1200" dirty="0" smtClean="0"/>
             <a:t>Bruges i ikke sportslige aktiviteter</a:t>
           </a:r>
-          <a:endParaRPr lang="da-DK" sz="3300" kern="1200" dirty="0"/>
+          <a:endParaRPr lang="da-DK" sz="3400" kern="1200" dirty="0"/>
         </a:p>
       </dsp:txBody>
       <dsp:txXfrm>
-        <a:off x="0" y="964000"/>
-        <a:ext cx="8229600" cy="2491087"/>
+        <a:off x="0" y="987321"/>
+        <a:ext cx="8229600" cy="2473245"/>
       </dsp:txXfrm>
     </dsp:sp>
   </dsp:spTree>
@@ -8393,7 +8377,7 @@
           <a:p>
             <a:fld id="{27EAA7B7-9729-4998-A735-980F4A67C550}" type="datetimeFigureOut">
               <a:rPr lang="da-DK" smtClean="0"/>
-              <a:t>29/06/15</a:t>
+              <a:t>29-06-2015</a:t>
             </a:fld>
             <a:endParaRPr lang="da-DK"/>
           </a:p>
@@ -8771,7 +8755,7 @@
           <a:p>
             <a:fld id="{014F4089-1F4E-44A7-B23B-C1B75DF42B73}" type="datetime3">
               <a:rPr lang="da-DK" smtClean="0"/>
-              <a:t>29 June 2015</a:t>
+              <a:t>29.06.2015</a:t>
             </a:fld>
             <a:endParaRPr lang="da-DK"/>
           </a:p>
@@ -9003,13 +8987,13 @@
   <p:clrMapOvr>
     <a:masterClrMapping/>
   </p:clrMapOvr>
-  <p:transition xmlns:p14="http://schemas.microsoft.com/office/powerpoint/2010/main">
+  <p:transition>
     <p:fade/>
   </p:transition>
   <p:timing>
     <p:tnLst>
       <p:par>
-        <p:cTn xmlns:p14="http://schemas.microsoft.com/office/powerpoint/2010/main" id="1" dur="indefinite" restart="never" nodeType="tmRoot"/>
+        <p:cTn id="1" dur="indefinite" restart="never" nodeType="tmRoot"/>
       </p:par>
     </p:tnLst>
   </p:timing>
@@ -9220,7 +9204,7 @@
           <a:p>
             <a:fld id="{3D789C4B-1D39-4DCF-A264-F5BAD2AD9F6E}" type="datetime3">
               <a:rPr lang="da-DK" smtClean="0"/>
-              <a:t>29 June 2015</a:t>
+              <a:t>29.06.2015</a:t>
             </a:fld>
             <a:endParaRPr lang="da-DK"/>
           </a:p>
@@ -9259,13 +9243,13 @@
   <p:clrMapOvr>
     <a:masterClrMapping/>
   </p:clrMapOvr>
-  <p:transition xmlns:p14="http://schemas.microsoft.com/office/powerpoint/2010/main">
+  <p:transition>
     <p:fade/>
   </p:transition>
   <p:timing>
     <p:tnLst>
       <p:par>
-        <p:cTn xmlns:p14="http://schemas.microsoft.com/office/powerpoint/2010/main" id="1" dur="indefinite" restart="never" nodeType="tmRoot"/>
+        <p:cTn id="1" dur="indefinite" restart="never" nodeType="tmRoot"/>
       </p:par>
     </p:tnLst>
   </p:timing>
@@ -9371,7 +9355,7 @@
           <a:p>
             <a:fld id="{16297AAD-6C02-4800-BFD8-516995E2C907}" type="datetime3">
               <a:rPr lang="da-DK" smtClean="0"/>
-              <a:t>29 June 2015</a:t>
+              <a:t>29.06.2015</a:t>
             </a:fld>
             <a:endParaRPr lang="da-DK"/>
           </a:p>
@@ -9448,13 +9432,13 @@
   <p:clrMapOvr>
     <a:masterClrMapping/>
   </p:clrMapOvr>
-  <p:transition xmlns:p14="http://schemas.microsoft.com/office/powerpoint/2010/main">
+  <p:transition>
     <p:fade/>
   </p:transition>
   <p:timing>
     <p:tnLst>
       <p:par>
-        <p:cTn xmlns:p14="http://schemas.microsoft.com/office/powerpoint/2010/main" id="1" dur="indefinite" restart="never" nodeType="tmRoot"/>
+        <p:cTn id="1" dur="indefinite" restart="never" nodeType="tmRoot"/>
       </p:par>
     </p:tnLst>
   </p:timing>
@@ -9598,7 +9582,7 @@
           <a:p>
             <a:fld id="{E0F1A899-5D0B-48A0-BBF1-AD7C4BEC6142}" type="datetime3">
               <a:rPr lang="da-DK" smtClean="0"/>
-              <a:t>29 June 2015</a:t>
+              <a:t>29.06.2015</a:t>
             </a:fld>
             <a:endParaRPr lang="da-DK"/>
           </a:p>
@@ -9637,13 +9621,13 @@
   <p:clrMapOvr>
     <a:masterClrMapping/>
   </p:clrMapOvr>
-  <p:transition xmlns:p14="http://schemas.microsoft.com/office/powerpoint/2010/main">
+  <p:transition>
     <p:fade/>
   </p:transition>
   <p:timing>
     <p:tnLst>
       <p:par>
-        <p:cTn xmlns:p14="http://schemas.microsoft.com/office/powerpoint/2010/main" id="1" dur="indefinite" restart="never" nodeType="tmRoot"/>
+        <p:cTn id="1" dur="indefinite" restart="never" nodeType="tmRoot"/>
       </p:par>
     </p:tnLst>
   </p:timing>
@@ -9806,7 +9790,7 @@
           <a:p>
             <a:fld id="{014F4089-1F4E-44A7-B23B-C1B75DF42B73}" type="datetime3">
               <a:rPr lang="da-DK" smtClean="0"/>
-              <a:t>29 June 2015</a:t>
+              <a:t>29.06.2015</a:t>
             </a:fld>
             <a:endParaRPr lang="da-DK"/>
           </a:p>
@@ -9875,13 +9859,13 @@
   <p:clrMapOvr>
     <a:masterClrMapping/>
   </p:clrMapOvr>
-  <p:transition xmlns:p14="http://schemas.microsoft.com/office/powerpoint/2010/main">
+  <p:transition>
     <p:fade/>
   </p:transition>
   <p:timing>
     <p:tnLst>
       <p:par>
-        <p:cTn xmlns:p14="http://schemas.microsoft.com/office/powerpoint/2010/main" id="1" dur="indefinite" restart="never" nodeType="tmRoot"/>
+        <p:cTn id="1" dur="indefinite" restart="never" nodeType="tmRoot"/>
       </p:par>
     </p:tnLst>
   </p:timing>
@@ -10039,7 +10023,7 @@
           <a:p>
             <a:fld id="{C8F93BCC-6FC8-4C7D-A6DF-04C07E19DAD2}" type="datetime3">
               <a:rPr lang="da-DK" smtClean="0"/>
-              <a:t>29 June 2015</a:t>
+              <a:t>29.06.2015</a:t>
             </a:fld>
             <a:endParaRPr lang="da-DK"/>
           </a:p>
@@ -10078,13 +10062,13 @@
   <p:clrMapOvr>
     <a:masterClrMapping/>
   </p:clrMapOvr>
-  <p:transition xmlns:p14="http://schemas.microsoft.com/office/powerpoint/2010/main">
+  <p:transition>
     <p:fade/>
   </p:transition>
   <p:timing>
     <p:tnLst>
       <p:par>
-        <p:cTn xmlns:p14="http://schemas.microsoft.com/office/powerpoint/2010/main" id="1" dur="indefinite" restart="never" nodeType="tmRoot"/>
+        <p:cTn id="1" dur="indefinite" restart="never" nodeType="tmRoot"/>
       </p:par>
     </p:tnLst>
   </p:timing>
@@ -10148,7 +10132,7 @@
           <a:p>
             <a:fld id="{89CAFBDB-5870-4F54-B460-8377AA42866C}" type="datetime3">
               <a:rPr lang="da-DK" smtClean="0"/>
-              <a:t>29 June 2015</a:t>
+              <a:t>29.06.2015</a:t>
             </a:fld>
             <a:endParaRPr lang="da-DK" dirty="0"/>
           </a:p>
@@ -10291,13 +10275,13 @@
   <p:clrMapOvr>
     <a:masterClrMapping/>
   </p:clrMapOvr>
-  <p:transition xmlns:p14="http://schemas.microsoft.com/office/powerpoint/2010/main">
+  <p:transition>
     <p:fade/>
   </p:transition>
   <p:timing>
     <p:tnLst>
       <p:par>
-        <p:cTn xmlns:p14="http://schemas.microsoft.com/office/powerpoint/2010/main" id="1" dur="indefinite" restart="never" nodeType="tmRoot"/>
+        <p:cTn id="1" dur="indefinite" restart="never" nodeType="tmRoot"/>
       </p:par>
     </p:tnLst>
   </p:timing>
@@ -10487,7 +10471,7 @@
           <a:p>
             <a:fld id="{A0419256-6EFB-4044-9372-A45B1AE2B795}" type="datetime3">
               <a:rPr lang="da-DK" smtClean="0"/>
-              <a:t>29 June 2015</a:t>
+              <a:t>29.06.2015</a:t>
             </a:fld>
             <a:endParaRPr lang="da-DK"/>
           </a:p>
@@ -10526,13 +10510,13 @@
   <p:clrMapOvr>
     <a:masterClrMapping/>
   </p:clrMapOvr>
-  <p:transition xmlns:p14="http://schemas.microsoft.com/office/powerpoint/2010/main">
+  <p:transition>
     <p:fade/>
   </p:transition>
   <p:timing>
     <p:tnLst>
       <p:par>
-        <p:cTn xmlns:p14="http://schemas.microsoft.com/office/powerpoint/2010/main" id="1" dur="indefinite" restart="never" nodeType="tmRoot"/>
+        <p:cTn id="1" dur="indefinite" restart="never" nodeType="tmRoot"/>
       </p:par>
     </p:tnLst>
   </p:timing>
@@ -10596,7 +10580,7 @@
           <a:p>
             <a:fld id="{8A80EC61-97C2-490D-BF66-6AF4E08F8683}" type="datetime3">
               <a:rPr lang="da-DK" smtClean="0"/>
-              <a:t>29 June 2015</a:t>
+              <a:t>29.06.2015</a:t>
             </a:fld>
             <a:endParaRPr lang="da-DK"/>
           </a:p>
@@ -10749,13 +10733,13 @@
   <p:clrMapOvr>
     <a:masterClrMapping/>
   </p:clrMapOvr>
-  <p:transition xmlns:p14="http://schemas.microsoft.com/office/powerpoint/2010/main">
+  <p:transition>
     <p:fade/>
   </p:transition>
   <p:timing>
     <p:tnLst>
       <p:par>
-        <p:cTn xmlns:p14="http://schemas.microsoft.com/office/powerpoint/2010/main" id="1" dur="indefinite" restart="never" nodeType="tmRoot"/>
+        <p:cTn id="1" dur="indefinite" restart="never" nodeType="tmRoot"/>
       </p:par>
     </p:tnLst>
   </p:timing>
@@ -10961,7 +10945,7 @@
           <a:p>
             <a:fld id="{8B6410A3-8B7A-4B78-AE48-0C337C792F8C}" type="datetime3">
               <a:rPr lang="da-DK" smtClean="0"/>
-              <a:t>29 June 2015</a:t>
+              <a:t>29.06.2015</a:t>
             </a:fld>
             <a:endParaRPr lang="da-DK"/>
           </a:p>
@@ -11186,13 +11170,13 @@
   <p:clrMapOvr>
     <a:masterClrMapping/>
   </p:clrMapOvr>
-  <p:transition xmlns:p14="http://schemas.microsoft.com/office/powerpoint/2010/main">
+  <p:transition>
     <p:fade/>
   </p:transition>
   <p:timing>
     <p:tnLst>
       <p:par>
-        <p:cTn xmlns:p14="http://schemas.microsoft.com/office/powerpoint/2010/main" id="1" dur="indefinite" restart="never" nodeType="tmRoot"/>
+        <p:cTn id="1" dur="indefinite" restart="never" nodeType="tmRoot"/>
       </p:par>
     </p:tnLst>
   </p:timing>
@@ -11256,7 +11240,7 @@
           <a:p>
             <a:fld id="{C80C8121-9C5C-4783-821D-F1ABAD167C32}" type="datetime3">
               <a:rPr lang="da-DK" smtClean="0"/>
-              <a:t>29 June 2015</a:t>
+              <a:t>29.06.2015</a:t>
             </a:fld>
             <a:endParaRPr lang="da-DK"/>
           </a:p>
@@ -11295,13 +11279,13 @@
   <p:clrMapOvr>
     <a:masterClrMapping/>
   </p:clrMapOvr>
-  <p:transition xmlns:p14="http://schemas.microsoft.com/office/powerpoint/2010/main">
+  <p:transition>
     <p:fade/>
   </p:transition>
   <p:timing>
     <p:tnLst>
       <p:par>
-        <p:cTn xmlns:p14="http://schemas.microsoft.com/office/powerpoint/2010/main" id="1" dur="indefinite" restart="never" nodeType="tmRoot"/>
+        <p:cTn id="1" dur="indefinite" restart="never" nodeType="tmRoot"/>
       </p:par>
     </p:tnLst>
   </p:timing>
@@ -11342,7 +11326,7 @@
           <a:p>
             <a:fld id="{80ADA3C3-F6CE-4C6C-AC99-04821F771E6F}" type="datetime3">
               <a:rPr lang="da-DK" smtClean="0"/>
-              <a:t>29 June 2015</a:t>
+              <a:t>29.06.2015</a:t>
             </a:fld>
             <a:endParaRPr lang="da-DK"/>
           </a:p>
@@ -11381,13 +11365,13 @@
   <p:clrMapOvr>
     <a:masterClrMapping/>
   </p:clrMapOvr>
-  <p:transition xmlns:p14="http://schemas.microsoft.com/office/powerpoint/2010/main">
+  <p:transition>
     <p:fade/>
   </p:transition>
   <p:timing>
     <p:tnLst>
       <p:par>
-        <p:cTn xmlns:p14="http://schemas.microsoft.com/office/powerpoint/2010/main" id="1" dur="indefinite" restart="never" nodeType="tmRoot"/>
+        <p:cTn id="1" dur="indefinite" restart="never" nodeType="tmRoot"/>
       </p:par>
     </p:tnLst>
   </p:timing>
@@ -11529,7 +11513,7 @@
           <a:p>
             <a:fld id="{23CE3711-8C3B-408F-87AD-E09A0080C459}" type="datetime3">
               <a:rPr lang="da-DK" smtClean="0"/>
-              <a:t>29 June 2015</a:t>
+              <a:t>29.06.2015</a:t>
             </a:fld>
             <a:endParaRPr lang="da-DK"/>
           </a:p>
@@ -11625,13 +11609,13 @@
   <p:clrMapOvr>
     <a:masterClrMapping/>
   </p:clrMapOvr>
-  <p:transition xmlns:p14="http://schemas.microsoft.com/office/powerpoint/2010/main">
+  <p:transition>
     <p:fade/>
   </p:transition>
   <p:timing>
     <p:tnLst>
       <p:par>
-        <p:cTn xmlns:p14="http://schemas.microsoft.com/office/powerpoint/2010/main" id="1" dur="indefinite" restart="never" nodeType="tmRoot"/>
+        <p:cTn id="1" dur="indefinite" restart="never" nodeType="tmRoot"/>
       </p:par>
     </p:tnLst>
   </p:timing>
@@ -11788,7 +11772,7 @@
           <a:p>
             <a:fld id="{672FD3C4-C349-4C63-9C2F-4FD4F5A483CE}" type="datetime3">
               <a:rPr lang="da-DK" smtClean="0"/>
-              <a:t>29 June 2015</a:t>
+              <a:t>29.06.2015</a:t>
             </a:fld>
             <a:endParaRPr lang="da-DK" dirty="0"/>
           </a:p>
@@ -11887,13 +11871,13 @@
     <p:sldLayoutId id="2147483660" r:id="rId12"/>
     <p:sldLayoutId id="2147483661" r:id="rId13"/>
   </p:sldLayoutIdLst>
-  <p:transition xmlns:p14="http://schemas.microsoft.com/office/powerpoint/2010/main">
+  <p:transition>
     <p:fade/>
   </p:transition>
   <p:timing>
     <p:tnLst>
       <p:par>
-        <p:cTn xmlns:p14="http://schemas.microsoft.com/office/powerpoint/2010/main" id="1" dur="indefinite" restart="never" nodeType="tmRoot"/>
+        <p:cTn id="1" dur="indefinite" restart="never" nodeType="tmRoot"/>
       </p:par>
     </p:tnLst>
   </p:timing>
@@ -12234,13 +12218,13 @@
   <p:clrMapOvr>
     <a:masterClrMapping/>
   </p:clrMapOvr>
-  <p:transition xmlns:p14="http://schemas.microsoft.com/office/powerpoint/2010/main">
+  <p:transition>
     <p:fade/>
   </p:transition>
   <p:timing>
     <p:tnLst>
       <p:par>
-        <p:cTn xmlns:p14="http://schemas.microsoft.com/office/powerpoint/2010/main" id="1" dur="indefinite" restart="never" nodeType="tmRoot"/>
+        <p:cTn id="1" dur="indefinite" restart="never" nodeType="tmRoot"/>
       </p:par>
     </p:tnLst>
   </p:timing>
@@ -12417,13 +12401,13 @@
   <p:clrMapOvr>
     <a:masterClrMapping/>
   </p:clrMapOvr>
-  <p:transition xmlns:p14="http://schemas.microsoft.com/office/powerpoint/2010/main">
+  <p:transition>
     <p:fade/>
   </p:transition>
   <p:timing>
     <p:tnLst>
       <p:par>
-        <p:cTn xmlns:p14="http://schemas.microsoft.com/office/powerpoint/2010/main" id="1" dur="indefinite" restart="never" nodeType="tmRoot"/>
+        <p:cTn id="1" dur="indefinite" restart="never" nodeType="tmRoot"/>
       </p:par>
     </p:tnLst>
   </p:timing>
@@ -12562,13 +12546,13 @@
   <p:clrMapOvr>
     <a:masterClrMapping/>
   </p:clrMapOvr>
-  <p:transition xmlns:p14="http://schemas.microsoft.com/office/powerpoint/2010/main">
+  <p:transition>
     <p:fade/>
   </p:transition>
   <p:timing>
     <p:tnLst>
       <p:par>
-        <p:cTn xmlns:p14="http://schemas.microsoft.com/office/powerpoint/2010/main" id="1" dur="indefinite" restart="never" nodeType="tmRoot"/>
+        <p:cTn id="1" dur="indefinite" restart="never" nodeType="tmRoot"/>
       </p:par>
     </p:tnLst>
   </p:timing>
@@ -12667,13 +12651,13 @@
   <p:clrMapOvr>
     <a:masterClrMapping/>
   </p:clrMapOvr>
-  <p:transition xmlns:p14="http://schemas.microsoft.com/office/powerpoint/2010/main">
+  <p:transition>
     <p:fade/>
   </p:transition>
   <p:timing>
     <p:tnLst>
       <p:par>
-        <p:cTn xmlns:p14="http://schemas.microsoft.com/office/powerpoint/2010/main" id="1" dur="indefinite" restart="never" nodeType="tmRoot"/>
+        <p:cTn id="1" dur="indefinite" restart="never" nodeType="tmRoot"/>
       </p:par>
     </p:tnLst>
   </p:timing>
@@ -12759,13 +12743,242 @@
   <p:clrMapOvr>
     <a:masterClrMapping/>
   </p:clrMapOvr>
-  <p:transition xmlns:p14="http://schemas.microsoft.com/office/powerpoint/2010/main">
+  <p:transition>
     <p:fade/>
   </p:transition>
   <p:timing>
     <p:tnLst>
       <p:par>
-        <p:cTn xmlns:p14="http://schemas.microsoft.com/office/powerpoint/2010/main" id="1" dur="indefinite" restart="never" nodeType="tmRoot"/>
+        <p:cTn id="1" dur="indefinite" restart="never" nodeType="tmRoot">
+          <p:childTnLst>
+            <p:seq concurrent="1" nextAc="seek">
+              <p:cTn id="2" dur="indefinite" nodeType="mainSeq">
+                <p:childTnLst>
+                  <p:par>
+                    <p:cTn id="3" fill="hold">
+                      <p:stCondLst>
+                        <p:cond delay="indefinite"/>
+                      </p:stCondLst>
+                      <p:childTnLst>
+                        <p:par>
+                          <p:cTn id="4" fill="hold">
+                            <p:stCondLst>
+                              <p:cond delay="0"/>
+                            </p:stCondLst>
+                            <p:childTnLst>
+                              <p:par>
+                                <p:cTn id="5" presetID="2" presetClass="entr" presetSubtype="8" fill="hold" nodeType="clickEffect">
+                                  <p:stCondLst>
+                                    <p:cond delay="0"/>
+                                  </p:stCondLst>
+                                  <p:childTnLst>
+                                    <p:set>
+                                      <p:cBhvr>
+                                        <p:cTn id="6" dur="1" fill="hold">
+                                          <p:stCondLst>
+                                            <p:cond delay="0"/>
+                                          </p:stCondLst>
+                                        </p:cTn>
+                                        <p:tgtEl>
+                                          <p:spTgt spid="3">
+                                            <p:txEl>
+                                              <p:pRg st="0" end="0"/>
+                                            </p:txEl>
+                                          </p:spTgt>
+                                        </p:tgtEl>
+                                        <p:attrNameLst>
+                                          <p:attrName>style.visibility</p:attrName>
+                                        </p:attrNameLst>
+                                      </p:cBhvr>
+                                      <p:to>
+                                        <p:strVal val="visible"/>
+                                      </p:to>
+                                    </p:set>
+                                    <p:anim calcmode="lin" valueType="num">
+                                      <p:cBhvr additive="base">
+                                        <p:cTn id="7" dur="500" fill="hold"/>
+                                        <p:tgtEl>
+                                          <p:spTgt spid="3">
+                                            <p:txEl>
+                                              <p:pRg st="0" end="0"/>
+                                            </p:txEl>
+                                          </p:spTgt>
+                                        </p:tgtEl>
+                                        <p:attrNameLst>
+                                          <p:attrName>ppt_x</p:attrName>
+                                        </p:attrNameLst>
+                                      </p:cBhvr>
+                                      <p:tavLst>
+                                        <p:tav tm="0">
+                                          <p:val>
+                                            <p:strVal val="0-#ppt_w/2"/>
+                                          </p:val>
+                                        </p:tav>
+                                        <p:tav tm="100000">
+                                          <p:val>
+                                            <p:strVal val="#ppt_x"/>
+                                          </p:val>
+                                        </p:tav>
+                                      </p:tavLst>
+                                    </p:anim>
+                                    <p:anim calcmode="lin" valueType="num">
+                                      <p:cBhvr additive="base">
+                                        <p:cTn id="8" dur="500" fill="hold"/>
+                                        <p:tgtEl>
+                                          <p:spTgt spid="3">
+                                            <p:txEl>
+                                              <p:pRg st="0" end="0"/>
+                                            </p:txEl>
+                                          </p:spTgt>
+                                        </p:tgtEl>
+                                        <p:attrNameLst>
+                                          <p:attrName>ppt_y</p:attrName>
+                                        </p:attrNameLst>
+                                      </p:cBhvr>
+                                      <p:tavLst>
+                                        <p:tav tm="0">
+                                          <p:val>
+                                            <p:strVal val="#ppt_y"/>
+                                          </p:val>
+                                        </p:tav>
+                                        <p:tav tm="100000">
+                                          <p:val>
+                                            <p:strVal val="#ppt_y"/>
+                                          </p:val>
+                                        </p:tav>
+                                      </p:tavLst>
+                                    </p:anim>
+                                  </p:childTnLst>
+                                </p:cTn>
+                              </p:par>
+                            </p:childTnLst>
+                          </p:cTn>
+                        </p:par>
+                      </p:childTnLst>
+                    </p:cTn>
+                  </p:par>
+                  <p:par>
+                    <p:cTn id="9" fill="hold">
+                      <p:stCondLst>
+                        <p:cond delay="indefinite"/>
+                      </p:stCondLst>
+                      <p:childTnLst>
+                        <p:par>
+                          <p:cTn id="10" fill="hold">
+                            <p:stCondLst>
+                              <p:cond delay="0"/>
+                            </p:stCondLst>
+                            <p:childTnLst>
+                              <p:par>
+                                <p:cTn id="11" presetID="2" presetClass="entr" presetSubtype="8" fill="hold" nodeType="clickEffect">
+                                  <p:stCondLst>
+                                    <p:cond delay="0"/>
+                                  </p:stCondLst>
+                                  <p:childTnLst>
+                                    <p:set>
+                                      <p:cBhvr>
+                                        <p:cTn id="12" dur="1" fill="hold">
+                                          <p:stCondLst>
+                                            <p:cond delay="0"/>
+                                          </p:stCondLst>
+                                        </p:cTn>
+                                        <p:tgtEl>
+                                          <p:spTgt spid="3">
+                                            <p:txEl>
+                                              <p:pRg st="1" end="1"/>
+                                            </p:txEl>
+                                          </p:spTgt>
+                                        </p:tgtEl>
+                                        <p:attrNameLst>
+                                          <p:attrName>style.visibility</p:attrName>
+                                        </p:attrNameLst>
+                                      </p:cBhvr>
+                                      <p:to>
+                                        <p:strVal val="visible"/>
+                                      </p:to>
+                                    </p:set>
+                                    <p:anim calcmode="lin" valueType="num">
+                                      <p:cBhvr additive="base">
+                                        <p:cTn id="13" dur="500" fill="hold"/>
+                                        <p:tgtEl>
+                                          <p:spTgt spid="3">
+                                            <p:txEl>
+                                              <p:pRg st="1" end="1"/>
+                                            </p:txEl>
+                                          </p:spTgt>
+                                        </p:tgtEl>
+                                        <p:attrNameLst>
+                                          <p:attrName>ppt_x</p:attrName>
+                                        </p:attrNameLst>
+                                      </p:cBhvr>
+                                      <p:tavLst>
+                                        <p:tav tm="0">
+                                          <p:val>
+                                            <p:strVal val="0-#ppt_w/2"/>
+                                          </p:val>
+                                        </p:tav>
+                                        <p:tav tm="100000">
+                                          <p:val>
+                                            <p:strVal val="#ppt_x"/>
+                                          </p:val>
+                                        </p:tav>
+                                      </p:tavLst>
+                                    </p:anim>
+                                    <p:anim calcmode="lin" valueType="num">
+                                      <p:cBhvr additive="base">
+                                        <p:cTn id="14" dur="500" fill="hold"/>
+                                        <p:tgtEl>
+                                          <p:spTgt spid="3">
+                                            <p:txEl>
+                                              <p:pRg st="1" end="1"/>
+                                            </p:txEl>
+                                          </p:spTgt>
+                                        </p:tgtEl>
+                                        <p:attrNameLst>
+                                          <p:attrName>ppt_y</p:attrName>
+                                        </p:attrNameLst>
+                                      </p:cBhvr>
+                                      <p:tavLst>
+                                        <p:tav tm="0">
+                                          <p:val>
+                                            <p:strVal val="#ppt_y"/>
+                                          </p:val>
+                                        </p:tav>
+                                        <p:tav tm="100000">
+                                          <p:val>
+                                            <p:strVal val="#ppt_y"/>
+                                          </p:val>
+                                        </p:tav>
+                                      </p:tavLst>
+                                    </p:anim>
+                                  </p:childTnLst>
+                                </p:cTn>
+                              </p:par>
+                            </p:childTnLst>
+                          </p:cTn>
+                        </p:par>
+                      </p:childTnLst>
+                    </p:cTn>
+                  </p:par>
+                </p:childTnLst>
+              </p:cTn>
+              <p:prevCondLst>
+                <p:cond evt="onPrev" delay="0">
+                  <p:tgtEl>
+                    <p:sldTgt/>
+                  </p:tgtEl>
+                </p:cond>
+              </p:prevCondLst>
+              <p:nextCondLst>
+                <p:cond evt="onNext" delay="0">
+                  <p:tgtEl>
+                    <p:sldTgt/>
+                  </p:tgtEl>
+                </p:cond>
+              </p:nextCondLst>
+            </p:seq>
+          </p:childTnLst>
+        </p:cTn>
       </p:par>
     </p:tnLst>
   </p:timing>
@@ -12851,13 +13064,13 @@
   <p:clrMapOvr>
     <a:masterClrMapping/>
   </p:clrMapOvr>
-  <p:transition xmlns:p14="http://schemas.microsoft.com/office/powerpoint/2010/main">
+  <p:transition>
     <p:fade/>
   </p:transition>
   <p:timing>
     <p:tnLst>
       <p:par>
-        <p:cTn xmlns:p14="http://schemas.microsoft.com/office/powerpoint/2010/main" id="1" dur="indefinite" restart="never" nodeType="tmRoot"/>
+        <p:cTn id="1" dur="indefinite" restart="never" nodeType="tmRoot"/>
       </p:par>
     </p:tnLst>
   </p:timing>
@@ -12975,7 +13188,7 @@
           <a:noFill/>
           <a:extLst>
             <a:ext uri="{909E8E84-426E-40dd-AFC4-6F175D3DCCD1}">
-              <a14:hiddenFill xmlns:a14="http://schemas.microsoft.com/office/drawing/2010/main">
+              <a14:hiddenFill xmlns:a14="http://schemas.microsoft.com/office/drawing/2010/main" xmlns="">
                 <a:solidFill>
                   <a:srgbClr val="FFFFFF"/>
                 </a:solidFill>
@@ -12994,13 +13207,13 @@
   <p:clrMapOvr>
     <a:masterClrMapping/>
   </p:clrMapOvr>
-  <p:transition xmlns:p14="http://schemas.microsoft.com/office/powerpoint/2010/main">
+  <p:transition>
     <p:fade/>
   </p:transition>
   <p:timing>
     <p:tnLst>
       <p:par>
-        <p:cTn xmlns:p14="http://schemas.microsoft.com/office/powerpoint/2010/main" id="1" dur="indefinite" restart="never" nodeType="tmRoot">
+        <p:cTn id="1" dur="indefinite" restart="never" nodeType="tmRoot">
           <p:childTnLst>
             <p:seq concurrent="1" nextAc="seek">
               <p:cTn id="2" dur="indefinite" nodeType="mainSeq">
@@ -13396,13 +13609,13 @@
   <p:clrMapOvr>
     <a:masterClrMapping/>
   </p:clrMapOvr>
-  <p:transition xmlns:p14="http://schemas.microsoft.com/office/powerpoint/2010/main">
+  <p:transition>
     <p:fade/>
   </p:transition>
   <p:timing>
     <p:tnLst>
       <p:par>
-        <p:cTn xmlns:p14="http://schemas.microsoft.com/office/powerpoint/2010/main" id="1" dur="indefinite" restart="never" nodeType="tmRoot"/>
+        <p:cTn id="1" dur="indefinite" restart="never" nodeType="tmRoot"/>
       </p:par>
     </p:tnLst>
   </p:timing>
@@ -13478,13 +13691,13 @@
   <p:clrMapOvr>
     <a:masterClrMapping/>
   </p:clrMapOvr>
-  <p:transition xmlns:p14="http://schemas.microsoft.com/office/powerpoint/2010/main">
+  <p:transition>
     <p:fade/>
   </p:transition>
   <p:timing>
     <p:tnLst>
       <p:par>
-        <p:cTn xmlns:p14="http://schemas.microsoft.com/office/powerpoint/2010/main" id="1" dur="indefinite" restart="never" nodeType="tmRoot"/>
+        <p:cTn id="1" dur="indefinite" restart="never" nodeType="tmRoot"/>
       </p:par>
     </p:tnLst>
   </p:timing>
@@ -13581,7 +13794,6 @@
               <a:rPr lang="da-DK" dirty="0" smtClean="0"/>
               <a:t>Tredjepartskode</a:t>
             </a:r>
-            <a:endParaRPr lang="da-DK" dirty="0" smtClean="0"/>
           </a:p>
           <a:p>
             <a:r>
@@ -13617,13 +13829,13 @@
   <p:clrMapOvr>
     <a:masterClrMapping/>
   </p:clrMapOvr>
-  <p:transition xmlns:p14="http://schemas.microsoft.com/office/powerpoint/2010/main">
+  <p:transition>
     <p:fade/>
   </p:transition>
   <p:timing>
     <p:tnLst>
       <p:par>
-        <p:cTn xmlns:p14="http://schemas.microsoft.com/office/powerpoint/2010/main" id="1" dur="indefinite" restart="never" nodeType="tmRoot">
+        <p:cTn id="1" dur="indefinite" restart="never" nodeType="tmRoot">
           <p:childTnLst>
             <p:seq concurrent="1" nextAc="seek">
               <p:cTn id="2" dur="indefinite" nodeType="mainSeq">
@@ -14506,13 +14718,13 @@
   <p:clrMapOvr>
     <a:masterClrMapping/>
   </p:clrMapOvr>
-  <p:transition xmlns:p14="http://schemas.microsoft.com/office/powerpoint/2010/main">
+  <p:transition>
     <p:fade/>
   </p:transition>
   <p:timing>
     <p:tnLst>
       <p:par>
-        <p:cTn xmlns:p14="http://schemas.microsoft.com/office/powerpoint/2010/main" id="1" dur="indefinite" restart="never" nodeType="tmRoot"/>
+        <p:cTn id="1" dur="indefinite" restart="never" nodeType="tmRoot"/>
       </p:par>
     </p:tnLst>
   </p:timing>
@@ -14600,11 +14812,7 @@
           <a:p>
             <a:r>
               <a:rPr lang="da-DK" dirty="0" smtClean="0"/>
-              <a:t>Diskussion, konklusion, perspektivering og </a:t>
-            </a:r>
-            <a:r>
-              <a:rPr lang="da-DK" dirty="0" smtClean="0"/>
-              <a:t>procesanalyse</a:t>
+              <a:t>Diskussion, konklusion, perspektivering og procesanalyse</a:t>
             </a:r>
           </a:p>
           <a:p>
@@ -14622,13 +14830,13 @@
   <p:clrMapOvr>
     <a:masterClrMapping/>
   </p:clrMapOvr>
-  <p:transition xmlns:p14="http://schemas.microsoft.com/office/powerpoint/2010/main">
+  <p:transition>
     <p:fade/>
   </p:transition>
   <p:timing>
     <p:tnLst>
       <p:par>
-        <p:cTn xmlns:p14="http://schemas.microsoft.com/office/powerpoint/2010/main" id="1" dur="indefinite" restart="never" nodeType="tmRoot"/>
+        <p:cTn id="1" dur="indefinite" restart="never" nodeType="tmRoot"/>
       </p:par>
     </p:tnLst>
   </p:timing>
@@ -14710,13 +14918,13 @@
   <p:clrMapOvr>
     <a:masterClrMapping/>
   </p:clrMapOvr>
-  <p:transition xmlns:p14="http://schemas.microsoft.com/office/powerpoint/2010/main">
+  <p:transition>
     <p:fade/>
   </p:transition>
   <p:timing>
     <p:tnLst>
       <p:par>
-        <p:cTn xmlns:p14="http://schemas.microsoft.com/office/powerpoint/2010/main" id="1" dur="indefinite" restart="never" nodeType="tmRoot"/>
+        <p:cTn id="1" dur="indefinite" restart="never" nodeType="tmRoot"/>
       </p:par>
     </p:tnLst>
   </p:timing>
@@ -14798,13 +15006,13 @@
   <p:clrMapOvr>
     <a:masterClrMapping/>
   </p:clrMapOvr>
-  <p:transition xmlns:p14="http://schemas.microsoft.com/office/powerpoint/2010/main">
+  <p:transition>
     <p:fade/>
   </p:transition>
   <p:timing>
     <p:tnLst>
       <p:par>
-        <p:cTn xmlns:p14="http://schemas.microsoft.com/office/powerpoint/2010/main" id="1" dur="indefinite" restart="never" nodeType="tmRoot"/>
+        <p:cTn id="1" dur="indefinite" restart="never" nodeType="tmRoot"/>
       </p:par>
     </p:tnLst>
   </p:timing>
@@ -14888,7 +15096,6 @@
               <a:rPr lang="da-DK" dirty="0" smtClean="0"/>
               <a:t>, sparringspartnere </a:t>
             </a:r>
-            <a:endParaRPr lang="da-DK" dirty="0" smtClean="0"/>
           </a:p>
           <a:p>
             <a:r>
@@ -14902,28 +15109,11 @@
               <a:rPr lang="da-DK" dirty="0" smtClean="0"/>
               <a:t>Evaluering af roller, strike-systemet, forberedelse til vejledermøder</a:t>
             </a:r>
-            <a:endParaRPr lang="da-DK" dirty="0" smtClean="0"/>
           </a:p>
           <a:p>
             <a:r>
               <a:rPr lang="da-DK" dirty="0" smtClean="0"/>
-              <a:t>Hvilke </a:t>
-            </a:r>
-            <a:r>
-              <a:rPr lang="da-DK" dirty="0" smtClean="0"/>
-              <a:t>ting </a:t>
-            </a:r>
-            <a:r>
-              <a:rPr lang="da-DK" dirty="0" smtClean="0"/>
-              <a:t>kan tages </a:t>
-            </a:r>
-            <a:r>
-              <a:rPr lang="da-DK" dirty="0" smtClean="0"/>
-              <a:t>med til næste projekt</a:t>
-            </a:r>
-            <a:r>
-              <a:rPr lang="da-DK" dirty="0" smtClean="0"/>
-              <a:t>?</a:t>
+              <a:t>Hvilke ting kan tages med til næste projekt?</a:t>
             </a:r>
           </a:p>
           <a:p>
@@ -14953,20 +15143,11 @@
               <a:rPr lang="da-DK" dirty="0" smtClean="0"/>
               <a:t>Rollefordeling med evaluering, bedre forberedelse til vejledermøder</a:t>
             </a:r>
-            <a:endParaRPr lang="da-DK" dirty="0" smtClean="0"/>
           </a:p>
           <a:p>
             <a:r>
               <a:rPr lang="da-DK" dirty="0" smtClean="0"/>
-              <a:t>Hvilke ting skal ikke tages med </a:t>
-            </a:r>
-            <a:r>
-              <a:rPr lang="da-DK" dirty="0" smtClean="0"/>
-              <a:t>til næste projekt</a:t>
-            </a:r>
-            <a:r>
-              <a:rPr lang="da-DK" dirty="0" smtClean="0"/>
-              <a:t>?</a:t>
+              <a:t>Hvilke ting skal ikke tages med til næste projekt?</a:t>
             </a:r>
           </a:p>
           <a:p>
@@ -14997,13 +15178,13 @@
   <p:clrMapOvr>
     <a:masterClrMapping/>
   </p:clrMapOvr>
-  <p:transition xmlns:p14="http://schemas.microsoft.com/office/powerpoint/2010/main">
+  <p:transition>
     <p:fade/>
   </p:transition>
   <p:timing>
     <p:tnLst>
       <p:par>
-        <p:cTn xmlns:p14="http://schemas.microsoft.com/office/powerpoint/2010/main" id="1" dur="indefinite" restart="never" nodeType="tmRoot">
+        <p:cTn id="1" dur="indefinite" restart="never" nodeType="tmRoot">
           <p:childTnLst>
             <p:seq concurrent="1" nextAc="seek">
               <p:cTn id="2" dur="indefinite" nodeType="mainSeq">
@@ -15036,7 +15217,7 @@
                                         <p:tgtEl>
                                           <p:spTgt spid="3">
                                             <p:txEl>
-                                              <p:pRg st="4" end="4"/>
+                                              <p:pRg st="0" end="0"/>
                                             </p:txEl>
                                           </p:spTgt>
                                         </p:tgtEl>
@@ -15054,7 +15235,7 @@
                                         <p:tgtEl>
                                           <p:spTgt spid="3">
                                             <p:txEl>
-                                              <p:pRg st="4" end="4"/>
+                                              <p:pRg st="0" end="0"/>
                                             </p:txEl>
                                           </p:spTgt>
                                         </p:tgtEl>
@@ -15081,7 +15262,7 @@
                                         <p:tgtEl>
                                           <p:spTgt spid="3">
                                             <p:txEl>
-                                              <p:pRg st="4" end="4"/>
+                                              <p:pRg st="0" end="0"/>
                                             </p:txEl>
                                           </p:spTgt>
                                         </p:tgtEl>
@@ -15139,7 +15320,7 @@
                                         <p:tgtEl>
                                           <p:spTgt spid="3">
                                             <p:txEl>
-                                              <p:pRg st="5" end="5"/>
+                                              <p:pRg st="1" end="1"/>
                                             </p:txEl>
                                           </p:spTgt>
                                         </p:tgtEl>
@@ -15157,7 +15338,7 @@
                                         <p:tgtEl>
                                           <p:spTgt spid="3">
                                             <p:txEl>
-                                              <p:pRg st="5" end="5"/>
+                                              <p:pRg st="1" end="1"/>
                                             </p:txEl>
                                           </p:spTgt>
                                         </p:tgtEl>
@@ -15184,7 +15365,7 @@
                                         <p:tgtEl>
                                           <p:spTgt spid="3">
                                             <p:txEl>
-                                              <p:pRg st="5" end="5"/>
+                                              <p:pRg st="1" end="1"/>
                                             </p:txEl>
                                           </p:spTgt>
                                         </p:tgtEl>
@@ -15242,7 +15423,7 @@
                                         <p:tgtEl>
                                           <p:spTgt spid="3">
                                             <p:txEl>
-                                              <p:pRg st="6" end="6"/>
+                                              <p:pRg st="2" end="2"/>
                                             </p:txEl>
                                           </p:spTgt>
                                         </p:tgtEl>
@@ -15260,7 +15441,7 @@
                                         <p:tgtEl>
                                           <p:spTgt spid="3">
                                             <p:txEl>
-                                              <p:pRg st="6" end="6"/>
+                                              <p:pRg st="2" end="2"/>
                                             </p:txEl>
                                           </p:spTgt>
                                         </p:tgtEl>
@@ -15287,7 +15468,7 @@
                                         <p:tgtEl>
                                           <p:spTgt spid="3">
                                             <p:txEl>
-                                              <p:pRg st="6" end="6"/>
+                                              <p:pRg st="2" end="2"/>
                                             </p:txEl>
                                           </p:spTgt>
                                         </p:tgtEl>
@@ -15345,7 +15526,7 @@
                                         <p:tgtEl>
                                           <p:spTgt spid="3">
                                             <p:txEl>
-                                              <p:pRg st="7" end="7"/>
+                                              <p:pRg st="3" end="3"/>
                                             </p:txEl>
                                           </p:spTgt>
                                         </p:tgtEl>
@@ -15363,7 +15544,7 @@
                                         <p:tgtEl>
                                           <p:spTgt spid="3">
                                             <p:txEl>
-                                              <p:pRg st="7" end="7"/>
+                                              <p:pRg st="3" end="3"/>
                                             </p:txEl>
                                           </p:spTgt>
                                         </p:tgtEl>
@@ -15390,7 +15571,7 @@
                                         <p:tgtEl>
                                           <p:spTgt spid="3">
                                             <p:txEl>
-                                              <p:pRg st="7" end="7"/>
+                                              <p:pRg st="3" end="3"/>
                                             </p:txEl>
                                           </p:spTgt>
                                         </p:tgtEl>
@@ -15448,7 +15629,7 @@
                                         <p:tgtEl>
                                           <p:spTgt spid="3">
                                             <p:txEl>
-                                              <p:pRg st="0" end="0"/>
+                                              <p:pRg st="4" end="4"/>
                                             </p:txEl>
                                           </p:spTgt>
                                         </p:tgtEl>
@@ -15466,7 +15647,7 @@
                                         <p:tgtEl>
                                           <p:spTgt spid="3">
                                             <p:txEl>
-                                              <p:pRg st="0" end="0"/>
+                                              <p:pRg st="4" end="4"/>
                                             </p:txEl>
                                           </p:spTgt>
                                         </p:tgtEl>
@@ -15493,7 +15674,7 @@
                                         <p:tgtEl>
                                           <p:spTgt spid="3">
                                             <p:txEl>
-                                              <p:pRg st="0" end="0"/>
+                                              <p:pRg st="4" end="4"/>
                                             </p:txEl>
                                           </p:spTgt>
                                         </p:tgtEl>
@@ -15551,7 +15732,7 @@
                                         <p:tgtEl>
                                           <p:spTgt spid="3">
                                             <p:txEl>
-                                              <p:pRg st="1" end="1"/>
+                                              <p:pRg st="5" end="5"/>
                                             </p:txEl>
                                           </p:spTgt>
                                         </p:tgtEl>
@@ -15569,7 +15750,7 @@
                                         <p:tgtEl>
                                           <p:spTgt spid="3">
                                             <p:txEl>
-                                              <p:pRg st="1" end="1"/>
+                                              <p:pRg st="5" end="5"/>
                                             </p:txEl>
                                           </p:spTgt>
                                         </p:tgtEl>
@@ -15596,7 +15777,7 @@
                                         <p:tgtEl>
                                           <p:spTgt spid="3">
                                             <p:txEl>
-                                              <p:pRg st="1" end="1"/>
+                                              <p:pRg st="5" end="5"/>
                                             </p:txEl>
                                           </p:spTgt>
                                         </p:tgtEl>
@@ -15654,7 +15835,7 @@
                                         <p:tgtEl>
                                           <p:spTgt spid="3">
                                             <p:txEl>
-                                              <p:pRg st="2" end="2"/>
+                                              <p:pRg st="6" end="6"/>
                                             </p:txEl>
                                           </p:spTgt>
                                         </p:tgtEl>
@@ -15672,7 +15853,7 @@
                                         <p:tgtEl>
                                           <p:spTgt spid="3">
                                             <p:txEl>
-                                              <p:pRg st="2" end="2"/>
+                                              <p:pRg st="6" end="6"/>
                                             </p:txEl>
                                           </p:spTgt>
                                         </p:tgtEl>
@@ -15699,7 +15880,7 @@
                                         <p:tgtEl>
                                           <p:spTgt spid="3">
                                             <p:txEl>
-                                              <p:pRg st="2" end="2"/>
+                                              <p:pRg st="6" end="6"/>
                                             </p:txEl>
                                           </p:spTgt>
                                         </p:tgtEl>
@@ -15757,7 +15938,7 @@
                                         <p:tgtEl>
                                           <p:spTgt spid="3">
                                             <p:txEl>
-                                              <p:pRg st="3" end="3"/>
+                                              <p:pRg st="7" end="7"/>
                                             </p:txEl>
                                           </p:spTgt>
                                         </p:tgtEl>
@@ -15775,7 +15956,7 @@
                                         <p:tgtEl>
                                           <p:spTgt spid="3">
                                             <p:txEl>
-                                              <p:pRg st="3" end="3"/>
+                                              <p:pRg st="7" end="7"/>
                                             </p:txEl>
                                           </p:spTgt>
                                         </p:tgtEl>
@@ -15802,7 +15983,7 @@
                                         <p:tgtEl>
                                           <p:spTgt spid="3">
                                             <p:txEl>
-                                              <p:pRg st="3" end="3"/>
+                                              <p:pRg st="7" end="7"/>
                                             </p:txEl>
                                           </p:spTgt>
                                         </p:tgtEl>
@@ -16171,13 +16352,13 @@
   <p:clrMapOvr>
     <a:masterClrMapping/>
   </p:clrMapOvr>
-  <p:transition xmlns:p14="http://schemas.microsoft.com/office/powerpoint/2010/main">
+  <p:transition>
     <p:fade/>
   </p:transition>
   <p:timing>
     <p:tnLst>
       <p:par>
-        <p:cTn xmlns:p14="http://schemas.microsoft.com/office/powerpoint/2010/main" id="1" dur="indefinite" restart="never" nodeType="tmRoot">
+        <p:cTn id="1" dur="indefinite" restart="never" nodeType="tmRoot">
           <p:childTnLst>
             <p:seq concurrent="1" nextAc="seek">
               <p:cTn id="2" dur="indefinite" nodeType="mainSeq">
@@ -16736,13 +16917,13 @@
   <p:clrMapOvr>
     <a:masterClrMapping/>
   </p:clrMapOvr>
-  <p:transition xmlns:p14="http://schemas.microsoft.com/office/powerpoint/2010/main">
+  <p:transition>
     <p:fade/>
   </p:transition>
   <p:timing>
     <p:tnLst>
       <p:par>
-        <p:cTn xmlns:p14="http://schemas.microsoft.com/office/powerpoint/2010/main" id="1" dur="indefinite" restart="never" nodeType="tmRoot">
+        <p:cTn id="1" dur="indefinite" restart="never" nodeType="tmRoot">
           <p:childTnLst>
             <p:seq concurrent="1" nextAc="seek">
               <p:cTn id="2" dur="indefinite" nodeType="mainSeq">
@@ -17323,13 +17504,13 @@
   <p:clrMapOvr>
     <a:masterClrMapping/>
   </p:clrMapOvr>
-  <p:transition xmlns:p14="http://schemas.microsoft.com/office/powerpoint/2010/main">
+  <p:transition>
     <p:fade/>
   </p:transition>
   <p:timing>
     <p:tnLst>
       <p:par>
-        <p:cTn xmlns:p14="http://schemas.microsoft.com/office/powerpoint/2010/main" id="1" dur="indefinite" restart="never" nodeType="tmRoot">
+        <p:cTn id="1" dur="indefinite" restart="never" nodeType="tmRoot">
           <p:childTnLst>
             <p:seq concurrent="1" nextAc="seek">
               <p:cTn id="2" dur="indefinite" nodeType="mainSeq">
@@ -17582,13 +17763,13 @@
   <p:clrMapOvr>
     <a:masterClrMapping/>
   </p:clrMapOvr>
-  <p:transition xmlns:p14="http://schemas.microsoft.com/office/powerpoint/2010/main">
+  <p:transition>
     <p:fade/>
   </p:transition>
   <p:timing>
     <p:tnLst>
       <p:par>
-        <p:cTn xmlns:p14="http://schemas.microsoft.com/office/powerpoint/2010/main" id="1" dur="indefinite" restart="never" nodeType="tmRoot"/>
+        <p:cTn id="1" dur="indefinite" restart="never" nodeType="tmRoot"/>
       </p:par>
     </p:tnLst>
   </p:timing>
@@ -17670,13 +17851,13 @@
   <p:clrMapOvr>
     <a:masterClrMapping/>
   </p:clrMapOvr>
-  <p:transition xmlns:p14="http://schemas.microsoft.com/office/powerpoint/2010/main">
+  <p:transition>
     <p:fade/>
   </p:transition>
   <p:timing>
     <p:tnLst>
       <p:par>
-        <p:cTn xmlns:p14="http://schemas.microsoft.com/office/powerpoint/2010/main" id="1" dur="indefinite" restart="never" nodeType="tmRoot"/>
+        <p:cTn id="1" dur="indefinite" restart="never" nodeType="tmRoot"/>
       </p:par>
     </p:tnLst>
   </p:timing>
@@ -17855,13 +18036,13 @@
   <p:clrMapOvr>
     <a:masterClrMapping/>
   </p:clrMapOvr>
-  <p:transition xmlns:p14="http://schemas.microsoft.com/office/powerpoint/2010/main">
+  <p:transition>
     <p:fade/>
   </p:transition>
   <p:timing>
     <p:tnLst>
       <p:par>
-        <p:cTn xmlns:p14="http://schemas.microsoft.com/office/powerpoint/2010/main" id="1" dur="indefinite" restart="never" nodeType="tmRoot"/>
+        <p:cTn id="1" dur="indefinite" restart="never" nodeType="tmRoot"/>
       </p:par>
     </p:tnLst>
   </p:timing>
@@ -18040,13 +18221,13 @@
   <p:clrMapOvr>
     <a:masterClrMapping/>
   </p:clrMapOvr>
-  <p:transition xmlns:p14="http://schemas.microsoft.com/office/powerpoint/2010/main">
+  <p:transition>
     <p:fade/>
   </p:transition>
   <p:timing>
     <p:tnLst>
       <p:par>
-        <p:cTn xmlns:p14="http://schemas.microsoft.com/office/powerpoint/2010/main" id="1" dur="indefinite" restart="never" nodeType="tmRoot"/>
+        <p:cTn id="1" dur="indefinite" restart="never" nodeType="tmRoot"/>
       </p:par>
     </p:tnLst>
   </p:timing>
